--- a/중급반 수업 자료/1_C++/기초반 C++언어 강의자료/C++_2_string_동적할당_enum/C++_2_string_동적할당_enum.pptx
+++ b/중급반 수업 자료/1_C++/기초반 C++언어 강의자료/C++_2_string_동적할당_enum/C++_2_string_동적할당_enum.pptx
@@ -5,7 +5,7 @@
     <p:sldMasterId id="2147483648" r:id="rId1"/>
   </p:sldMasterIdLst>
   <p:notesMasterIdLst>
-    <p:notesMasterId r:id="rId34"/>
+    <p:notesMasterId r:id="rId32"/>
   </p:notesMasterIdLst>
   <p:sldIdLst>
     <p:sldId id="304" r:id="rId2"/>
@@ -37,42 +37,40 @@
     <p:sldId id="341" r:id="rId28"/>
     <p:sldId id="342" r:id="rId29"/>
     <p:sldId id="343" r:id="rId30"/>
-    <p:sldId id="344" r:id="rId31"/>
-    <p:sldId id="345" r:id="rId32"/>
-    <p:sldId id="318" r:id="rId33"/>
+    <p:sldId id="318" r:id="rId31"/>
   </p:sldIdLst>
   <p:sldSz cx="9144000" cy="6858000" type="screen4x3"/>
   <p:notesSz cx="6858000" cy="9144000"/>
   <p:embeddedFontLst>
     <p:embeddedFont>
-      <p:font typeface="HY강B" panose="020B0600000101010101" charset="-127"/>
+      <p:font typeface="Yoon 윤고딕 520_TT" charset="-127"/>
+      <p:regular r:id="rId33"/>
+    </p:embeddedFont>
+    <p:embeddedFont>
+      <p:font typeface="HY강M" charset="-127"/>
+      <p:regular r:id="rId34"/>
+    </p:embeddedFont>
+    <p:embeddedFont>
+      <p:font typeface="HY강B" charset="-127"/>
       <p:regular r:id="rId35"/>
     </p:embeddedFont>
     <p:embeddedFont>
-      <p:font typeface="HY강M" panose="020B0600000101010101" charset="-127"/>
+      <p:font typeface="HY견고딕" pitchFamily="18" charset="-127"/>
       <p:regular r:id="rId36"/>
     </p:embeddedFont>
     <p:embeddedFont>
-      <p:font typeface="Yoon 윤고딕 520_TT" panose="020B0600000101010101" charset="-127"/>
+      <p:font typeface="HY헤드라인M" pitchFamily="18" charset="-127"/>
       <p:regular r:id="rId37"/>
     </p:embeddedFont>
     <p:embeddedFont>
-      <p:font typeface="Segoe UI Black" panose="020B0604020202020204" charset="0"/>
-      <p:bold r:id="rId38"/>
-      <p:boldItalic r:id="rId39"/>
+      <p:font typeface="맑은 고딕" pitchFamily="50" charset="-127"/>
+      <p:regular r:id="rId38"/>
+      <p:bold r:id="rId39"/>
     </p:embeddedFont>
     <p:embeddedFont>
-      <p:font typeface="HY헤드라인M" panose="02030600000101010101" pitchFamily="18" charset="-127"/>
-      <p:regular r:id="rId40"/>
-    </p:embeddedFont>
-    <p:embeddedFont>
-      <p:font typeface="맑은 고딕" panose="020B0503020000020004" pitchFamily="50" charset="-127"/>
-      <p:regular r:id="rId41"/>
-      <p:bold r:id="rId42"/>
-    </p:embeddedFont>
-    <p:embeddedFont>
-      <p:font typeface="HY견고딕" panose="02030600000101010101" pitchFamily="18" charset="-127"/>
-      <p:regular r:id="rId43"/>
+      <p:font typeface="Segoe UI Black" pitchFamily="34" charset="0"/>
+      <p:bold r:id="rId40"/>
+      <p:boldItalic r:id="rId41"/>
     </p:embeddedFont>
   </p:embeddedFontLst>
   <p:defaultTextStyle>
@@ -256,7 +254,7 @@
             <a:fld id="{E2E81C77-485D-47AA-9839-DA75671EEAD7}" type="datetimeFigureOut">
               <a:rPr lang="ko-KR" altLang="en-US" smtClean="0"/>
               <a:pPr/>
-              <a:t>2019-10-23</a:t>
+              <a:t>2022-07-19</a:t>
             </a:fld>
             <a:endParaRPr lang="ko-KR" altLang="en-US"/>
           </a:p>
@@ -1213,7 +1211,7 @@
             <a:fld id="{3A302466-FE76-40E8-BE5D-598A609EDD2B}" type="datetimeFigureOut">
               <a:rPr lang="ko-KR" altLang="en-US" smtClean="0"/>
               <a:pPr/>
-              <a:t>2019-10-23</a:t>
+              <a:t>2022-07-19</a:t>
             </a:fld>
             <a:endParaRPr lang="ko-KR" altLang="en-US"/>
           </a:p>
@@ -1385,7 +1383,7 @@
             <a:fld id="{3A302466-FE76-40E8-BE5D-598A609EDD2B}" type="datetimeFigureOut">
               <a:rPr lang="ko-KR" altLang="en-US" smtClean="0"/>
               <a:pPr/>
-              <a:t>2019-10-23</a:t>
+              <a:t>2022-07-19</a:t>
             </a:fld>
             <a:endParaRPr lang="ko-KR" altLang="en-US"/>
           </a:p>
@@ -1567,7 +1565,7 @@
             <a:fld id="{3A302466-FE76-40E8-BE5D-598A609EDD2B}" type="datetimeFigureOut">
               <a:rPr lang="ko-KR" altLang="en-US" smtClean="0"/>
               <a:pPr/>
-              <a:t>2019-10-23</a:t>
+              <a:t>2022-07-19</a:t>
             </a:fld>
             <a:endParaRPr lang="ko-KR" altLang="en-US"/>
           </a:p>
@@ -1739,7 +1737,7 @@
             <a:fld id="{3A302466-FE76-40E8-BE5D-598A609EDD2B}" type="datetimeFigureOut">
               <a:rPr lang="ko-KR" altLang="en-US" smtClean="0"/>
               <a:pPr/>
-              <a:t>2019-10-23</a:t>
+              <a:t>2022-07-19</a:t>
             </a:fld>
             <a:endParaRPr lang="ko-KR" altLang="en-US"/>
           </a:p>
@@ -1987,7 +1985,7 @@
             <a:fld id="{3A302466-FE76-40E8-BE5D-598A609EDD2B}" type="datetimeFigureOut">
               <a:rPr lang="ko-KR" altLang="en-US" smtClean="0"/>
               <a:pPr/>
-              <a:t>2019-10-23</a:t>
+              <a:t>2022-07-19</a:t>
             </a:fld>
             <a:endParaRPr lang="ko-KR" altLang="en-US"/>
           </a:p>
@@ -2277,7 +2275,7 @@
             <a:fld id="{3A302466-FE76-40E8-BE5D-598A609EDD2B}" type="datetimeFigureOut">
               <a:rPr lang="ko-KR" altLang="en-US" smtClean="0"/>
               <a:pPr/>
-              <a:t>2019-10-23</a:t>
+              <a:t>2022-07-19</a:t>
             </a:fld>
             <a:endParaRPr lang="ko-KR" altLang="en-US"/>
           </a:p>
@@ -2701,7 +2699,7 @@
             <a:fld id="{3A302466-FE76-40E8-BE5D-598A609EDD2B}" type="datetimeFigureOut">
               <a:rPr lang="ko-KR" altLang="en-US" smtClean="0"/>
               <a:pPr/>
-              <a:t>2019-10-23</a:t>
+              <a:t>2022-07-19</a:t>
             </a:fld>
             <a:endParaRPr lang="ko-KR" altLang="en-US"/>
           </a:p>
@@ -2821,7 +2819,7 @@
             <a:fld id="{3A302466-FE76-40E8-BE5D-598A609EDD2B}" type="datetimeFigureOut">
               <a:rPr lang="ko-KR" altLang="en-US" smtClean="0"/>
               <a:pPr/>
-              <a:t>2019-10-23</a:t>
+              <a:t>2022-07-19</a:t>
             </a:fld>
             <a:endParaRPr lang="ko-KR" altLang="en-US"/>
           </a:p>
@@ -2918,7 +2916,7 @@
             <a:fld id="{3A302466-FE76-40E8-BE5D-598A609EDD2B}" type="datetimeFigureOut">
               <a:rPr lang="ko-KR" altLang="en-US" smtClean="0"/>
               <a:pPr/>
-              <a:t>2019-10-23</a:t>
+              <a:t>2022-07-19</a:t>
             </a:fld>
             <a:endParaRPr lang="ko-KR" altLang="en-US"/>
           </a:p>
@@ -3197,7 +3195,7 @@
             <a:fld id="{3A302466-FE76-40E8-BE5D-598A609EDD2B}" type="datetimeFigureOut">
               <a:rPr lang="ko-KR" altLang="en-US" smtClean="0"/>
               <a:pPr/>
-              <a:t>2019-10-23</a:t>
+              <a:t>2022-07-19</a:t>
             </a:fld>
             <a:endParaRPr lang="ko-KR" altLang="en-US"/>
           </a:p>
@@ -3452,7 +3450,7 @@
             <a:fld id="{3A302466-FE76-40E8-BE5D-598A609EDD2B}" type="datetimeFigureOut">
               <a:rPr lang="ko-KR" altLang="en-US" smtClean="0"/>
               <a:pPr/>
-              <a:t>2019-10-23</a:t>
+              <a:t>2022-07-19</a:t>
             </a:fld>
             <a:endParaRPr lang="ko-KR" altLang="en-US"/>
           </a:p>
@@ -3667,7 +3665,7 @@
             <a:fld id="{3A302466-FE76-40E8-BE5D-598A609EDD2B}" type="datetimeFigureOut">
               <a:rPr lang="ko-KR" altLang="en-US" smtClean="0"/>
               <a:pPr/>
-              <a:t>2019-10-23</a:t>
+              <a:t>2022-07-19</a:t>
             </a:fld>
             <a:endParaRPr lang="ko-KR" altLang="en-US"/>
           </a:p>
@@ -10306,419 +10304,366 @@
           </a:p>
           <a:p>
             <a:r>
-              <a:rPr lang="en-US" altLang="ko-KR" sz="1400" dirty="0" err="1">
+              <a:rPr lang="en-US" altLang="ko-KR" sz="1400" dirty="0" err="1" smtClean="0">
                 <a:latin typeface="HY견고딕" pitchFamily="18" charset="-127"/>
                 <a:ea typeface="HY견고딕" pitchFamily="18" charset="-127"/>
               </a:rPr>
               <a:t>bool</a:t>
             </a:r>
             <a:r>
+              <a:rPr lang="en-US" altLang="ko-KR" sz="1400" dirty="0" smtClean="0">
+                <a:latin typeface="HY견고딕" pitchFamily="18" charset="-127"/>
+                <a:ea typeface="HY견고딕" pitchFamily="18" charset="-127"/>
+              </a:rPr>
+              <a:t> </a:t>
+            </a:r>
+            <a:r>
+              <a:rPr lang="en-US" altLang="ko-KR" sz="1400" dirty="0" err="1" smtClean="0">
+                <a:latin typeface="HY견고딕" pitchFamily="18" charset="-127"/>
+                <a:ea typeface="HY견고딕" pitchFamily="18" charset="-127"/>
+              </a:rPr>
+              <a:t>func</a:t>
+            </a:r>
+            <a:r>
+              <a:rPr lang="en-US" altLang="ko-KR" sz="1400" dirty="0" smtClean="0">
+                <a:latin typeface="HY견고딕" pitchFamily="18" charset="-127"/>
+                <a:ea typeface="HY견고딕" pitchFamily="18" charset="-127"/>
+              </a:rPr>
+              <a:t>(</a:t>
+            </a:r>
+            <a:r>
+              <a:rPr lang="en-US" altLang="ko-KR" sz="1400" dirty="0" err="1" smtClean="0">
+                <a:latin typeface="HY견고딕" pitchFamily="18" charset="-127"/>
+                <a:ea typeface="HY견고딕" pitchFamily="18" charset="-127"/>
+              </a:rPr>
+              <a:t>int</a:t>
+            </a:r>
+            <a:r>
+              <a:rPr lang="en-US" altLang="ko-KR" sz="1400" dirty="0" smtClean="0">
+                <a:latin typeface="HY견고딕" pitchFamily="18" charset="-127"/>
+                <a:ea typeface="HY견고딕" pitchFamily="18" charset="-127"/>
+              </a:rPr>
+              <a:t> </a:t>
+            </a:r>
+            <a:r>
+              <a:rPr lang="en-US" altLang="ko-KR" sz="1400" dirty="0" err="1" smtClean="0">
+                <a:latin typeface="HY견고딕" pitchFamily="18" charset="-127"/>
+                <a:ea typeface="HY견고딕" pitchFamily="18" charset="-127"/>
+              </a:rPr>
+              <a:t>num</a:t>
+            </a:r>
+            <a:r>
+              <a:rPr lang="en-US" altLang="ko-KR" sz="1400" dirty="0" smtClean="0">
+                <a:latin typeface="HY견고딕" pitchFamily="18" charset="-127"/>
+                <a:ea typeface="HY견고딕" pitchFamily="18" charset="-127"/>
+              </a:rPr>
+              <a:t>)</a:t>
+            </a:r>
+          </a:p>
+          <a:p>
+            <a:r>
+              <a:rPr lang="en-US" altLang="ko-KR" sz="1400" dirty="0" smtClean="0">
+                <a:latin typeface="HY견고딕" pitchFamily="18" charset="-127"/>
+                <a:ea typeface="HY견고딕" pitchFamily="18" charset="-127"/>
+              </a:rPr>
+              <a:t>{</a:t>
+            </a:r>
+          </a:p>
+          <a:p>
+            <a:r>
+              <a:rPr lang="en-US" altLang="ko-KR" sz="1400" dirty="0" smtClean="0">
+                <a:latin typeface="HY견고딕" pitchFamily="18" charset="-127"/>
+                <a:ea typeface="HY견고딕" pitchFamily="18" charset="-127"/>
+              </a:rPr>
+              <a:t>	</a:t>
+            </a:r>
+            <a:r>
+              <a:rPr lang="en-US" altLang="ko-KR" sz="1400" dirty="0" err="1" smtClean="0">
+                <a:latin typeface="HY견고딕" pitchFamily="18" charset="-127"/>
+                <a:ea typeface="HY견고딕" pitchFamily="18" charset="-127"/>
+              </a:rPr>
+              <a:t>bool</a:t>
+            </a:r>
+            <a:r>
+              <a:rPr lang="en-US" altLang="ko-KR" sz="1400" dirty="0" smtClean="0">
+                <a:latin typeface="HY견고딕" pitchFamily="18" charset="-127"/>
+                <a:ea typeface="HY견고딕" pitchFamily="18" charset="-127"/>
+              </a:rPr>
+              <a:t> b;</a:t>
+            </a:r>
+          </a:p>
+          <a:p>
+            <a:r>
+              <a:rPr lang="en-US" altLang="ko-KR" sz="1400" dirty="0" smtClean="0">
+                <a:latin typeface="HY견고딕" pitchFamily="18" charset="-127"/>
+                <a:ea typeface="HY견고딕" pitchFamily="18" charset="-127"/>
+              </a:rPr>
+              <a:t>	if (</a:t>
+            </a:r>
+            <a:r>
+              <a:rPr lang="en-US" altLang="ko-KR" sz="1400" dirty="0" err="1" smtClean="0">
+                <a:latin typeface="HY견고딕" pitchFamily="18" charset="-127"/>
+                <a:ea typeface="HY견고딕" pitchFamily="18" charset="-127"/>
+              </a:rPr>
+              <a:t>num</a:t>
+            </a:r>
+            <a:r>
+              <a:rPr lang="en-US" altLang="ko-KR" sz="1400" dirty="0" smtClean="0">
+                <a:latin typeface="HY견고딕" pitchFamily="18" charset="-127"/>
+                <a:ea typeface="HY견고딕" pitchFamily="18" charset="-127"/>
+              </a:rPr>
+              <a:t> == 10)</a:t>
+            </a:r>
+          </a:p>
+          <a:p>
+            <a:r>
+              <a:rPr lang="en-US" altLang="ko-KR" sz="1400" dirty="0" smtClean="0">
+                <a:latin typeface="HY견고딕" pitchFamily="18" charset="-127"/>
+                <a:ea typeface="HY견고딕" pitchFamily="18" charset="-127"/>
+              </a:rPr>
+              <a:t>	b = true;</a:t>
+            </a:r>
+          </a:p>
+          <a:p>
+            <a:r>
+              <a:rPr lang="en-US" altLang="ko-KR" sz="1400" dirty="0" smtClean="0">
+                <a:latin typeface="HY견고딕" pitchFamily="18" charset="-127"/>
+                <a:ea typeface="HY견고딕" pitchFamily="18" charset="-127"/>
+              </a:rPr>
+              <a:t>	else</a:t>
+            </a:r>
+          </a:p>
+          <a:p>
+            <a:r>
+              <a:rPr lang="en-US" altLang="ko-KR" sz="1400" dirty="0" smtClean="0">
+                <a:latin typeface="HY견고딕" pitchFamily="18" charset="-127"/>
+                <a:ea typeface="HY견고딕" pitchFamily="18" charset="-127"/>
+              </a:rPr>
+              <a:t>	b = false;</a:t>
+            </a:r>
+          </a:p>
+          <a:p>
+            <a:r>
+              <a:rPr lang="en-US" altLang="ko-KR" sz="1400" dirty="0" smtClean="0">
+                <a:latin typeface="HY견고딕" pitchFamily="18" charset="-127"/>
+                <a:ea typeface="HY견고딕" pitchFamily="18" charset="-127"/>
+              </a:rPr>
+              <a:t>	return b;</a:t>
+            </a:r>
+          </a:p>
+          <a:p>
+            <a:r>
+              <a:rPr lang="en-US" altLang="ko-KR" sz="1400" dirty="0" smtClean="0">
+                <a:latin typeface="HY견고딕" pitchFamily="18" charset="-127"/>
+                <a:ea typeface="HY견고딕" pitchFamily="18" charset="-127"/>
+              </a:rPr>
+              <a:t>}</a:t>
+            </a:r>
+          </a:p>
+          <a:p>
+            <a:r>
+              <a:rPr lang="en-US" altLang="ko-KR" sz="1400" dirty="0" smtClean="0">
+                <a:latin typeface="HY견고딕" pitchFamily="18" charset="-127"/>
+                <a:ea typeface="HY견고딕" pitchFamily="18" charset="-127"/>
+              </a:rPr>
+              <a:t>void </a:t>
+            </a:r>
+            <a:r>
               <a:rPr lang="en-US" altLang="ko-KR" sz="1400" dirty="0">
                 <a:latin typeface="HY견고딕" pitchFamily="18" charset="-127"/>
                 <a:ea typeface="HY견고딕" pitchFamily="18" charset="-127"/>
               </a:rPr>
+              <a:t>main()</a:t>
+            </a:r>
+          </a:p>
+          <a:p>
+            <a:r>
+              <a:rPr lang="en-US" altLang="ko-KR" sz="1400" dirty="0">
+                <a:latin typeface="HY견고딕" pitchFamily="18" charset="-127"/>
+                <a:ea typeface="HY견고딕" pitchFamily="18" charset="-127"/>
+              </a:rPr>
+              <a:t>{</a:t>
+            </a:r>
+          </a:p>
+          <a:p>
+            <a:r>
+              <a:rPr lang="en-US" altLang="ko-KR" sz="1400" dirty="0" smtClean="0">
+                <a:latin typeface="HY견고딕" pitchFamily="18" charset="-127"/>
+                <a:ea typeface="HY견고딕" pitchFamily="18" charset="-127"/>
+              </a:rPr>
+              <a:t>	</a:t>
+            </a:r>
+            <a:r>
+              <a:rPr lang="en-US" altLang="ko-KR" sz="1400" dirty="0" err="1" smtClean="0">
+                <a:latin typeface="HY견고딕" pitchFamily="18" charset="-127"/>
+                <a:ea typeface="HY견고딕" pitchFamily="18" charset="-127"/>
+              </a:rPr>
+              <a:t>int</a:t>
+            </a:r>
+            <a:r>
+              <a:rPr lang="en-US" altLang="ko-KR" sz="1400" dirty="0" smtClean="0">
+                <a:latin typeface="HY견고딕" pitchFamily="18" charset="-127"/>
+                <a:ea typeface="HY견고딕" pitchFamily="18" charset="-127"/>
+              </a:rPr>
               <a:t> </a:t>
             </a:r>
             <a:r>
-              <a:rPr lang="en-US" altLang="ko-KR" sz="1400" dirty="0" err="1">
+              <a:rPr lang="en-US" altLang="ko-KR" sz="1400" dirty="0" err="1" smtClean="0">
+                <a:latin typeface="HY견고딕" pitchFamily="18" charset="-127"/>
+                <a:ea typeface="HY견고딕" pitchFamily="18" charset="-127"/>
+              </a:rPr>
+              <a:t>num</a:t>
+            </a:r>
+            <a:r>
+              <a:rPr lang="en-US" altLang="ko-KR" sz="1400" dirty="0" smtClean="0">
+                <a:latin typeface="HY견고딕" pitchFamily="18" charset="-127"/>
+                <a:ea typeface="HY견고딕" pitchFamily="18" charset="-127"/>
+              </a:rPr>
+              <a:t>;</a:t>
+            </a:r>
+          </a:p>
+          <a:p>
+            <a:r>
+              <a:rPr lang="en-US" altLang="ko-KR" sz="1400" dirty="0" smtClean="0">
+                <a:latin typeface="HY견고딕" pitchFamily="18" charset="-127"/>
+                <a:ea typeface="HY견고딕" pitchFamily="18" charset="-127"/>
+              </a:rPr>
+              <a:t>	</a:t>
+            </a:r>
+            <a:r>
+              <a:rPr lang="en-US" altLang="ko-KR" sz="1400" dirty="0" err="1" smtClean="0">
+                <a:latin typeface="HY견고딕" pitchFamily="18" charset="-127"/>
+                <a:ea typeface="HY견고딕" pitchFamily="18" charset="-127"/>
+              </a:rPr>
+              <a:t>cout</a:t>
+            </a:r>
+            <a:r>
+              <a:rPr lang="en-US" altLang="ko-KR" sz="1400" dirty="0" smtClean="0">
+                <a:latin typeface="HY견고딕" pitchFamily="18" charset="-127"/>
+                <a:ea typeface="HY견고딕" pitchFamily="18" charset="-127"/>
+              </a:rPr>
+              <a:t> &lt;&lt;</a:t>
+            </a:r>
+            <a:r>
+              <a:rPr lang="ko-KR" altLang="en-US" sz="1400" dirty="0" smtClean="0">
+                <a:latin typeface="HY견고딕" pitchFamily="18" charset="-127"/>
+                <a:ea typeface="HY견고딕" pitchFamily="18" charset="-127"/>
+              </a:rPr>
+              <a:t> </a:t>
+            </a:r>
+            <a:r>
+              <a:rPr lang="en-US" altLang="ko-KR" sz="1400" dirty="0" smtClean="0">
+                <a:latin typeface="HY견고딕" pitchFamily="18" charset="-127"/>
+                <a:ea typeface="HY견고딕" pitchFamily="18" charset="-127"/>
+              </a:rPr>
+              <a:t>"10 </a:t>
+            </a:r>
+            <a:r>
+              <a:rPr lang="ko-KR" altLang="en-US" sz="1400" dirty="0" smtClean="0">
+                <a:latin typeface="HY견고딕" pitchFamily="18" charset="-127"/>
+                <a:ea typeface="HY견고딕" pitchFamily="18" charset="-127"/>
+              </a:rPr>
+              <a:t>을 입력하시오</a:t>
+            </a:r>
+            <a:r>
+              <a:rPr lang="en-US" altLang="ko-KR" sz="1400" dirty="0" smtClean="0">
+                <a:latin typeface="HY견고딕" pitchFamily="18" charset="-127"/>
+                <a:ea typeface="HY견고딕" pitchFamily="18" charset="-127"/>
+              </a:rPr>
+              <a:t>";</a:t>
+            </a:r>
+          </a:p>
+          <a:p>
+            <a:r>
+              <a:rPr lang="en-US" altLang="ko-KR" sz="1400" dirty="0" smtClean="0">
+                <a:latin typeface="HY견고딕" pitchFamily="18" charset="-127"/>
+                <a:ea typeface="HY견고딕" pitchFamily="18" charset="-127"/>
+              </a:rPr>
+              <a:t>	</a:t>
+            </a:r>
+            <a:r>
+              <a:rPr lang="en-US" altLang="ko-KR" sz="1400" dirty="0" err="1" smtClean="0">
+                <a:latin typeface="HY견고딕" pitchFamily="18" charset="-127"/>
+                <a:ea typeface="HY견고딕" pitchFamily="18" charset="-127"/>
+              </a:rPr>
+              <a:t>cin</a:t>
+            </a:r>
+            <a:r>
+              <a:rPr lang="en-US" altLang="ko-KR" sz="1400" dirty="0" smtClean="0">
+                <a:latin typeface="HY견고딕" pitchFamily="18" charset="-127"/>
+                <a:ea typeface="HY견고딕" pitchFamily="18" charset="-127"/>
+              </a:rPr>
+              <a:t> &gt;&gt; </a:t>
+            </a:r>
+            <a:r>
+              <a:rPr lang="en-US" altLang="ko-KR" sz="1400" dirty="0" err="1" smtClean="0">
+                <a:latin typeface="HY견고딕" pitchFamily="18" charset="-127"/>
+                <a:ea typeface="HY견고딕" pitchFamily="18" charset="-127"/>
+              </a:rPr>
+              <a:t>num</a:t>
+            </a:r>
+            <a:r>
+              <a:rPr lang="en-US" altLang="ko-KR" sz="1400" dirty="0" smtClean="0">
+                <a:latin typeface="HY견고딕" pitchFamily="18" charset="-127"/>
+                <a:ea typeface="HY견고딕" pitchFamily="18" charset="-127"/>
+              </a:rPr>
+              <a:t>;</a:t>
+            </a:r>
+          </a:p>
+          <a:p>
+            <a:r>
+              <a:rPr lang="en-US" altLang="ko-KR" sz="1400" dirty="0" smtClean="0">
+                <a:latin typeface="HY견고딕" pitchFamily="18" charset="-127"/>
+                <a:ea typeface="HY견고딕" pitchFamily="18" charset="-127"/>
+              </a:rPr>
+              <a:t>	</a:t>
+            </a:r>
+            <a:r>
+              <a:rPr lang="en-US" altLang="ko-KR" sz="1400" dirty="0" err="1" smtClean="0">
+                <a:latin typeface="HY견고딕" pitchFamily="18" charset="-127"/>
+                <a:ea typeface="HY견고딕" pitchFamily="18" charset="-127"/>
+              </a:rPr>
+              <a:t>cout</a:t>
+            </a:r>
+            <a:r>
+              <a:rPr lang="en-US" altLang="ko-KR" sz="1400" dirty="0" smtClean="0">
+                <a:latin typeface="HY견고딕" pitchFamily="18" charset="-127"/>
+                <a:ea typeface="HY견고딕" pitchFamily="18" charset="-127"/>
+              </a:rPr>
+              <a:t> &lt;&lt; </a:t>
+            </a:r>
+            <a:r>
+              <a:rPr lang="en-US" altLang="ko-KR" sz="1400" dirty="0" err="1" smtClean="0">
                 <a:latin typeface="HY견고딕" pitchFamily="18" charset="-127"/>
                 <a:ea typeface="HY견고딕" pitchFamily="18" charset="-127"/>
               </a:rPr>
               <a:t>func</a:t>
             </a:r>
             <a:r>
-              <a:rPr lang="en-US" altLang="ko-KR" sz="1400" dirty="0">
+              <a:rPr lang="en-US" altLang="ko-KR" sz="1400" dirty="0" smtClean="0">
                 <a:latin typeface="HY견고딕" pitchFamily="18" charset="-127"/>
                 <a:ea typeface="HY견고딕" pitchFamily="18" charset="-127"/>
               </a:rPr>
               <a:t>(</a:t>
             </a:r>
             <a:r>
-              <a:rPr lang="en-US" altLang="ko-KR" sz="1400" dirty="0" err="1">
-                <a:latin typeface="HY견고딕" pitchFamily="18" charset="-127"/>
-                <a:ea typeface="HY견고딕" pitchFamily="18" charset="-127"/>
-              </a:rPr>
-              <a:t>int</a:t>
-            </a:r>
-            <a:r>
-              <a:rPr lang="en-US" altLang="ko-KR" sz="1400" dirty="0">
-                <a:latin typeface="HY견고딕" pitchFamily="18" charset="-127"/>
-                <a:ea typeface="HY견고딕" pitchFamily="18" charset="-127"/>
-              </a:rPr>
-              <a:t> </a:t>
-            </a:r>
-            <a:r>
-              <a:rPr lang="en-US" altLang="ko-KR" sz="1400" dirty="0" err="1">
+              <a:rPr lang="en-US" altLang="ko-KR" sz="1400" dirty="0" err="1" smtClean="0">
                 <a:latin typeface="HY견고딕" pitchFamily="18" charset="-127"/>
                 <a:ea typeface="HY견고딕" pitchFamily="18" charset="-127"/>
               </a:rPr>
               <a:t>num</a:t>
             </a:r>
             <a:r>
-              <a:rPr lang="en-US" altLang="ko-KR" sz="1400" dirty="0">
-                <a:latin typeface="HY견고딕" pitchFamily="18" charset="-127"/>
-                <a:ea typeface="HY견고딕" pitchFamily="18" charset="-127"/>
-              </a:rPr>
-              <a:t>)</a:t>
-            </a:r>
-          </a:p>
-          <a:p>
-            <a:r>
-              <a:rPr lang="en-US" altLang="ko-KR" sz="1400" dirty="0">
-                <a:latin typeface="HY견고딕" pitchFamily="18" charset="-127"/>
-                <a:ea typeface="HY견고딕" pitchFamily="18" charset="-127"/>
-              </a:rPr>
-              <a:t>{</a:t>
-            </a:r>
-          </a:p>
-          <a:p>
-            <a:r>
               <a:rPr lang="en-US" altLang="ko-KR" sz="1400" dirty="0" smtClean="0">
                 <a:latin typeface="HY견고딕" pitchFamily="18" charset="-127"/>
                 <a:ea typeface="HY견고딕" pitchFamily="18" charset="-127"/>
               </a:rPr>
-              <a:t>	</a:t>
-            </a:r>
-            <a:r>
-              <a:rPr lang="en-US" altLang="ko-KR" sz="1400" dirty="0" err="1" smtClean="0">
-                <a:latin typeface="HY견고딕" pitchFamily="18" charset="-127"/>
-                <a:ea typeface="HY견고딕" pitchFamily="18" charset="-127"/>
-              </a:rPr>
-              <a:t>bool</a:t>
-            </a:r>
+              <a:t>);</a:t>
+            </a:r>
+          </a:p>
+          <a:p>
             <a:r>
               <a:rPr lang="en-US" altLang="ko-KR" sz="1400" dirty="0" smtClean="0">
-                <a:latin typeface="HY견고딕" pitchFamily="18" charset="-127"/>
-                <a:ea typeface="HY견고딕" pitchFamily="18" charset="-127"/>
-              </a:rPr>
-              <a:t> </a:t>
-            </a:r>
-            <a:r>
-              <a:rPr lang="en-US" altLang="ko-KR" sz="1400" dirty="0">
-                <a:latin typeface="HY견고딕" pitchFamily="18" charset="-127"/>
-                <a:ea typeface="HY견고딕" pitchFamily="18" charset="-127"/>
-              </a:rPr>
-              <a:t>b;</a:t>
-            </a:r>
-          </a:p>
-          <a:p>
-            <a:r>
-              <a:rPr lang="en-US" altLang="ko-KR" sz="1400" dirty="0" smtClean="0">
-                <a:latin typeface="HY견고딕" pitchFamily="18" charset="-127"/>
-                <a:ea typeface="HY견고딕" pitchFamily="18" charset="-127"/>
-              </a:rPr>
-              <a:t>	if </a:t>
-            </a:r>
-            <a:r>
-              <a:rPr lang="en-US" altLang="ko-KR" sz="1400" dirty="0">
-                <a:latin typeface="HY견고딕" pitchFamily="18" charset="-127"/>
-                <a:ea typeface="HY견고딕" pitchFamily="18" charset="-127"/>
-              </a:rPr>
-              <a:t>(</a:t>
-            </a:r>
-            <a:r>
-              <a:rPr lang="en-US" altLang="ko-KR" sz="1400" dirty="0" err="1">
-                <a:latin typeface="HY견고딕" pitchFamily="18" charset="-127"/>
-                <a:ea typeface="HY견고딕" pitchFamily="18" charset="-127"/>
-              </a:rPr>
-              <a:t>num</a:t>
-            </a:r>
-            <a:r>
-              <a:rPr lang="en-US" altLang="ko-KR" sz="1400" dirty="0">
-                <a:latin typeface="HY견고딕" pitchFamily="18" charset="-127"/>
-                <a:ea typeface="HY견고딕" pitchFamily="18" charset="-127"/>
-              </a:rPr>
-              <a:t> == 10)</a:t>
-            </a:r>
-          </a:p>
-          <a:p>
-            <a:r>
-              <a:rPr lang="en-US" altLang="ko-KR" sz="1400" dirty="0" smtClean="0">
-                <a:latin typeface="HY견고딕" pitchFamily="18" charset="-127"/>
-                <a:ea typeface="HY견고딕" pitchFamily="18" charset="-127"/>
-              </a:rPr>
-              <a:t>	b </a:t>
-            </a:r>
-            <a:r>
-              <a:rPr lang="en-US" altLang="ko-KR" sz="1400" dirty="0">
-                <a:latin typeface="HY견고딕" pitchFamily="18" charset="-127"/>
-                <a:ea typeface="HY견고딕" pitchFamily="18" charset="-127"/>
-              </a:rPr>
-              <a:t>= true;</a:t>
-            </a:r>
-          </a:p>
-          <a:p>
-            <a:r>
-              <a:rPr lang="en-US" altLang="ko-KR" sz="1400" dirty="0" smtClean="0">
-                <a:latin typeface="HY견고딕" pitchFamily="18" charset="-127"/>
-                <a:ea typeface="HY견고딕" pitchFamily="18" charset="-127"/>
-              </a:rPr>
-              <a:t>	else</a:t>
-            </a:r>
-            <a:endParaRPr lang="en-US" altLang="ko-KR" sz="1400" dirty="0">
-              <a:latin typeface="HY견고딕" pitchFamily="18" charset="-127"/>
-              <a:ea typeface="HY견고딕" pitchFamily="18" charset="-127"/>
-            </a:endParaRPr>
-          </a:p>
-          <a:p>
-            <a:r>
-              <a:rPr lang="en-US" altLang="ko-KR" sz="1400" dirty="0" smtClean="0">
-                <a:latin typeface="HY견고딕" pitchFamily="18" charset="-127"/>
-                <a:ea typeface="HY견고딕" pitchFamily="18" charset="-127"/>
-              </a:rPr>
-              <a:t>	b </a:t>
-            </a:r>
-            <a:r>
-              <a:rPr lang="en-US" altLang="ko-KR" sz="1400" dirty="0">
-                <a:latin typeface="HY견고딕" pitchFamily="18" charset="-127"/>
-                <a:ea typeface="HY견고딕" pitchFamily="18" charset="-127"/>
-              </a:rPr>
-              <a:t>= false;</a:t>
-            </a:r>
-          </a:p>
-          <a:p>
-            <a:r>
-              <a:rPr lang="en-US" altLang="ko-KR" sz="1400" dirty="0" smtClean="0">
-                <a:latin typeface="HY견고딕" pitchFamily="18" charset="-127"/>
-                <a:ea typeface="HY견고딕" pitchFamily="18" charset="-127"/>
-              </a:rPr>
-              <a:t>	return </a:t>
-            </a:r>
-            <a:r>
-              <a:rPr lang="en-US" altLang="ko-KR" sz="1400" dirty="0">
-                <a:latin typeface="HY견고딕" pitchFamily="18" charset="-127"/>
-                <a:ea typeface="HY견고딕" pitchFamily="18" charset="-127"/>
-              </a:rPr>
-              <a:t>b;</a:t>
-            </a:r>
-          </a:p>
-          <a:p>
-            <a:r>
-              <a:rPr lang="en-US" altLang="ko-KR" sz="1400" dirty="0">
-                <a:latin typeface="HY견고딕" pitchFamily="18" charset="-127"/>
-                <a:ea typeface="HY견고딕" pitchFamily="18" charset="-127"/>
-              </a:rPr>
-              <a:t>}</a:t>
-            </a:r>
-          </a:p>
-          <a:p>
-            <a:r>
-              <a:rPr lang="en-US" altLang="ko-KR" sz="1400" dirty="0">
-                <a:latin typeface="HY견고딕" pitchFamily="18" charset="-127"/>
-                <a:ea typeface="HY견고딕" pitchFamily="18" charset="-127"/>
-              </a:rPr>
-              <a:t>void main()</a:t>
-            </a:r>
-          </a:p>
-          <a:p>
-            <a:r>
-              <a:rPr lang="en-US" altLang="ko-KR" sz="1400" dirty="0">
-                <a:latin typeface="HY견고딕" pitchFamily="18" charset="-127"/>
-                <a:ea typeface="HY견고딕" pitchFamily="18" charset="-127"/>
-              </a:rPr>
-              <a:t>{</a:t>
-            </a:r>
-          </a:p>
-          <a:p>
-            <a:r>
-              <a:rPr lang="en-US" altLang="ko-KR" sz="1400" dirty="0" smtClean="0">
-                <a:latin typeface="HY견고딕" pitchFamily="18" charset="-127"/>
-                <a:ea typeface="HY견고딕" pitchFamily="18" charset="-127"/>
-              </a:rPr>
-              <a:t>	</a:t>
-            </a:r>
-            <a:r>
-              <a:rPr lang="en-US" altLang="ko-KR" sz="1400" dirty="0" err="1" smtClean="0">
-                <a:latin typeface="HY견고딕" pitchFamily="18" charset="-127"/>
-                <a:ea typeface="HY견고딕" pitchFamily="18" charset="-127"/>
-              </a:rPr>
-              <a:t>int</a:t>
-            </a:r>
-            <a:r>
-              <a:rPr lang="en-US" altLang="ko-KR" sz="1400" dirty="0" smtClean="0">
-                <a:latin typeface="HY견고딕" pitchFamily="18" charset="-127"/>
-                <a:ea typeface="HY견고딕" pitchFamily="18" charset="-127"/>
-              </a:rPr>
-              <a:t> </a:t>
-            </a:r>
-            <a:r>
-              <a:rPr lang="en-US" altLang="ko-KR" sz="1400" dirty="0" err="1">
-                <a:latin typeface="HY견고딕" pitchFamily="18" charset="-127"/>
-                <a:ea typeface="HY견고딕" pitchFamily="18" charset="-127"/>
-              </a:rPr>
-              <a:t>num</a:t>
-            </a:r>
-            <a:r>
-              <a:rPr lang="en-US" altLang="ko-KR" sz="1400" dirty="0">
-                <a:latin typeface="HY견고딕" pitchFamily="18" charset="-127"/>
-                <a:ea typeface="HY견고딕" pitchFamily="18" charset="-127"/>
-              </a:rPr>
-              <a:t>;</a:t>
-            </a:r>
-          </a:p>
-          <a:p>
-            <a:r>
-              <a:rPr lang="en-US" altLang="ko-KR" sz="1400" dirty="0" smtClean="0">
-                <a:latin typeface="HY견고딕" pitchFamily="18" charset="-127"/>
-                <a:ea typeface="HY견고딕" pitchFamily="18" charset="-127"/>
-              </a:rPr>
-              <a:t>	</a:t>
-            </a:r>
-            <a:r>
-              <a:rPr lang="en-US" altLang="ko-KR" sz="1400" dirty="0" err="1" smtClean="0">
-                <a:latin typeface="HY견고딕" pitchFamily="18" charset="-127"/>
-                <a:ea typeface="HY견고딕" pitchFamily="18" charset="-127"/>
-              </a:rPr>
-              <a:t>cout</a:t>
-            </a:r>
-            <a:r>
-              <a:rPr lang="en-US" altLang="ko-KR" sz="1400" dirty="0" smtClean="0">
-                <a:latin typeface="HY견고딕" pitchFamily="18" charset="-127"/>
-                <a:ea typeface="HY견고딕" pitchFamily="18" charset="-127"/>
-              </a:rPr>
-              <a:t> </a:t>
-            </a:r>
-            <a:r>
-              <a:rPr lang="en-US" altLang="ko-KR" sz="1400" dirty="0">
-                <a:latin typeface="HY견고딕" pitchFamily="18" charset="-127"/>
-                <a:ea typeface="HY견고딕" pitchFamily="18" charset="-127"/>
-              </a:rPr>
-              <a:t>&lt;&lt;</a:t>
-            </a:r>
-            <a:r>
-              <a:rPr lang="ko-KR" altLang="en-US" sz="1400" dirty="0">
-                <a:latin typeface="HY견고딕" pitchFamily="18" charset="-127"/>
-                <a:ea typeface="HY견고딕" pitchFamily="18" charset="-127"/>
-              </a:rPr>
-              <a:t> </a:t>
-            </a:r>
-            <a:r>
-              <a:rPr lang="en-US" altLang="ko-KR" sz="1400" dirty="0">
-                <a:latin typeface="HY견고딕" pitchFamily="18" charset="-127"/>
-                <a:ea typeface="HY견고딕" pitchFamily="18" charset="-127"/>
-              </a:rPr>
-              <a:t>"10 </a:t>
-            </a:r>
-            <a:r>
-              <a:rPr lang="ko-KR" altLang="en-US" sz="1400" dirty="0">
-                <a:latin typeface="HY견고딕" pitchFamily="18" charset="-127"/>
-                <a:ea typeface="HY견고딕" pitchFamily="18" charset="-127"/>
-              </a:rPr>
-              <a:t>을 입력하시오</a:t>
-            </a:r>
-            <a:r>
-              <a:rPr lang="en-US" altLang="ko-KR" sz="1400" dirty="0">
-                <a:latin typeface="HY견고딕" pitchFamily="18" charset="-127"/>
-                <a:ea typeface="HY견고딕" pitchFamily="18" charset="-127"/>
-              </a:rPr>
-              <a:t>";</a:t>
-            </a:r>
-          </a:p>
-          <a:p>
-            <a:r>
-              <a:rPr lang="en-US" altLang="ko-KR" sz="1400" dirty="0" smtClean="0">
-                <a:latin typeface="HY견고딕" pitchFamily="18" charset="-127"/>
-                <a:ea typeface="HY견고딕" pitchFamily="18" charset="-127"/>
-              </a:rPr>
-              <a:t>	</a:t>
-            </a:r>
-            <a:r>
-              <a:rPr lang="en-US" altLang="ko-KR" sz="1400" dirty="0" err="1" smtClean="0">
-                <a:latin typeface="HY견고딕" pitchFamily="18" charset="-127"/>
-                <a:ea typeface="HY견고딕" pitchFamily="18" charset="-127"/>
-              </a:rPr>
-              <a:t>cin</a:t>
-            </a:r>
-            <a:r>
-              <a:rPr lang="en-US" altLang="ko-KR" sz="1400" dirty="0" smtClean="0">
-                <a:latin typeface="HY견고딕" pitchFamily="18" charset="-127"/>
-                <a:ea typeface="HY견고딕" pitchFamily="18" charset="-127"/>
-              </a:rPr>
-              <a:t> </a:t>
-            </a:r>
-            <a:r>
-              <a:rPr lang="en-US" altLang="ko-KR" sz="1400" dirty="0">
-                <a:latin typeface="HY견고딕" pitchFamily="18" charset="-127"/>
-                <a:ea typeface="HY견고딕" pitchFamily="18" charset="-127"/>
-              </a:rPr>
-              <a:t>&gt;&gt; </a:t>
-            </a:r>
-            <a:r>
-              <a:rPr lang="en-US" altLang="ko-KR" sz="1400" dirty="0" err="1">
-                <a:latin typeface="HY견고딕" pitchFamily="18" charset="-127"/>
-                <a:ea typeface="HY견고딕" pitchFamily="18" charset="-127"/>
-              </a:rPr>
-              <a:t>num</a:t>
-            </a:r>
-            <a:r>
-              <a:rPr lang="en-US" altLang="ko-KR" sz="1400" dirty="0">
-                <a:latin typeface="HY견고딕" pitchFamily="18" charset="-127"/>
-                <a:ea typeface="HY견고딕" pitchFamily="18" charset="-127"/>
-              </a:rPr>
-              <a:t>;</a:t>
-            </a:r>
-          </a:p>
-          <a:p>
-            <a:r>
-              <a:rPr lang="en-US" altLang="ko-KR" sz="1400" dirty="0" smtClean="0">
-                <a:latin typeface="HY견고딕" pitchFamily="18" charset="-127"/>
-                <a:ea typeface="HY견고딕" pitchFamily="18" charset="-127"/>
-              </a:rPr>
-              <a:t>	</a:t>
-            </a:r>
-            <a:r>
-              <a:rPr lang="en-US" altLang="ko-KR" sz="1400" dirty="0" err="1" smtClean="0">
-                <a:latin typeface="HY견고딕" pitchFamily="18" charset="-127"/>
-                <a:ea typeface="HY견고딕" pitchFamily="18" charset="-127"/>
-              </a:rPr>
-              <a:t>cout</a:t>
-            </a:r>
-            <a:r>
-              <a:rPr lang="en-US" altLang="ko-KR" sz="1400" dirty="0" smtClean="0">
-                <a:latin typeface="HY견고딕" pitchFamily="18" charset="-127"/>
-                <a:ea typeface="HY견고딕" pitchFamily="18" charset="-127"/>
-              </a:rPr>
-              <a:t> </a:t>
-            </a:r>
-            <a:r>
-              <a:rPr lang="en-US" altLang="ko-KR" sz="1400" dirty="0">
-                <a:latin typeface="HY견고딕" pitchFamily="18" charset="-127"/>
-                <a:ea typeface="HY견고딕" pitchFamily="18" charset="-127"/>
-              </a:rPr>
-              <a:t>&lt;&lt; </a:t>
-            </a:r>
-            <a:r>
-              <a:rPr lang="en-US" altLang="ko-KR" sz="1400" dirty="0" err="1">
-                <a:latin typeface="HY견고딕" pitchFamily="18" charset="-127"/>
-                <a:ea typeface="HY견고딕" pitchFamily="18" charset="-127"/>
-              </a:rPr>
-              <a:t>func</a:t>
-            </a:r>
-            <a:r>
-              <a:rPr lang="en-US" altLang="ko-KR" sz="1400" dirty="0">
-                <a:latin typeface="HY견고딕" pitchFamily="18" charset="-127"/>
-                <a:ea typeface="HY견고딕" pitchFamily="18" charset="-127"/>
-              </a:rPr>
-              <a:t>(</a:t>
-            </a:r>
-            <a:r>
-              <a:rPr lang="en-US" altLang="ko-KR" sz="1400" dirty="0" err="1">
-                <a:latin typeface="HY견고딕" pitchFamily="18" charset="-127"/>
-                <a:ea typeface="HY견고딕" pitchFamily="18" charset="-127"/>
-              </a:rPr>
-              <a:t>num</a:t>
-            </a:r>
-            <a:r>
-              <a:rPr lang="en-US" altLang="ko-KR" sz="1400" dirty="0">
-                <a:latin typeface="HY견고딕" pitchFamily="18" charset="-127"/>
-                <a:ea typeface="HY견고딕" pitchFamily="18" charset="-127"/>
-              </a:rPr>
-              <a:t>);</a:t>
-            </a:r>
-          </a:p>
-          <a:p>
-            <a:r>
-              <a:rPr lang="en-US" altLang="ko-KR" sz="1400" dirty="0">
                 <a:latin typeface="HY견고딕" pitchFamily="18" charset="-127"/>
                 <a:ea typeface="HY견고딕" pitchFamily="18" charset="-127"/>
               </a:rPr>
@@ -11991,75 +11936,7 @@
                 <a:latin typeface="HY강M" pitchFamily="18" charset="-127"/>
                 <a:ea typeface="HY강M" pitchFamily="18" charset="-127"/>
               </a:rPr>
-              <a:t>(</a:t>
-            </a:r>
-            <a:r>
-              <a:rPr lang="ko-KR" altLang="en-US" sz="1600" dirty="0" smtClean="0">
-                <a:ln>
-                  <a:solidFill>
-                    <a:schemeClr val="tx1">
-                      <a:alpha val="30000"/>
-                    </a:schemeClr>
-                  </a:solidFill>
-                </a:ln>
-                <a:solidFill>
-                  <a:srgbClr val="272123"/>
-                </a:solidFill>
-                <a:latin typeface="HY강M" pitchFamily="18" charset="-127"/>
-                <a:ea typeface="HY강M" pitchFamily="18" charset="-127"/>
-              </a:rPr>
-              <a:t>배열</a:t>
-            </a:r>
-            <a:r>
-              <a:rPr lang="en-US" altLang="ko-KR" sz="1600" dirty="0">
-                <a:ln>
-                  <a:solidFill>
-                    <a:schemeClr val="tx1">
-                      <a:alpha val="30000"/>
-                    </a:schemeClr>
-                  </a:solidFill>
-                </a:ln>
-                <a:solidFill>
-                  <a:srgbClr val="272123"/>
-                </a:solidFill>
-                <a:latin typeface="HY강M" pitchFamily="18" charset="-127"/>
-                <a:ea typeface="HY강M" pitchFamily="18" charset="-127"/>
-              </a:rPr>
-              <a:t> </a:t>
-            </a:r>
-            <a:r>
-              <a:rPr lang="ko-KR" altLang="en-US" sz="1600" dirty="0" smtClean="0">
-                <a:ln>
-                  <a:solidFill>
-                    <a:schemeClr val="tx1">
-                      <a:alpha val="30000"/>
-                    </a:schemeClr>
-                  </a:solidFill>
-                </a:ln>
-                <a:solidFill>
-                  <a:srgbClr val="272123"/>
-                </a:solidFill>
-                <a:latin typeface="HY강M" pitchFamily="18" charset="-127"/>
-                <a:ea typeface="HY강M" pitchFamily="18" charset="-127"/>
-              </a:rPr>
-              <a:t>관리</a:t>
-            </a:r>
-            <a:r>
-              <a:rPr lang="en-US" altLang="ko-KR" sz="1600" dirty="0" smtClean="0">
-                <a:ln>
-                  <a:solidFill>
-                    <a:schemeClr val="tx1">
-                      <a:alpha val="30000"/>
-                    </a:schemeClr>
-                  </a:solidFill>
-                </a:ln>
-                <a:solidFill>
-                  <a:srgbClr val="272123"/>
-                </a:solidFill>
-                <a:latin typeface="HY강M" pitchFamily="18" charset="-127"/>
-                <a:ea typeface="HY강M" pitchFamily="18" charset="-127"/>
-              </a:rPr>
-              <a:t>)</a:t>
+              <a:t>(Container)</a:t>
             </a:r>
           </a:p>
           <a:p>
@@ -12523,154 +12400,6 @@
           </a:p>
         </p:txBody>
       </p:sp>
-      <p:grpSp>
-        <p:nvGrpSpPr>
-          <p:cNvPr id="21" name="그룹 20"/>
-          <p:cNvGrpSpPr/>
-          <p:nvPr/>
-        </p:nvGrpSpPr>
-        <p:grpSpPr>
-          <a:xfrm>
-            <a:off x="6228184" y="5373278"/>
-            <a:ext cx="1647098" cy="463171"/>
-            <a:chOff x="4500694" y="5774141"/>
-            <a:chExt cx="1647098" cy="463171"/>
-          </a:xfrm>
-        </p:grpSpPr>
-        <p:sp>
-          <p:nvSpPr>
-            <p:cNvPr id="25" name="실행 단추: 앞으로 또는 다음 24">
-              <a:hlinkClick r:id="rId3" action="ppaction://program" highlightClick="1"/>
-            </p:cNvPr>
-            <p:cNvSpPr/>
-            <p:nvPr/>
-          </p:nvSpPr>
-          <p:spPr>
-            <a:xfrm>
-              <a:off x="4500694" y="5774141"/>
-              <a:ext cx="864096" cy="463171"/>
-            </a:xfrm>
-            <a:prstGeom prst="actionButtonForwardNext">
-              <a:avLst/>
-            </a:prstGeom>
-            <a:solidFill>
-              <a:schemeClr val="tx1"/>
-            </a:solidFill>
-            <a:ln>
-              <a:solidFill>
-                <a:schemeClr val="bg1"/>
-              </a:solidFill>
-            </a:ln>
-            <a:scene3d>
-              <a:camera prst="orthographicFront"/>
-              <a:lightRig rig="threePt" dir="t"/>
-            </a:scene3d>
-            <a:sp3d prstMaterial="metal">
-              <a:bevelT w="139700" h="127000" prst="divot"/>
-            </a:sp3d>
-          </p:spPr>
-          <p:style>
-            <a:lnRef idx="2">
-              <a:schemeClr val="accent1">
-                <a:shade val="50000"/>
-              </a:schemeClr>
-            </a:lnRef>
-            <a:fillRef idx="1">
-              <a:schemeClr val="accent1"/>
-            </a:fillRef>
-            <a:effectRef idx="0">
-              <a:schemeClr val="accent1"/>
-            </a:effectRef>
-            <a:fontRef idx="minor">
-              <a:schemeClr val="lt1"/>
-            </a:fontRef>
-          </p:style>
-          <p:txBody>
-            <a:bodyPr rtlCol="0" anchor="ctr"/>
-            <a:lstStyle/>
-            <a:p>
-              <a:pPr algn="ctr"/>
-              <a:endParaRPr lang="ko-KR" altLang="en-US"/>
-            </a:p>
-          </p:txBody>
-        </p:sp>
-        <p:sp>
-          <p:nvSpPr>
-            <p:cNvPr id="26" name="TextBox 25"/>
-            <p:cNvSpPr txBox="1"/>
-            <p:nvPr/>
-          </p:nvSpPr>
-          <p:spPr>
-            <a:xfrm>
-              <a:off x="5364790" y="5991091"/>
-              <a:ext cx="783002" cy="246221"/>
-            </a:xfrm>
-            <a:prstGeom prst="rect">
-              <a:avLst/>
-            </a:prstGeom>
-            <a:noFill/>
-          </p:spPr>
-          <p:txBody>
-            <a:bodyPr wrap="square" rtlCol="0">
-              <a:spAutoFit/>
-            </a:bodyPr>
-            <a:lstStyle/>
-            <a:p>
-              <a:r>
-                <a:rPr lang="en-US" altLang="ko-KR" sz="1000" dirty="0" smtClean="0">
-                  <a:ln>
-                    <a:solidFill>
-                      <a:schemeClr val="tx1">
-                        <a:alpha val="30000"/>
-                      </a:schemeClr>
-                    </a:solidFill>
-                  </a:ln>
-                  <a:solidFill>
-                    <a:srgbClr val="272123"/>
-                  </a:solidFill>
-                  <a:latin typeface="HY강M" pitchFamily="18" charset="-127"/>
-                  <a:ea typeface="HY강M" pitchFamily="18" charset="-127"/>
-                </a:rPr>
-                <a:t>(</a:t>
-              </a:r>
-              <a:r>
-                <a:rPr lang="ko-KR" altLang="en-US" sz="1000" dirty="0" smtClean="0">
-                  <a:ln>
-                    <a:solidFill>
-                      <a:schemeClr val="tx1">
-                        <a:alpha val="30000"/>
-                      </a:schemeClr>
-                    </a:solidFill>
-                  </a:ln>
-                  <a:solidFill>
-                    <a:srgbClr val="272123"/>
-                  </a:solidFill>
-                  <a:latin typeface="HY강M" pitchFamily="18" charset="-127"/>
-                  <a:ea typeface="HY강M" pitchFamily="18" charset="-127"/>
-                </a:rPr>
-                <a:t>실행파일</a:t>
-              </a:r>
-              <a:r>
-                <a:rPr lang="en-US" altLang="ko-KR" sz="1000" dirty="0" smtClean="0">
-                  <a:ln>
-                    <a:solidFill>
-                      <a:schemeClr val="tx1">
-                        <a:alpha val="30000"/>
-                      </a:schemeClr>
-                    </a:solidFill>
-                  </a:ln>
-                  <a:solidFill>
-                    <a:srgbClr val="272123"/>
-                  </a:solidFill>
-                  <a:latin typeface="HY강M" pitchFamily="18" charset="-127"/>
-                  <a:ea typeface="HY강M" pitchFamily="18" charset="-127"/>
-                </a:rPr>
-                <a:t>)</a:t>
-              </a:r>
-            </a:p>
-          </p:txBody>
-        </p:sp>
-      </p:grpSp>
       <p:sp>
         <p:nvSpPr>
           <p:cNvPr id="19" name="직사각형 18"/>
@@ -14867,10 +14596,24 @@
                 <a:latin typeface="HY견고딕" pitchFamily="18" charset="-127"/>
                 <a:ea typeface="HY견고딕" pitchFamily="18" charset="-127"/>
               </a:rPr>
-              <a:t> = (</a:t>
-            </a:r>
-            <a:r>
-              <a:rPr lang="en-US" altLang="ko-KR" sz="1400" dirty="0" err="1">
+              <a:t> = </a:t>
+            </a:r>
+            <a:r>
+              <a:rPr lang="en-US" altLang="ko-KR" sz="1400" dirty="0" smtClean="0">
+                <a:ln>
+                  <a:solidFill>
+                    <a:schemeClr val="tx1">
+                      <a:alpha val="30000"/>
+                    </a:schemeClr>
+                  </a:solidFill>
+                </a:ln>
+                <a:latin typeface="HY견고딕" pitchFamily="18" charset="-127"/>
+                <a:ea typeface="HY견고딕" pitchFamily="18" charset="-127"/>
+              </a:rPr>
+              <a:t>new </a:t>
+            </a:r>
+            <a:r>
+              <a:rPr lang="en-US" altLang="ko-KR" sz="1400" dirty="0" err="1" smtClean="0">
                 <a:ln>
                   <a:solidFill>
                     <a:schemeClr val="tx1">
@@ -14884,47 +14627,30 @@
               <a:t>int</a:t>
             </a:r>
             <a:r>
-              <a:rPr lang="en-US" altLang="ko-KR" sz="1400" dirty="0">
-                <a:ln>
-                  <a:solidFill>
-                    <a:schemeClr val="tx1">
-                      <a:alpha val="30000"/>
-                    </a:schemeClr>
-                  </a:solidFill>
-                </a:ln>
-                <a:latin typeface="HY견고딕" pitchFamily="18" charset="-127"/>
-                <a:ea typeface="HY견고딕" pitchFamily="18" charset="-127"/>
-              </a:rPr>
-              <a:t>*)</a:t>
-            </a:r>
-            <a:r>
-              <a:rPr lang="en-US" altLang="ko-KR" sz="1400" dirty="0" err="1">
-                <a:ln>
-                  <a:solidFill>
-                    <a:schemeClr val="tx1">
-                      <a:alpha val="30000"/>
-                    </a:schemeClr>
-                  </a:solidFill>
-                </a:ln>
-                <a:latin typeface="HY견고딕" pitchFamily="18" charset="-127"/>
-                <a:ea typeface="HY견고딕" pitchFamily="18" charset="-127"/>
-              </a:rPr>
-              <a:t>malloc</a:t>
-            </a:r>
-            <a:r>
-              <a:rPr lang="en-US" altLang="ko-KR" sz="1400" dirty="0">
-                <a:ln>
-                  <a:solidFill>
-                    <a:schemeClr val="tx1">
-                      <a:alpha val="30000"/>
-                    </a:schemeClr>
-                  </a:solidFill>
-                </a:ln>
-                <a:latin typeface="HY견고딕" pitchFamily="18" charset="-127"/>
-                <a:ea typeface="HY견고딕" pitchFamily="18" charset="-127"/>
-              </a:rPr>
-              <a:t>(4);</a:t>
-            </a:r>
+              <a:rPr lang="en-US" altLang="ko-KR" sz="1400" dirty="0" smtClean="0">
+                <a:ln>
+                  <a:solidFill>
+                    <a:schemeClr val="tx1">
+                      <a:alpha val="30000"/>
+                    </a:schemeClr>
+                  </a:solidFill>
+                </a:ln>
+                <a:latin typeface="HY견고딕" pitchFamily="18" charset="-127"/>
+                <a:ea typeface="HY견고딕" pitchFamily="18" charset="-127"/>
+              </a:rPr>
+              <a:t>;</a:t>
+            </a:r>
+            <a:endParaRPr lang="en-US" altLang="ko-KR" sz="1400" dirty="0">
+              <a:ln>
+                <a:solidFill>
+                  <a:schemeClr val="tx1">
+                    <a:alpha val="30000"/>
+                  </a:schemeClr>
+                </a:solidFill>
+              </a:ln>
+              <a:latin typeface="HY견고딕" pitchFamily="18" charset="-127"/>
+              <a:ea typeface="HY견고딕" pitchFamily="18" charset="-127"/>
+            </a:endParaRPr>
           </a:p>
         </p:txBody>
       </p:sp>
@@ -27888,154 +27614,6 @@
           </a:p>
         </p:txBody>
       </p:sp>
-      <p:grpSp>
-        <p:nvGrpSpPr>
-          <p:cNvPr id="16" name="그룹 15"/>
-          <p:cNvGrpSpPr/>
-          <p:nvPr/>
-        </p:nvGrpSpPr>
-        <p:grpSpPr>
-          <a:xfrm>
-            <a:off x="6228184" y="4149080"/>
-            <a:ext cx="1647098" cy="463171"/>
-            <a:chOff x="4500694" y="5774141"/>
-            <a:chExt cx="1647098" cy="463171"/>
-          </a:xfrm>
-        </p:grpSpPr>
-        <p:sp>
-          <p:nvSpPr>
-            <p:cNvPr id="17" name="실행 단추: 앞으로 또는 다음 16">
-              <a:hlinkClick r:id="rId2" action="ppaction://program" highlightClick="1"/>
-            </p:cNvPr>
-            <p:cNvSpPr/>
-            <p:nvPr/>
-          </p:nvSpPr>
-          <p:spPr>
-            <a:xfrm>
-              <a:off x="4500694" y="5774141"/>
-              <a:ext cx="864096" cy="463171"/>
-            </a:xfrm>
-            <a:prstGeom prst="actionButtonForwardNext">
-              <a:avLst/>
-            </a:prstGeom>
-            <a:solidFill>
-              <a:schemeClr val="tx1"/>
-            </a:solidFill>
-            <a:ln>
-              <a:solidFill>
-                <a:schemeClr val="bg1"/>
-              </a:solidFill>
-            </a:ln>
-            <a:scene3d>
-              <a:camera prst="orthographicFront"/>
-              <a:lightRig rig="threePt" dir="t"/>
-            </a:scene3d>
-            <a:sp3d prstMaterial="metal">
-              <a:bevelT w="139700" h="127000" prst="divot"/>
-            </a:sp3d>
-          </p:spPr>
-          <p:style>
-            <a:lnRef idx="2">
-              <a:schemeClr val="accent1">
-                <a:shade val="50000"/>
-              </a:schemeClr>
-            </a:lnRef>
-            <a:fillRef idx="1">
-              <a:schemeClr val="accent1"/>
-            </a:fillRef>
-            <a:effectRef idx="0">
-              <a:schemeClr val="accent1"/>
-            </a:effectRef>
-            <a:fontRef idx="minor">
-              <a:schemeClr val="lt1"/>
-            </a:fontRef>
-          </p:style>
-          <p:txBody>
-            <a:bodyPr rtlCol="0" anchor="ctr"/>
-            <a:lstStyle/>
-            <a:p>
-              <a:pPr algn="ctr"/>
-              <a:endParaRPr lang="ko-KR" altLang="en-US"/>
-            </a:p>
-          </p:txBody>
-        </p:sp>
-        <p:sp>
-          <p:nvSpPr>
-            <p:cNvPr id="19" name="TextBox 18"/>
-            <p:cNvSpPr txBox="1"/>
-            <p:nvPr/>
-          </p:nvSpPr>
-          <p:spPr>
-            <a:xfrm>
-              <a:off x="5364790" y="5991091"/>
-              <a:ext cx="783002" cy="246221"/>
-            </a:xfrm>
-            <a:prstGeom prst="rect">
-              <a:avLst/>
-            </a:prstGeom>
-            <a:noFill/>
-          </p:spPr>
-          <p:txBody>
-            <a:bodyPr wrap="square" rtlCol="0">
-              <a:spAutoFit/>
-            </a:bodyPr>
-            <a:lstStyle/>
-            <a:p>
-              <a:r>
-                <a:rPr lang="en-US" altLang="ko-KR" sz="1000" dirty="0" smtClean="0">
-                  <a:ln>
-                    <a:solidFill>
-                      <a:schemeClr val="tx1">
-                        <a:alpha val="30000"/>
-                      </a:schemeClr>
-                    </a:solidFill>
-                  </a:ln>
-                  <a:solidFill>
-                    <a:srgbClr val="272123"/>
-                  </a:solidFill>
-                  <a:latin typeface="HY강M" pitchFamily="18" charset="-127"/>
-                  <a:ea typeface="HY강M" pitchFamily="18" charset="-127"/>
-                </a:rPr>
-                <a:t>(</a:t>
-              </a:r>
-              <a:r>
-                <a:rPr lang="ko-KR" altLang="en-US" sz="1000" dirty="0" smtClean="0">
-                  <a:ln>
-                    <a:solidFill>
-                      <a:schemeClr val="tx1">
-                        <a:alpha val="30000"/>
-                      </a:schemeClr>
-                    </a:solidFill>
-                  </a:ln>
-                  <a:solidFill>
-                    <a:srgbClr val="272123"/>
-                  </a:solidFill>
-                  <a:latin typeface="HY강M" pitchFamily="18" charset="-127"/>
-                  <a:ea typeface="HY강M" pitchFamily="18" charset="-127"/>
-                </a:rPr>
-                <a:t>실행파일</a:t>
-              </a:r>
-              <a:r>
-                <a:rPr lang="en-US" altLang="ko-KR" sz="1000" dirty="0" smtClean="0">
-                  <a:ln>
-                    <a:solidFill>
-                      <a:schemeClr val="tx1">
-                        <a:alpha val="30000"/>
-                      </a:schemeClr>
-                    </a:solidFill>
-                  </a:ln>
-                  <a:solidFill>
-                    <a:srgbClr val="272123"/>
-                  </a:solidFill>
-                  <a:latin typeface="HY강M" pitchFamily="18" charset="-127"/>
-                  <a:ea typeface="HY강M" pitchFamily="18" charset="-127"/>
-                </a:rPr>
-                <a:t>)</a:t>
-              </a:r>
-            </a:p>
-          </p:txBody>
-        </p:sp>
-      </p:grpSp>
     </p:spTree>
     <p:extLst>
       <p:ext uri="{BB962C8B-B14F-4D97-AF65-F5344CB8AC3E}">
@@ -28303,8 +27881,8 @@
         </p:nvSpPr>
         <p:spPr>
           <a:xfrm>
-            <a:off x="1154678" y="2143139"/>
-            <a:ext cx="7593786" cy="3170099"/>
+            <a:off x="1154678" y="3108369"/>
+            <a:ext cx="7593786" cy="1384995"/>
           </a:xfrm>
           <a:prstGeom prst="rect">
             <a:avLst/>
@@ -28353,10 +27931,10 @@
                 <a:latin typeface="HY강M" pitchFamily="18" charset="-127"/>
                 <a:ea typeface="HY강M" pitchFamily="18" charset="-127"/>
               </a:rPr>
-              <a:t> 정수형 배열 </a:t>
-            </a:r>
-            <a:r>
-              <a:rPr lang="en-US" altLang="ko-KR" sz="2800" dirty="0" smtClean="0">
+              <a:t> </a:t>
+            </a:r>
+            <a:r>
+              <a:rPr lang="ko-KR" altLang="en-US" sz="2800" dirty="0" smtClean="0">
                 <a:ln>
                   <a:solidFill>
                     <a:schemeClr val="tx1">
@@ -28370,7 +27948,7 @@
                 <a:latin typeface="HY강M" pitchFamily="18" charset="-127"/>
                 <a:ea typeface="HY강M" pitchFamily="18" charset="-127"/>
               </a:rPr>
-              <a:t>5</a:t>
+              <a:t>사용자가 입력한</a:t>
             </a:r>
             <a:r>
               <a:rPr lang="ko-KR" altLang="en-US" sz="2800" dirty="0" smtClean="0">
@@ -28387,10 +27965,10 @@
                 <a:latin typeface="HY강M" pitchFamily="18" charset="-127"/>
                 <a:ea typeface="HY강M" pitchFamily="18" charset="-127"/>
               </a:rPr>
-              <a:t>개 만든 후      값을 입력 받은 뒤 오름차순 정렬하여 </a:t>
-            </a:r>
-            <a:r>
-              <a:rPr lang="en-US" altLang="ko-KR" sz="2800" dirty="0" smtClean="0">
+              <a:t> 정수만큼의 배열을 </a:t>
+            </a:r>
+            <a:r>
+              <a:rPr lang="ko-KR" altLang="en-US" sz="2800" dirty="0" smtClean="0">
                 <a:ln>
                   <a:solidFill>
                     <a:schemeClr val="tx1">
@@ -28404,7 +27982,7 @@
                 <a:latin typeface="HY강M" pitchFamily="18" charset="-127"/>
                 <a:ea typeface="HY강M" pitchFamily="18" charset="-127"/>
               </a:rPr>
-              <a:t>	      </a:t>
+              <a:t>만든 </a:t>
             </a:r>
             <a:r>
               <a:rPr lang="ko-KR" altLang="en-US" sz="2800" dirty="0" smtClean="0">
@@ -28421,10 +27999,10 @@
                 <a:latin typeface="HY강M" pitchFamily="18" charset="-127"/>
                 <a:ea typeface="HY강M" pitchFamily="18" charset="-127"/>
               </a:rPr>
-              <a:t>출력하시오</a:t>
-            </a:r>
-            <a:r>
-              <a:rPr lang="en-US" altLang="ko-KR" sz="2800" dirty="0" smtClean="0">
+              <a:t>후</a:t>
+            </a:r>
+            <a:r>
+              <a:rPr lang="en-US" altLang="ko-KR" sz="2800" dirty="0">
                 <a:ln>
                   <a:solidFill>
                     <a:schemeClr val="tx1">
@@ -28438,36 +28016,10 @@
                 <a:latin typeface="HY강M" pitchFamily="18" charset="-127"/>
                 <a:ea typeface="HY강M" pitchFamily="18" charset="-127"/>
               </a:rPr>
-              <a:t>.</a:t>
-            </a:r>
-          </a:p>
-          <a:p>
-            <a:pPr marL="285750" indent="-285750">
-              <a:buFont typeface="Arial" pitchFamily="34" charset="0"/>
-              <a:buChar char="•"/>
-            </a:pPr>
-            <a:endParaRPr lang="en-US" altLang="ko-KR" sz="2800" dirty="0">
-              <a:ln>
-                <a:solidFill>
-                  <a:schemeClr val="tx1">
-                    <a:alpha val="30000"/>
-                  </a:schemeClr>
-                </a:solidFill>
-              </a:ln>
-              <a:solidFill>
-                <a:srgbClr val="272123"/>
-              </a:solidFill>
-              <a:latin typeface="HY강M" pitchFamily="18" charset="-127"/>
-              <a:ea typeface="HY강M" pitchFamily="18" charset="-127"/>
-            </a:endParaRPr>
-          </a:p>
-          <a:p>
-            <a:pPr marL="285750" indent="-285750">
-              <a:buFont typeface="Arial" pitchFamily="34" charset="0"/>
-              <a:buChar char="•"/>
-            </a:pPr>
-            <a:r>
-              <a:rPr lang="ko-KR" altLang="en-US" sz="2800" dirty="0" smtClean="0">
+              <a:t> </a:t>
+            </a:r>
+            <a:r>
+              <a:rPr lang="en-US" altLang="ko-KR" sz="2800" dirty="0" smtClean="0">
                 <a:ln>
                   <a:solidFill>
                     <a:schemeClr val="tx1">
@@ -28481,10 +28033,10 @@
                 <a:latin typeface="HY강M" pitchFamily="18" charset="-127"/>
                 <a:ea typeface="HY강M" pitchFamily="18" charset="-127"/>
               </a:rPr>
-              <a:t>학생의 이름</a:t>
-            </a:r>
-            <a:r>
-              <a:rPr lang="en-US" altLang="ko-KR" sz="2800" dirty="0" smtClean="0">
+              <a:t>1 ~100</a:t>
+            </a:r>
+            <a:r>
+              <a:rPr lang="ko-KR" altLang="en-US" sz="2800" dirty="0" smtClean="0">
                 <a:ln>
                   <a:solidFill>
                     <a:schemeClr val="tx1">
@@ -28498,7 +28050,7 @@
                 <a:latin typeface="HY강M" pitchFamily="18" charset="-127"/>
                 <a:ea typeface="HY강M" pitchFamily="18" charset="-127"/>
               </a:rPr>
-              <a:t>,</a:t>
+              <a:t>사이의 값을 랜덤으로 </a:t>
             </a:r>
             <a:r>
               <a:rPr lang="ko-KR" altLang="en-US" sz="2800" dirty="0" smtClean="0">
@@ -28515,10 +28067,10 @@
                 <a:latin typeface="HY강M" pitchFamily="18" charset="-127"/>
                 <a:ea typeface="HY강M" pitchFamily="18" charset="-127"/>
               </a:rPr>
-              <a:t>나이</a:t>
-            </a:r>
-            <a:r>
-              <a:rPr lang="en-US" altLang="ko-KR" sz="2800" dirty="0" smtClean="0">
+              <a:t> </a:t>
+            </a:r>
+            <a:r>
+              <a:rPr lang="ko-KR" altLang="en-US" sz="2800" dirty="0" smtClean="0">
                 <a:ln>
                   <a:solidFill>
                     <a:schemeClr val="tx1">
@@ -28532,7 +28084,7 @@
                 <a:latin typeface="HY강M" pitchFamily="18" charset="-127"/>
                 <a:ea typeface="HY강M" pitchFamily="18" charset="-127"/>
               </a:rPr>
-              <a:t>,</a:t>
+              <a:t>입력 받은 뒤 오름차순 </a:t>
             </a:r>
             <a:r>
               <a:rPr lang="ko-KR" altLang="en-US" sz="2800" dirty="0" smtClean="0">
@@ -28549,7 +28101,7 @@
                 <a:latin typeface="HY강M" pitchFamily="18" charset="-127"/>
                 <a:ea typeface="HY강M" pitchFamily="18" charset="-127"/>
               </a:rPr>
-              <a:t>학년</a:t>
+              <a:t>정렬하여 출력하시오</a:t>
             </a:r>
             <a:r>
               <a:rPr lang="en-US" altLang="ko-KR" sz="2800" dirty="0" smtClean="0">
@@ -28566,678 +28118,11 @@
                 <a:latin typeface="HY강M" pitchFamily="18" charset="-127"/>
                 <a:ea typeface="HY강M" pitchFamily="18" charset="-127"/>
               </a:rPr>
-              <a:t>,</a:t>
-            </a:r>
-            <a:r>
-              <a:rPr lang="ko-KR" altLang="en-US" sz="2800" dirty="0" smtClean="0">
-                <a:ln>
-                  <a:solidFill>
-                    <a:schemeClr val="tx1">
-                      <a:alpha val="30000"/>
-                    </a:schemeClr>
-                  </a:solidFill>
-                </a:ln>
-                <a:solidFill>
-                  <a:srgbClr val="272123"/>
-                </a:solidFill>
-                <a:latin typeface="HY강M" pitchFamily="18" charset="-127"/>
-                <a:ea typeface="HY강M" pitchFamily="18" charset="-127"/>
-              </a:rPr>
-              <a:t>번호</a:t>
-            </a:r>
-            <a:r>
-              <a:rPr lang="en-US" altLang="ko-KR" sz="2800" dirty="0" smtClean="0">
-                <a:ln>
-                  <a:solidFill>
-                    <a:schemeClr val="tx1">
-                      <a:alpha val="30000"/>
-                    </a:schemeClr>
-                  </a:solidFill>
-                </a:ln>
-                <a:solidFill>
-                  <a:srgbClr val="272123"/>
-                </a:solidFill>
-                <a:latin typeface="HY강M" pitchFamily="18" charset="-127"/>
-                <a:ea typeface="HY강M" pitchFamily="18" charset="-127"/>
-              </a:rPr>
-              <a:t>,</a:t>
-            </a:r>
-            <a:r>
-              <a:rPr lang="ko-KR" altLang="en-US" sz="2800" dirty="0" smtClean="0">
-                <a:ln>
-                  <a:solidFill>
-                    <a:schemeClr val="tx1">
-                      <a:alpha val="30000"/>
-                    </a:schemeClr>
-                  </a:solidFill>
-                </a:ln>
-                <a:solidFill>
-                  <a:srgbClr val="272123"/>
-                </a:solidFill>
-                <a:latin typeface="HY강M" pitchFamily="18" charset="-127"/>
-                <a:ea typeface="HY강M" pitchFamily="18" charset="-127"/>
-              </a:rPr>
-              <a:t>성적을 저장하는 구조체를 만든 뒤 </a:t>
-            </a:r>
-            <a:r>
-              <a:rPr lang="ko-KR" altLang="en-US" sz="2800" dirty="0" err="1" smtClean="0">
-                <a:ln>
-                  <a:solidFill>
-                    <a:schemeClr val="tx1">
-                      <a:alpha val="30000"/>
-                    </a:schemeClr>
-                  </a:solidFill>
-                </a:ln>
-                <a:solidFill>
-                  <a:srgbClr val="272123"/>
-                </a:solidFill>
-                <a:latin typeface="HY강M" pitchFamily="18" charset="-127"/>
-                <a:ea typeface="HY강M" pitchFamily="18" charset="-127"/>
-              </a:rPr>
-              <a:t>동적할당으로</a:t>
-            </a:r>
-            <a:r>
-              <a:rPr lang="ko-KR" altLang="en-US" sz="2800" dirty="0" smtClean="0">
-                <a:ln>
-                  <a:solidFill>
-                    <a:schemeClr val="tx1">
-                      <a:alpha val="30000"/>
-                    </a:schemeClr>
-                  </a:solidFill>
-                </a:ln>
-                <a:solidFill>
-                  <a:srgbClr val="272123"/>
-                </a:solidFill>
-                <a:latin typeface="HY강M" pitchFamily="18" charset="-127"/>
-                <a:ea typeface="HY강M" pitchFamily="18" charset="-127"/>
-              </a:rPr>
-              <a:t> 관리하시오</a:t>
-            </a:r>
-            <a:r>
-              <a:rPr lang="en-US" altLang="ko-KR" sz="1600" dirty="0">
-                <a:ln>
-                  <a:solidFill>
-                    <a:schemeClr val="tx1">
-                      <a:alpha val="30000"/>
-                    </a:schemeClr>
-                  </a:solidFill>
-                </a:ln>
-                <a:solidFill>
-                  <a:srgbClr val="272123"/>
-                </a:solidFill>
-                <a:latin typeface="HY강M" pitchFamily="18" charset="-127"/>
-                <a:ea typeface="HY강M" pitchFamily="18" charset="-127"/>
-              </a:rPr>
-              <a:t> </a:t>
-            </a:r>
-            <a:r>
-              <a:rPr lang="en-US" altLang="ko-KR" sz="1600" dirty="0" smtClean="0">
-                <a:ln>
-                  <a:solidFill>
-                    <a:schemeClr val="tx1">
-                      <a:alpha val="30000"/>
-                    </a:schemeClr>
-                  </a:solidFill>
-                </a:ln>
-                <a:solidFill>
-                  <a:srgbClr val="272123"/>
-                </a:solidFill>
-                <a:latin typeface="HY강M" pitchFamily="18" charset="-127"/>
-                <a:ea typeface="HY강M" pitchFamily="18" charset="-127"/>
-              </a:rPr>
-              <a:t>  </a:t>
-            </a:r>
-          </a:p>
-          <a:p>
-            <a:pPr marL="285750" indent="-285750">
-              <a:buFont typeface="Arial" pitchFamily="34" charset="0"/>
-              <a:buChar char="•"/>
-            </a:pPr>
-            <a:r>
-              <a:rPr lang="en-US" altLang="ko-KR" sz="1600" dirty="0" smtClean="0">
-                <a:ln>
-                  <a:solidFill>
-                    <a:schemeClr val="tx1">
-                      <a:alpha val="30000"/>
-                    </a:schemeClr>
-                  </a:solidFill>
-                </a:ln>
-                <a:solidFill>
-                  <a:srgbClr val="FF0000"/>
-                </a:solidFill>
-                <a:latin typeface="HY강M" pitchFamily="18" charset="-127"/>
-                <a:ea typeface="HY강M" pitchFamily="18" charset="-127"/>
-              </a:rPr>
-              <a:t>(</a:t>
-            </a:r>
-            <a:r>
-              <a:rPr lang="ko-KR" altLang="en-US" sz="1600" dirty="0" smtClean="0">
-                <a:ln>
-                  <a:solidFill>
-                    <a:schemeClr val="tx1">
-                      <a:alpha val="30000"/>
-                    </a:schemeClr>
-                  </a:solidFill>
-                </a:ln>
-                <a:solidFill>
-                  <a:srgbClr val="FF0000"/>
-                </a:solidFill>
-                <a:latin typeface="HY강M" pitchFamily="18" charset="-127"/>
-                <a:ea typeface="HY강M" pitchFamily="18" charset="-127"/>
-              </a:rPr>
-              <a:t>최대 학생수 </a:t>
-            </a:r>
-            <a:r>
-              <a:rPr lang="en-US" altLang="ko-KR" sz="1600" dirty="0">
-                <a:ln>
-                  <a:solidFill>
-                    <a:schemeClr val="tx1">
-                      <a:alpha val="30000"/>
-                    </a:schemeClr>
-                  </a:solidFill>
-                </a:ln>
-                <a:solidFill>
-                  <a:srgbClr val="FF0000"/>
-                </a:solidFill>
-                <a:latin typeface="HY강M" pitchFamily="18" charset="-127"/>
-                <a:ea typeface="HY강M" pitchFamily="18" charset="-127"/>
-              </a:rPr>
-              <a:t>1</a:t>
-            </a:r>
-            <a:r>
-              <a:rPr lang="en-US" altLang="ko-KR" sz="1600" dirty="0" smtClean="0">
-                <a:ln>
-                  <a:solidFill>
-                    <a:schemeClr val="tx1">
-                      <a:alpha val="30000"/>
-                    </a:schemeClr>
-                  </a:solidFill>
-                </a:ln>
-                <a:solidFill>
-                  <a:srgbClr val="FF0000"/>
-                </a:solidFill>
-                <a:latin typeface="HY강M" pitchFamily="18" charset="-127"/>
-                <a:ea typeface="HY강M" pitchFamily="18" charset="-127"/>
-              </a:rPr>
-              <a:t>0</a:t>
-            </a:r>
-            <a:r>
-              <a:rPr lang="ko-KR" altLang="en-US" sz="1600" dirty="0" smtClean="0">
-                <a:ln>
-                  <a:solidFill>
-                    <a:schemeClr val="tx1">
-                      <a:alpha val="30000"/>
-                    </a:schemeClr>
-                  </a:solidFill>
-                </a:ln>
-                <a:solidFill>
-                  <a:srgbClr val="FF0000"/>
-                </a:solidFill>
-                <a:latin typeface="HY강M" pitchFamily="18" charset="-127"/>
-                <a:ea typeface="HY강M" pitchFamily="18" charset="-127"/>
-              </a:rPr>
-              <a:t>명</a:t>
-            </a:r>
-            <a:r>
-              <a:rPr lang="en-US" altLang="ko-KR" sz="1600" dirty="0" smtClean="0">
-                <a:ln>
-                  <a:solidFill>
-                    <a:schemeClr val="tx1">
-                      <a:alpha val="30000"/>
-                    </a:schemeClr>
-                  </a:solidFill>
-                </a:ln>
-                <a:solidFill>
-                  <a:srgbClr val="FF0000"/>
-                </a:solidFill>
-                <a:latin typeface="HY강M" pitchFamily="18" charset="-127"/>
-                <a:ea typeface="HY강M" pitchFamily="18" charset="-127"/>
-              </a:rPr>
-              <a:t>)</a:t>
-            </a:r>
-            <a:endParaRPr lang="en-US" altLang="ko-KR" sz="2800" dirty="0">
-              <a:ln>
-                <a:solidFill>
-                  <a:schemeClr val="tx1">
-                    <a:alpha val="30000"/>
-                  </a:schemeClr>
-                </a:solidFill>
-              </a:ln>
-              <a:solidFill>
-                <a:srgbClr val="FF0000"/>
-              </a:solidFill>
-              <a:latin typeface="HY강M" pitchFamily="18" charset="-127"/>
-              <a:ea typeface="HY강M" pitchFamily="18" charset="-127"/>
-            </a:endParaRPr>
-          </a:p>
-          <a:p>
-            <a:pPr marL="285750" indent="-285750">
-              <a:buFont typeface="Arial" pitchFamily="34" charset="0"/>
-              <a:buChar char="•"/>
-            </a:pPr>
-            <a:r>
-              <a:rPr lang="en-US" altLang="ko-KR" sz="1600" dirty="0" smtClean="0">
-                <a:ln>
-                  <a:solidFill>
-                    <a:schemeClr val="tx1">
-                      <a:alpha val="30000"/>
-                    </a:schemeClr>
-                  </a:solidFill>
-                </a:ln>
-                <a:solidFill>
-                  <a:srgbClr val="FF0000"/>
-                </a:solidFill>
-                <a:latin typeface="HY강M" pitchFamily="18" charset="-127"/>
-                <a:ea typeface="HY강M" pitchFamily="18" charset="-127"/>
-              </a:rPr>
-              <a:t>(90</a:t>
-            </a:r>
-            <a:r>
-              <a:rPr lang="ko-KR" altLang="en-US" sz="1600" dirty="0" err="1" smtClean="0">
-                <a:ln>
-                  <a:solidFill>
-                    <a:schemeClr val="tx1">
-                      <a:alpha val="30000"/>
-                    </a:schemeClr>
-                  </a:solidFill>
-                </a:ln>
-                <a:solidFill>
-                  <a:srgbClr val="FF0000"/>
-                </a:solidFill>
-                <a:latin typeface="HY강M" pitchFamily="18" charset="-127"/>
-                <a:ea typeface="HY강M" pitchFamily="18" charset="-127"/>
-              </a:rPr>
-              <a:t>점이상</a:t>
-            </a:r>
-            <a:r>
-              <a:rPr lang="ko-KR" altLang="en-US" sz="1600" dirty="0" smtClean="0">
-                <a:ln>
-                  <a:solidFill>
-                    <a:schemeClr val="tx1">
-                      <a:alpha val="30000"/>
-                    </a:schemeClr>
-                  </a:solidFill>
-                </a:ln>
-                <a:solidFill>
-                  <a:srgbClr val="FF0000"/>
-                </a:solidFill>
-                <a:latin typeface="HY강M" pitchFamily="18" charset="-127"/>
-                <a:ea typeface="HY강M" pitchFamily="18" charset="-127"/>
-              </a:rPr>
-              <a:t> </a:t>
-            </a:r>
-            <a:r>
-              <a:rPr lang="en-US" altLang="ko-KR" sz="1600" dirty="0" smtClean="0">
-                <a:ln>
-                  <a:solidFill>
-                    <a:schemeClr val="tx1">
-                      <a:alpha val="30000"/>
-                    </a:schemeClr>
-                  </a:solidFill>
-                </a:ln>
-                <a:solidFill>
-                  <a:srgbClr val="FF0000"/>
-                </a:solidFill>
-                <a:latin typeface="HY강M" pitchFamily="18" charset="-127"/>
-                <a:ea typeface="HY강M" pitchFamily="18" charset="-127"/>
-              </a:rPr>
-              <a:t>A,80</a:t>
-            </a:r>
-            <a:r>
-              <a:rPr lang="ko-KR" altLang="en-US" sz="1600" dirty="0" err="1" smtClean="0">
-                <a:ln>
-                  <a:solidFill>
-                    <a:schemeClr val="tx1">
-                      <a:alpha val="30000"/>
-                    </a:schemeClr>
-                  </a:solidFill>
-                </a:ln>
-                <a:solidFill>
-                  <a:srgbClr val="FF0000"/>
-                </a:solidFill>
-                <a:latin typeface="HY강M" pitchFamily="18" charset="-127"/>
-                <a:ea typeface="HY강M" pitchFamily="18" charset="-127"/>
-              </a:rPr>
-              <a:t>점이상</a:t>
-            </a:r>
-            <a:r>
-              <a:rPr lang="ko-KR" altLang="en-US" sz="1600" dirty="0" smtClean="0">
-                <a:ln>
-                  <a:solidFill>
-                    <a:schemeClr val="tx1">
-                      <a:alpha val="30000"/>
-                    </a:schemeClr>
-                  </a:solidFill>
-                </a:ln>
-                <a:solidFill>
-                  <a:srgbClr val="FF0000"/>
-                </a:solidFill>
-                <a:latin typeface="HY강M" pitchFamily="18" charset="-127"/>
-                <a:ea typeface="HY강M" pitchFamily="18" charset="-127"/>
-              </a:rPr>
-              <a:t> </a:t>
-            </a:r>
-            <a:r>
-              <a:rPr lang="en-US" altLang="ko-KR" sz="1600" dirty="0" smtClean="0">
-                <a:ln>
-                  <a:solidFill>
-                    <a:schemeClr val="tx1">
-                      <a:alpha val="30000"/>
-                    </a:schemeClr>
-                  </a:solidFill>
-                </a:ln>
-                <a:solidFill>
-                  <a:srgbClr val="FF0000"/>
-                </a:solidFill>
-                <a:latin typeface="HY강M" pitchFamily="18" charset="-127"/>
-                <a:ea typeface="HY강M" pitchFamily="18" charset="-127"/>
-              </a:rPr>
-              <a:t>B,70</a:t>
-            </a:r>
-            <a:r>
-              <a:rPr lang="ko-KR" altLang="en-US" sz="1600" dirty="0" err="1" smtClean="0">
-                <a:ln>
-                  <a:solidFill>
-                    <a:schemeClr val="tx1">
-                      <a:alpha val="30000"/>
-                    </a:schemeClr>
-                  </a:solidFill>
-                </a:ln>
-                <a:solidFill>
-                  <a:srgbClr val="FF0000"/>
-                </a:solidFill>
-                <a:latin typeface="HY강M" pitchFamily="18" charset="-127"/>
-                <a:ea typeface="HY강M" pitchFamily="18" charset="-127"/>
-              </a:rPr>
-              <a:t>점이상</a:t>
-            </a:r>
-            <a:r>
-              <a:rPr lang="ko-KR" altLang="en-US" sz="1600" dirty="0" smtClean="0">
-                <a:ln>
-                  <a:solidFill>
-                    <a:schemeClr val="tx1">
-                      <a:alpha val="30000"/>
-                    </a:schemeClr>
-                  </a:solidFill>
-                </a:ln>
-                <a:solidFill>
-                  <a:srgbClr val="FF0000"/>
-                </a:solidFill>
-                <a:latin typeface="HY강M" pitchFamily="18" charset="-127"/>
-                <a:ea typeface="HY강M" pitchFamily="18" charset="-127"/>
-              </a:rPr>
-              <a:t> </a:t>
-            </a:r>
-            <a:r>
-              <a:rPr lang="en-US" altLang="ko-KR" sz="1600" dirty="0" smtClean="0">
-                <a:ln>
-                  <a:solidFill>
-                    <a:schemeClr val="tx1">
-                      <a:alpha val="30000"/>
-                    </a:schemeClr>
-                  </a:solidFill>
-                </a:ln>
-                <a:solidFill>
-                  <a:srgbClr val="FF0000"/>
-                </a:solidFill>
-                <a:latin typeface="HY강M" pitchFamily="18" charset="-127"/>
-                <a:ea typeface="HY강M" pitchFamily="18" charset="-127"/>
-              </a:rPr>
-              <a:t>C,60</a:t>
-            </a:r>
-            <a:r>
-              <a:rPr lang="ko-KR" altLang="en-US" sz="1600" dirty="0" err="1" smtClean="0">
-                <a:ln>
-                  <a:solidFill>
-                    <a:schemeClr val="tx1">
-                      <a:alpha val="30000"/>
-                    </a:schemeClr>
-                  </a:solidFill>
-                </a:ln>
-                <a:solidFill>
-                  <a:srgbClr val="FF0000"/>
-                </a:solidFill>
-                <a:latin typeface="HY강M" pitchFamily="18" charset="-127"/>
-                <a:ea typeface="HY강M" pitchFamily="18" charset="-127"/>
-              </a:rPr>
-              <a:t>점이상</a:t>
-            </a:r>
-            <a:r>
-              <a:rPr lang="ko-KR" altLang="en-US" sz="1600" dirty="0" smtClean="0">
-                <a:ln>
-                  <a:solidFill>
-                    <a:schemeClr val="tx1">
-                      <a:alpha val="30000"/>
-                    </a:schemeClr>
-                  </a:solidFill>
-                </a:ln>
-                <a:solidFill>
-                  <a:srgbClr val="FF0000"/>
-                </a:solidFill>
-                <a:latin typeface="HY강M" pitchFamily="18" charset="-127"/>
-                <a:ea typeface="HY강M" pitchFamily="18" charset="-127"/>
-              </a:rPr>
-              <a:t> </a:t>
-            </a:r>
-            <a:r>
-              <a:rPr lang="en-US" altLang="ko-KR" sz="1600" dirty="0" smtClean="0">
-                <a:ln>
-                  <a:solidFill>
-                    <a:schemeClr val="tx1">
-                      <a:alpha val="30000"/>
-                    </a:schemeClr>
-                  </a:solidFill>
-                </a:ln>
-                <a:solidFill>
-                  <a:srgbClr val="FF0000"/>
-                </a:solidFill>
-                <a:latin typeface="HY강M" pitchFamily="18" charset="-127"/>
-                <a:ea typeface="HY강M" pitchFamily="18" charset="-127"/>
-              </a:rPr>
-              <a:t>D,60</a:t>
-            </a:r>
-            <a:r>
-              <a:rPr lang="ko-KR" altLang="en-US" sz="1600" dirty="0" err="1" smtClean="0">
-                <a:ln>
-                  <a:solidFill>
-                    <a:schemeClr val="tx1">
-                      <a:alpha val="30000"/>
-                    </a:schemeClr>
-                  </a:solidFill>
-                </a:ln>
-                <a:solidFill>
-                  <a:srgbClr val="FF0000"/>
-                </a:solidFill>
-                <a:latin typeface="HY강M" pitchFamily="18" charset="-127"/>
-                <a:ea typeface="HY강M" pitchFamily="18" charset="-127"/>
-              </a:rPr>
-              <a:t>점미만</a:t>
-            </a:r>
-            <a:r>
-              <a:rPr lang="ko-KR" altLang="en-US" sz="1600" dirty="0" smtClean="0">
-                <a:ln>
-                  <a:solidFill>
-                    <a:schemeClr val="tx1">
-                      <a:alpha val="30000"/>
-                    </a:schemeClr>
-                  </a:solidFill>
-                </a:ln>
-                <a:solidFill>
-                  <a:srgbClr val="FF0000"/>
-                </a:solidFill>
-                <a:latin typeface="HY강M" pitchFamily="18" charset="-127"/>
-                <a:ea typeface="HY강M" pitchFamily="18" charset="-127"/>
-              </a:rPr>
-              <a:t> </a:t>
-            </a:r>
-            <a:r>
-              <a:rPr lang="en-US" altLang="ko-KR" sz="1600" dirty="0" smtClean="0">
-                <a:ln>
-                  <a:solidFill>
-                    <a:schemeClr val="tx1">
-                      <a:alpha val="30000"/>
-                    </a:schemeClr>
-                  </a:solidFill>
-                </a:ln>
-                <a:solidFill>
-                  <a:srgbClr val="FF0000"/>
-                </a:solidFill>
-                <a:latin typeface="HY강M" pitchFamily="18" charset="-127"/>
-                <a:ea typeface="HY강M" pitchFamily="18" charset="-127"/>
-              </a:rPr>
-              <a:t>F)</a:t>
+              <a:t>.</a:t>
             </a:r>
           </a:p>
         </p:txBody>
       </p:sp>
-      <p:grpSp>
-        <p:nvGrpSpPr>
-          <p:cNvPr id="21" name="그룹 20"/>
-          <p:cNvGrpSpPr/>
-          <p:nvPr/>
-        </p:nvGrpSpPr>
-        <p:grpSpPr>
-          <a:xfrm>
-            <a:off x="6144716" y="3160935"/>
-            <a:ext cx="1647098" cy="463171"/>
-            <a:chOff x="4500694" y="5774141"/>
-            <a:chExt cx="1647098" cy="463171"/>
-          </a:xfrm>
-        </p:grpSpPr>
-        <p:sp>
-          <p:nvSpPr>
-            <p:cNvPr id="25" name="실행 단추: 앞으로 또는 다음 24">
-              <a:hlinkClick r:id="rId3" action="ppaction://program" highlightClick="1"/>
-            </p:cNvPr>
-            <p:cNvSpPr/>
-            <p:nvPr/>
-          </p:nvSpPr>
-          <p:spPr>
-            <a:xfrm>
-              <a:off x="4500694" y="5774141"/>
-              <a:ext cx="864096" cy="463171"/>
-            </a:xfrm>
-            <a:prstGeom prst="actionButtonForwardNext">
-              <a:avLst/>
-            </a:prstGeom>
-            <a:solidFill>
-              <a:schemeClr val="tx1"/>
-            </a:solidFill>
-            <a:ln>
-              <a:solidFill>
-                <a:schemeClr val="bg1"/>
-              </a:solidFill>
-            </a:ln>
-            <a:scene3d>
-              <a:camera prst="orthographicFront"/>
-              <a:lightRig rig="threePt" dir="t"/>
-            </a:scene3d>
-            <a:sp3d prstMaterial="metal">
-              <a:bevelT w="139700" h="127000" prst="divot"/>
-            </a:sp3d>
-          </p:spPr>
-          <p:style>
-            <a:lnRef idx="2">
-              <a:schemeClr val="accent1">
-                <a:shade val="50000"/>
-              </a:schemeClr>
-            </a:lnRef>
-            <a:fillRef idx="1">
-              <a:schemeClr val="accent1"/>
-            </a:fillRef>
-            <a:effectRef idx="0">
-              <a:schemeClr val="accent1"/>
-            </a:effectRef>
-            <a:fontRef idx="minor">
-              <a:schemeClr val="lt1"/>
-            </a:fontRef>
-          </p:style>
-          <p:txBody>
-            <a:bodyPr rtlCol="0" anchor="ctr"/>
-            <a:lstStyle/>
-            <a:p>
-              <a:pPr algn="ctr"/>
-              <a:endParaRPr lang="ko-KR" altLang="en-US"/>
-            </a:p>
-          </p:txBody>
-        </p:sp>
-        <p:sp>
-          <p:nvSpPr>
-            <p:cNvPr id="26" name="TextBox 25"/>
-            <p:cNvSpPr txBox="1"/>
-            <p:nvPr/>
-          </p:nvSpPr>
-          <p:spPr>
-            <a:xfrm>
-              <a:off x="5364790" y="5991091"/>
-              <a:ext cx="783002" cy="246221"/>
-            </a:xfrm>
-            <a:prstGeom prst="rect">
-              <a:avLst/>
-            </a:prstGeom>
-            <a:noFill/>
-          </p:spPr>
-          <p:txBody>
-            <a:bodyPr wrap="square" rtlCol="0">
-              <a:spAutoFit/>
-            </a:bodyPr>
-            <a:lstStyle/>
-            <a:p>
-              <a:r>
-                <a:rPr lang="en-US" altLang="ko-KR" sz="1000" dirty="0" smtClean="0">
-                  <a:ln>
-                    <a:solidFill>
-                      <a:schemeClr val="tx1">
-                        <a:alpha val="30000"/>
-                      </a:schemeClr>
-                    </a:solidFill>
-                  </a:ln>
-                  <a:solidFill>
-                    <a:srgbClr val="272123"/>
-                  </a:solidFill>
-                  <a:latin typeface="HY강M" pitchFamily="18" charset="-127"/>
-                  <a:ea typeface="HY강M" pitchFamily="18" charset="-127"/>
-                </a:rPr>
-                <a:t>(</a:t>
-              </a:r>
-              <a:r>
-                <a:rPr lang="ko-KR" altLang="en-US" sz="1000" dirty="0" smtClean="0">
-                  <a:ln>
-                    <a:solidFill>
-                      <a:schemeClr val="tx1">
-                        <a:alpha val="30000"/>
-                      </a:schemeClr>
-                    </a:solidFill>
-                  </a:ln>
-                  <a:solidFill>
-                    <a:srgbClr val="272123"/>
-                  </a:solidFill>
-                  <a:latin typeface="HY강M" pitchFamily="18" charset="-127"/>
-                  <a:ea typeface="HY강M" pitchFamily="18" charset="-127"/>
-                </a:rPr>
-                <a:t>실행파일</a:t>
-              </a:r>
-              <a:r>
-                <a:rPr lang="en-US" altLang="ko-KR" sz="1000" dirty="0" smtClean="0">
-                  <a:ln>
-                    <a:solidFill>
-                      <a:schemeClr val="tx1">
-                        <a:alpha val="30000"/>
-                      </a:schemeClr>
-                    </a:solidFill>
-                  </a:ln>
-                  <a:solidFill>
-                    <a:srgbClr val="272123"/>
-                  </a:solidFill>
-                  <a:latin typeface="HY강M" pitchFamily="18" charset="-127"/>
-                  <a:ea typeface="HY강M" pitchFamily="18" charset="-127"/>
-                </a:rPr>
-                <a:t>)</a:t>
-              </a:r>
-            </a:p>
-          </p:txBody>
-        </p:sp>
-      </p:grpSp>
       <p:sp>
         <p:nvSpPr>
           <p:cNvPr id="17" name="직사각형 16"/>
@@ -29551,154 +28436,6 @@
           </a:p>
         </p:txBody>
       </p:sp>
-      <p:grpSp>
-        <p:nvGrpSpPr>
-          <p:cNvPr id="32" name="그룹 31"/>
-          <p:cNvGrpSpPr/>
-          <p:nvPr/>
-        </p:nvGrpSpPr>
-        <p:grpSpPr>
-          <a:xfrm>
-            <a:off x="6244695" y="5405353"/>
-            <a:ext cx="1647098" cy="463171"/>
-            <a:chOff x="4500694" y="5774141"/>
-            <a:chExt cx="1647098" cy="463171"/>
-          </a:xfrm>
-        </p:grpSpPr>
-        <p:sp>
-          <p:nvSpPr>
-            <p:cNvPr id="33" name="실행 단추: 앞으로 또는 다음 32">
-              <a:hlinkClick r:id="rId4" action="ppaction://program" highlightClick="1"/>
-            </p:cNvPr>
-            <p:cNvSpPr/>
-            <p:nvPr/>
-          </p:nvSpPr>
-          <p:spPr>
-            <a:xfrm>
-              <a:off x="4500694" y="5774141"/>
-              <a:ext cx="864096" cy="463171"/>
-            </a:xfrm>
-            <a:prstGeom prst="actionButtonForwardNext">
-              <a:avLst/>
-            </a:prstGeom>
-            <a:solidFill>
-              <a:schemeClr val="tx1"/>
-            </a:solidFill>
-            <a:ln>
-              <a:solidFill>
-                <a:schemeClr val="bg1"/>
-              </a:solidFill>
-            </a:ln>
-            <a:scene3d>
-              <a:camera prst="orthographicFront"/>
-              <a:lightRig rig="threePt" dir="t"/>
-            </a:scene3d>
-            <a:sp3d prstMaterial="metal">
-              <a:bevelT w="139700" h="127000" prst="divot"/>
-            </a:sp3d>
-          </p:spPr>
-          <p:style>
-            <a:lnRef idx="2">
-              <a:schemeClr val="accent1">
-                <a:shade val="50000"/>
-              </a:schemeClr>
-            </a:lnRef>
-            <a:fillRef idx="1">
-              <a:schemeClr val="accent1"/>
-            </a:fillRef>
-            <a:effectRef idx="0">
-              <a:schemeClr val="accent1"/>
-            </a:effectRef>
-            <a:fontRef idx="minor">
-              <a:schemeClr val="lt1"/>
-            </a:fontRef>
-          </p:style>
-          <p:txBody>
-            <a:bodyPr rtlCol="0" anchor="ctr"/>
-            <a:lstStyle/>
-            <a:p>
-              <a:pPr algn="ctr"/>
-              <a:endParaRPr lang="ko-KR" altLang="en-US"/>
-            </a:p>
-          </p:txBody>
-        </p:sp>
-        <p:sp>
-          <p:nvSpPr>
-            <p:cNvPr id="34" name="TextBox 33"/>
-            <p:cNvSpPr txBox="1"/>
-            <p:nvPr/>
-          </p:nvSpPr>
-          <p:spPr>
-            <a:xfrm>
-              <a:off x="5364790" y="5991091"/>
-              <a:ext cx="783002" cy="246221"/>
-            </a:xfrm>
-            <a:prstGeom prst="rect">
-              <a:avLst/>
-            </a:prstGeom>
-            <a:noFill/>
-          </p:spPr>
-          <p:txBody>
-            <a:bodyPr wrap="square" rtlCol="0">
-              <a:spAutoFit/>
-            </a:bodyPr>
-            <a:lstStyle/>
-            <a:p>
-              <a:r>
-                <a:rPr lang="en-US" altLang="ko-KR" sz="1000" dirty="0" smtClean="0">
-                  <a:ln>
-                    <a:solidFill>
-                      <a:schemeClr val="tx1">
-                        <a:alpha val="30000"/>
-                      </a:schemeClr>
-                    </a:solidFill>
-                  </a:ln>
-                  <a:solidFill>
-                    <a:srgbClr val="272123"/>
-                  </a:solidFill>
-                  <a:latin typeface="HY강M" pitchFamily="18" charset="-127"/>
-                  <a:ea typeface="HY강M" pitchFamily="18" charset="-127"/>
-                </a:rPr>
-                <a:t>(</a:t>
-              </a:r>
-              <a:r>
-                <a:rPr lang="ko-KR" altLang="en-US" sz="1000" dirty="0" smtClean="0">
-                  <a:ln>
-                    <a:solidFill>
-                      <a:schemeClr val="tx1">
-                        <a:alpha val="30000"/>
-                      </a:schemeClr>
-                    </a:solidFill>
-                  </a:ln>
-                  <a:solidFill>
-                    <a:srgbClr val="272123"/>
-                  </a:solidFill>
-                  <a:latin typeface="HY강M" pitchFamily="18" charset="-127"/>
-                  <a:ea typeface="HY강M" pitchFamily="18" charset="-127"/>
-                </a:rPr>
-                <a:t>실행파일</a:t>
-              </a:r>
-              <a:r>
-                <a:rPr lang="en-US" altLang="ko-KR" sz="1000" dirty="0" smtClean="0">
-                  <a:ln>
-                    <a:solidFill>
-                      <a:schemeClr val="tx1">
-                        <a:alpha val="30000"/>
-                      </a:schemeClr>
-                    </a:solidFill>
-                  </a:ln>
-                  <a:solidFill>
-                    <a:srgbClr val="272123"/>
-                  </a:solidFill>
-                  <a:latin typeface="HY강M" pitchFamily="18" charset="-127"/>
-                  <a:ea typeface="HY강M" pitchFamily="18" charset="-127"/>
-                </a:rPr>
-                <a:t>)</a:t>
-              </a:r>
-            </a:p>
-          </p:txBody>
-        </p:sp>
-      </p:grpSp>
     </p:spTree>
     <p:extLst>
       <p:ext uri="{BB962C8B-B14F-4D97-AF65-F5344CB8AC3E}">
@@ -31006,8 +29743,8 @@
         </p:nvSpPr>
         <p:spPr>
           <a:xfrm>
-            <a:off x="971600" y="872608"/>
-            <a:ext cx="3384376" cy="2677656"/>
+            <a:off x="971600" y="1333844"/>
+            <a:ext cx="3384376" cy="4062651"/>
           </a:xfrm>
           <a:prstGeom prst="rect">
             <a:avLst/>
@@ -31021,18 +29758,11 @@
           <a:lstStyle/>
           <a:p>
             <a:r>
-              <a:rPr lang="en-US" altLang="ko-KR" sz="1200" dirty="0" smtClean="0">
-                <a:latin typeface="HY견고딕" pitchFamily="18" charset="-127"/>
-                <a:ea typeface="HY견고딕" pitchFamily="18" charset="-127"/>
-              </a:rPr>
-              <a:t>#</a:t>
-            </a:r>
-            <a:r>
               <a:rPr lang="en-US" altLang="ko-KR" sz="1200" dirty="0">
                 <a:latin typeface="HY견고딕" pitchFamily="18" charset="-127"/>
                 <a:ea typeface="HY견고딕" pitchFamily="18" charset="-127"/>
               </a:rPr>
-              <a:t>include &lt;</a:t>
+              <a:t>#include &lt;</a:t>
             </a:r>
             <a:r>
               <a:rPr lang="en-US" altLang="ko-KR" sz="1200" dirty="0" err="1">
@@ -31080,18 +29810,11 @@
           </a:p>
           <a:p>
             <a:r>
-              <a:rPr lang="en-US" altLang="ko-KR" sz="1200" dirty="0" err="1">
-                <a:latin typeface="HY견고딕" pitchFamily="18" charset="-127"/>
-                <a:ea typeface="HY견고딕" pitchFamily="18" charset="-127"/>
-              </a:rPr>
-              <a:t>enum</a:t>
-            </a:r>
-            <a:r>
               <a:rPr lang="en-US" altLang="ko-KR" sz="1200" dirty="0">
                 <a:latin typeface="HY견고딕" pitchFamily="18" charset="-127"/>
                 <a:ea typeface="HY견고딕" pitchFamily="18" charset="-127"/>
               </a:rPr>
-              <a:t> WEEK</a:t>
+              <a:t>#define WEAPON_SWORD 0</a:t>
             </a:r>
           </a:p>
           <a:p>
@@ -31100,126 +29823,53 @@
                 <a:latin typeface="HY견고딕" pitchFamily="18" charset="-127"/>
                 <a:ea typeface="HY견고딕" pitchFamily="18" charset="-127"/>
               </a:rPr>
-              <a:t>{</a:t>
-            </a:r>
-          </a:p>
-          <a:p>
-            <a:r>
-              <a:rPr lang="en-US" altLang="ko-KR" sz="1200" dirty="0" smtClean="0">
-                <a:latin typeface="HY견고딕" pitchFamily="18" charset="-127"/>
-                <a:ea typeface="HY견고딕" pitchFamily="18" charset="-127"/>
-              </a:rPr>
-              <a:t>	WEEK_SUN</a:t>
-            </a:r>
+              <a:t>#define WEAPON_WAND 1</a:t>
+            </a:r>
+          </a:p>
+          <a:p>
             <a:r>
               <a:rPr lang="en-US" altLang="ko-KR" sz="1200" dirty="0">
                 <a:latin typeface="HY견고딕" pitchFamily="18" charset="-127"/>
                 <a:ea typeface="HY견고딕" pitchFamily="18" charset="-127"/>
               </a:rPr>
-              <a:t>,</a:t>
-            </a:r>
-          </a:p>
-          <a:p>
-            <a:r>
-              <a:rPr lang="en-US" altLang="ko-KR" sz="1200" dirty="0" smtClean="0">
-                <a:latin typeface="HY견고딕" pitchFamily="18" charset="-127"/>
-                <a:ea typeface="HY견고딕" pitchFamily="18" charset="-127"/>
-              </a:rPr>
-              <a:t>	WEEK_MON</a:t>
-            </a:r>
+              <a:t>#define WEAPON_BOW 2</a:t>
+            </a:r>
+          </a:p>
+          <a:p>
             <a:r>
               <a:rPr lang="en-US" altLang="ko-KR" sz="1200" dirty="0">
                 <a:latin typeface="HY견고딕" pitchFamily="18" charset="-127"/>
                 <a:ea typeface="HY견고딕" pitchFamily="18" charset="-127"/>
               </a:rPr>
-              <a:t>,</a:t>
-            </a:r>
-          </a:p>
-          <a:p>
-            <a:r>
-              <a:rPr lang="en-US" altLang="ko-KR" sz="1200" dirty="0" smtClean="0">
-                <a:latin typeface="HY견고딕" pitchFamily="18" charset="-127"/>
-                <a:ea typeface="HY견고딕" pitchFamily="18" charset="-127"/>
-              </a:rPr>
-              <a:t>	WEEK_TUE</a:t>
-            </a:r>
+              <a:t>#define WEAPON_HAMMER 3</a:t>
+            </a:r>
+          </a:p>
+          <a:p>
             <a:r>
               <a:rPr lang="en-US" altLang="ko-KR" sz="1200" dirty="0">
                 <a:latin typeface="HY견고딕" pitchFamily="18" charset="-127"/>
                 <a:ea typeface="HY견고딕" pitchFamily="18" charset="-127"/>
               </a:rPr>
-              <a:t>,</a:t>
-            </a:r>
-          </a:p>
-          <a:p>
-            <a:r>
-              <a:rPr lang="en-US" altLang="ko-KR" sz="1200" dirty="0" smtClean="0">
-                <a:latin typeface="HY견고딕" pitchFamily="18" charset="-127"/>
-                <a:ea typeface="HY견고딕" pitchFamily="18" charset="-127"/>
-              </a:rPr>
-              <a:t>	WEEK_WED</a:t>
-            </a:r>
+              <a:t>#define WEAPON_AXE 4</a:t>
+            </a:r>
+          </a:p>
+          <a:p>
             <a:r>
               <a:rPr lang="en-US" altLang="ko-KR" sz="1200" dirty="0">
                 <a:latin typeface="HY견고딕" pitchFamily="18" charset="-127"/>
                 <a:ea typeface="HY견고딕" pitchFamily="18" charset="-127"/>
               </a:rPr>
-              <a:t>,</a:t>
-            </a:r>
-          </a:p>
-          <a:p>
-            <a:r>
-              <a:rPr lang="en-US" altLang="ko-KR" sz="1200" dirty="0" smtClean="0">
-                <a:latin typeface="HY견고딕" pitchFamily="18" charset="-127"/>
-                <a:ea typeface="HY견고딕" pitchFamily="18" charset="-127"/>
-              </a:rPr>
-              <a:t>	WEEK_THU</a:t>
-            </a:r>
+              <a:t>#define WEAPON_CLAW 5</a:t>
+            </a:r>
+          </a:p>
+          <a:p>
             <a:r>
               <a:rPr lang="en-US" altLang="ko-KR" sz="1200" dirty="0">
                 <a:latin typeface="HY견고딕" pitchFamily="18" charset="-127"/>
                 <a:ea typeface="HY견고딕" pitchFamily="18" charset="-127"/>
               </a:rPr>
-              <a:t>,</a:t>
-            </a:r>
-          </a:p>
-          <a:p>
-            <a:r>
-              <a:rPr lang="en-US" altLang="ko-KR" sz="1200" dirty="0" smtClean="0">
-                <a:latin typeface="HY견고딕" pitchFamily="18" charset="-127"/>
-                <a:ea typeface="HY견고딕" pitchFamily="18" charset="-127"/>
-              </a:rPr>
-              <a:t>	WEEK_FRI</a:t>
-            </a:r>
-            <a:r>
-              <a:rPr lang="en-US" altLang="ko-KR" sz="1200" dirty="0">
-                <a:latin typeface="HY견고딕" pitchFamily="18" charset="-127"/>
-                <a:ea typeface="HY견고딕" pitchFamily="18" charset="-127"/>
-              </a:rPr>
-              <a:t>,</a:t>
-            </a:r>
-          </a:p>
-          <a:p>
-            <a:r>
-              <a:rPr lang="en-US" altLang="ko-KR" sz="1200" dirty="0" smtClean="0">
-                <a:latin typeface="HY견고딕" pitchFamily="18" charset="-127"/>
-                <a:ea typeface="HY견고딕" pitchFamily="18" charset="-127"/>
-              </a:rPr>
-              <a:t>	WEEK_SAT</a:t>
-            </a:r>
-          </a:p>
-          <a:p>
-            <a:r>
-              <a:rPr lang="en-US" altLang="ko-KR" sz="1200" dirty="0" smtClean="0">
-                <a:latin typeface="HY견고딕" pitchFamily="18" charset="-127"/>
-                <a:ea typeface="HY견고딕" pitchFamily="18" charset="-127"/>
-              </a:rPr>
-              <a:t>};</a:t>
-            </a:r>
-            <a:endParaRPr lang="en-US" altLang="ko-KR" sz="1200" dirty="0">
-              <a:latin typeface="HY견고딕" pitchFamily="18" charset="-127"/>
-              <a:ea typeface="HY견고딕" pitchFamily="18" charset="-127"/>
-            </a:endParaRPr>
+              <a:t>#define WEAPON_DAGGER 6</a:t>
+            </a:r>
           </a:p>
           <a:p>
             <a:endParaRPr lang="ko-KR" altLang="en-US" sz="1200" dirty="0">
@@ -31227,144 +29877,152 @@
               <a:ea typeface="HY견고딕" pitchFamily="18" charset="-127"/>
             </a:endParaRPr>
           </a:p>
-        </p:txBody>
-      </p:sp>
-      <p:sp>
-        <p:nvSpPr>
-          <p:cNvPr id="6" name="직사각형 5"/>
-          <p:cNvSpPr/>
-          <p:nvPr/>
-        </p:nvSpPr>
-        <p:spPr>
-          <a:xfrm>
-            <a:off x="1967561" y="4458928"/>
-            <a:ext cx="1152128" cy="792088"/>
-          </a:xfrm>
-          <a:prstGeom prst="rect">
-            <a:avLst/>
-          </a:prstGeom>
-          <a:noFill/>
-        </p:spPr>
-        <p:style>
-          <a:lnRef idx="2">
-            <a:schemeClr val="accent1">
-              <a:shade val="50000"/>
-            </a:schemeClr>
-          </a:lnRef>
-          <a:fillRef idx="1">
-            <a:schemeClr val="accent1"/>
-          </a:fillRef>
-          <a:effectRef idx="0">
-            <a:schemeClr val="accent1"/>
-          </a:effectRef>
-          <a:fontRef idx="minor">
-            <a:schemeClr val="lt1"/>
-          </a:fontRef>
-        </p:style>
-        <p:txBody>
-          <a:bodyPr rtlCol="0" anchor="ctr"/>
-          <a:lstStyle/>
-          <a:p>
-            <a:pPr algn="ctr"/>
-            <a:endParaRPr lang="ko-KR" altLang="en-US" sz="2800" dirty="0">
-              <a:solidFill>
-                <a:schemeClr val="tx1"/>
-              </a:solidFill>
-              <a:latin typeface="HY강B" pitchFamily="18" charset="-127"/>
-              <a:ea typeface="HY강B" pitchFamily="18" charset="-127"/>
-            </a:endParaRPr>
-          </a:p>
-        </p:txBody>
-      </p:sp>
-      <p:sp>
-        <p:nvSpPr>
-          <p:cNvPr id="18" name="직사각형 17"/>
-          <p:cNvSpPr/>
-          <p:nvPr/>
-        </p:nvSpPr>
-        <p:spPr>
-          <a:xfrm>
-            <a:off x="2119961" y="5135003"/>
-            <a:ext cx="855712" cy="396044"/>
-          </a:xfrm>
-          <a:prstGeom prst="rect">
-            <a:avLst/>
-          </a:prstGeom>
-          <a:solidFill>
-            <a:schemeClr val="bg1"/>
-          </a:solidFill>
-        </p:spPr>
-        <p:style>
-          <a:lnRef idx="2">
-            <a:schemeClr val="accent1">
-              <a:shade val="50000"/>
-            </a:schemeClr>
-          </a:lnRef>
-          <a:fillRef idx="1">
-            <a:schemeClr val="accent1"/>
-          </a:fillRef>
-          <a:effectRef idx="0">
-            <a:schemeClr val="accent1"/>
-          </a:effectRef>
-          <a:fontRef idx="minor">
-            <a:schemeClr val="lt1"/>
-          </a:fontRef>
-        </p:style>
-        <p:txBody>
-          <a:bodyPr rtlCol="0" anchor="ctr"/>
-          <a:lstStyle/>
-          <a:p>
-            <a:pPr algn="ctr"/>
-            <a:r>
-              <a:rPr lang="en-US" altLang="ko-KR" sz="1400" dirty="0" smtClean="0">
-                <a:solidFill>
-                  <a:schemeClr val="tx1"/>
-                </a:solidFill>
-                <a:latin typeface="HY견고딕" pitchFamily="18" charset="-127"/>
-                <a:ea typeface="HY견고딕" pitchFamily="18" charset="-127"/>
-              </a:rPr>
-              <a:t>today</a:t>
-            </a:r>
-            <a:endParaRPr lang="ko-KR" altLang="en-US" sz="1400" dirty="0">
-              <a:solidFill>
-                <a:schemeClr val="tx1"/>
-              </a:solidFill>
-              <a:latin typeface="HY견고딕" pitchFamily="18" charset="-127"/>
-              <a:ea typeface="HY견고딕" pitchFamily="18" charset="-127"/>
-            </a:endParaRPr>
-          </a:p>
-        </p:txBody>
-      </p:sp>
-      <p:sp>
-        <p:nvSpPr>
-          <p:cNvPr id="7" name="TextBox 6"/>
-          <p:cNvSpPr txBox="1"/>
-          <p:nvPr/>
-        </p:nvSpPr>
-        <p:spPr>
-          <a:xfrm>
-            <a:off x="2164538" y="4112702"/>
-            <a:ext cx="766557" cy="307777"/>
-          </a:xfrm>
-          <a:prstGeom prst="rect">
-            <a:avLst/>
-          </a:prstGeom>
-          <a:noFill/>
-        </p:spPr>
-        <p:txBody>
-          <a:bodyPr wrap="none" rtlCol="0">
-            <a:spAutoFit/>
-          </a:bodyPr>
-          <a:lstStyle/>
-          <a:p>
-            <a:r>
-              <a:rPr lang="en-US" altLang="ko-KR" sz="1400" dirty="0" smtClean="0">
-                <a:latin typeface="HY견고딕" pitchFamily="18" charset="-127"/>
-                <a:ea typeface="HY견고딕" pitchFamily="18" charset="-127"/>
-              </a:rPr>
-              <a:t>WEEK</a:t>
-            </a:r>
-            <a:endParaRPr lang="ko-KR" altLang="en-US" sz="1400" dirty="0">
+          <a:p>
+            <a:r>
+              <a:rPr lang="en-US" altLang="ko-KR" sz="1200" dirty="0" err="1">
+                <a:latin typeface="HY견고딕" pitchFamily="18" charset="-127"/>
+                <a:ea typeface="HY견고딕" pitchFamily="18" charset="-127"/>
+              </a:rPr>
+              <a:t>enum</a:t>
+            </a:r>
+            <a:r>
+              <a:rPr lang="en-US" altLang="ko-KR" sz="1200" dirty="0">
+                <a:latin typeface="HY견고딕" pitchFamily="18" charset="-127"/>
+                <a:ea typeface="HY견고딕" pitchFamily="18" charset="-127"/>
+              </a:rPr>
+              <a:t> WEAPON_TYPE</a:t>
+            </a:r>
+          </a:p>
+          <a:p>
+            <a:r>
+              <a:rPr lang="en-US" altLang="ko-KR" sz="1200" dirty="0">
+                <a:latin typeface="HY견고딕" pitchFamily="18" charset="-127"/>
+                <a:ea typeface="HY견고딕" pitchFamily="18" charset="-127"/>
+              </a:rPr>
+              <a:t>{</a:t>
+            </a:r>
+          </a:p>
+          <a:p>
+            <a:r>
+              <a:rPr lang="en-US" altLang="ko-KR" sz="1200" dirty="0" smtClean="0">
+                <a:latin typeface="HY견고딕" pitchFamily="18" charset="-127"/>
+                <a:ea typeface="HY견고딕" pitchFamily="18" charset="-127"/>
+              </a:rPr>
+              <a:t>	SWORD</a:t>
+            </a:r>
+            <a:r>
+              <a:rPr lang="en-US" altLang="ko-KR" sz="1200" dirty="0">
+                <a:latin typeface="HY견고딕" pitchFamily="18" charset="-127"/>
+                <a:ea typeface="HY견고딕" pitchFamily="18" charset="-127"/>
+              </a:rPr>
+              <a:t>,</a:t>
+            </a:r>
+          </a:p>
+          <a:p>
+            <a:r>
+              <a:rPr lang="en-US" altLang="ko-KR" sz="1200" dirty="0" smtClean="0">
+                <a:latin typeface="HY견고딕" pitchFamily="18" charset="-127"/>
+                <a:ea typeface="HY견고딕" pitchFamily="18" charset="-127"/>
+              </a:rPr>
+              <a:t>	WAND</a:t>
+            </a:r>
+            <a:r>
+              <a:rPr lang="en-US" altLang="ko-KR" sz="1200" dirty="0">
+                <a:latin typeface="HY견고딕" pitchFamily="18" charset="-127"/>
+                <a:ea typeface="HY견고딕" pitchFamily="18" charset="-127"/>
+              </a:rPr>
+              <a:t>,</a:t>
+            </a:r>
+          </a:p>
+          <a:p>
+            <a:r>
+              <a:rPr lang="en-US" altLang="ko-KR" sz="1200" dirty="0" smtClean="0">
+                <a:latin typeface="HY견고딕" pitchFamily="18" charset="-127"/>
+                <a:ea typeface="HY견고딕" pitchFamily="18" charset="-127"/>
+              </a:rPr>
+              <a:t>	BOW</a:t>
+            </a:r>
+            <a:r>
+              <a:rPr lang="en-US" altLang="ko-KR" sz="1200" dirty="0">
+                <a:latin typeface="HY견고딕" pitchFamily="18" charset="-127"/>
+                <a:ea typeface="HY견고딕" pitchFamily="18" charset="-127"/>
+              </a:rPr>
+              <a:t>,</a:t>
+            </a:r>
+          </a:p>
+          <a:p>
+            <a:r>
+              <a:rPr lang="en-US" altLang="ko-KR" sz="1200" dirty="0" smtClean="0">
+                <a:latin typeface="HY견고딕" pitchFamily="18" charset="-127"/>
+                <a:ea typeface="HY견고딕" pitchFamily="18" charset="-127"/>
+              </a:rPr>
+              <a:t>	HAMMER</a:t>
+            </a:r>
+            <a:r>
+              <a:rPr lang="en-US" altLang="ko-KR" sz="1200" dirty="0">
+                <a:latin typeface="HY견고딕" pitchFamily="18" charset="-127"/>
+                <a:ea typeface="HY견고딕" pitchFamily="18" charset="-127"/>
+              </a:rPr>
+              <a:t>,</a:t>
+            </a:r>
+          </a:p>
+          <a:p>
+            <a:r>
+              <a:rPr lang="en-US" altLang="ko-KR" sz="1200" dirty="0" smtClean="0">
+                <a:latin typeface="HY견고딕" pitchFamily="18" charset="-127"/>
+                <a:ea typeface="HY견고딕" pitchFamily="18" charset="-127"/>
+              </a:rPr>
+              <a:t>	AXE</a:t>
+            </a:r>
+            <a:r>
+              <a:rPr lang="en-US" altLang="ko-KR" sz="1200" dirty="0">
+                <a:latin typeface="HY견고딕" pitchFamily="18" charset="-127"/>
+                <a:ea typeface="HY견고딕" pitchFamily="18" charset="-127"/>
+              </a:rPr>
+              <a:t>,</a:t>
+            </a:r>
+          </a:p>
+          <a:p>
+            <a:r>
+              <a:rPr lang="en-US" altLang="ko-KR" sz="1200" dirty="0" smtClean="0">
+                <a:latin typeface="HY견고딕" pitchFamily="18" charset="-127"/>
+                <a:ea typeface="HY견고딕" pitchFamily="18" charset="-127"/>
+              </a:rPr>
+              <a:t>	CLAW</a:t>
+            </a:r>
+            <a:r>
+              <a:rPr lang="en-US" altLang="ko-KR" sz="1200" dirty="0">
+                <a:latin typeface="HY견고딕" pitchFamily="18" charset="-127"/>
+                <a:ea typeface="HY견고딕" pitchFamily="18" charset="-127"/>
+              </a:rPr>
+              <a:t>,</a:t>
+            </a:r>
+          </a:p>
+          <a:p>
+            <a:r>
+              <a:rPr lang="en-US" altLang="ko-KR" sz="1200" dirty="0" smtClean="0">
+                <a:latin typeface="HY견고딕" pitchFamily="18" charset="-127"/>
+                <a:ea typeface="HY견고딕" pitchFamily="18" charset="-127"/>
+              </a:rPr>
+              <a:t>	DAGGER</a:t>
+            </a:r>
+            <a:r>
+              <a:rPr lang="en-US" altLang="ko-KR" sz="1200" dirty="0">
+                <a:latin typeface="HY견고딕" pitchFamily="18" charset="-127"/>
+                <a:ea typeface="HY견고딕" pitchFamily="18" charset="-127"/>
+              </a:rPr>
+              <a:t>,</a:t>
+            </a:r>
+          </a:p>
+          <a:p>
+            <a:r>
+              <a:rPr lang="en-US" altLang="ko-KR" sz="1200" dirty="0">
+                <a:latin typeface="HY견고딕" pitchFamily="18" charset="-127"/>
+                <a:ea typeface="HY견고딕" pitchFamily="18" charset="-127"/>
+              </a:rPr>
+              <a:t>};</a:t>
+            </a:r>
+            <a:endParaRPr lang="ko-KR" altLang="en-US" sz="1200" dirty="0">
               <a:latin typeface="HY견고딕" pitchFamily="18" charset="-127"/>
               <a:ea typeface="HY견고딕" pitchFamily="18" charset="-127"/>
             </a:endParaRPr>
@@ -31379,8 +30037,8 @@
         </p:nvSpPr>
         <p:spPr>
           <a:xfrm>
-            <a:off x="3563888" y="882386"/>
-            <a:ext cx="5416336" cy="5262979"/>
+            <a:off x="3551064" y="764704"/>
+            <a:ext cx="5416336" cy="5847755"/>
           </a:xfrm>
           <a:prstGeom prst="rect">
             <a:avLst/>
@@ -31393,721 +30051,960 @@
           </a:bodyPr>
           <a:lstStyle/>
           <a:p>
-            <a:r>
-              <a:rPr lang="en-US" altLang="ko-KR" sz="1200" dirty="0" smtClean="0">
-                <a:latin typeface="HY견고딕" pitchFamily="18" charset="-127"/>
-                <a:ea typeface="HY견고딕" pitchFamily="18" charset="-127"/>
-              </a:rPr>
-              <a:t>void </a:t>
-            </a:r>
-            <a:r>
-              <a:rPr lang="en-US" altLang="ko-KR" sz="1200" dirty="0">
-                <a:latin typeface="HY견고딕" pitchFamily="18" charset="-127"/>
-                <a:ea typeface="HY견고딕" pitchFamily="18" charset="-127"/>
-              </a:rPr>
-              <a:t>main()</a:t>
-            </a:r>
-          </a:p>
-          <a:p>
-            <a:r>
-              <a:rPr lang="en-US" altLang="ko-KR" sz="1200" dirty="0">
-                <a:latin typeface="HY견고딕" pitchFamily="18" charset="-127"/>
-                <a:ea typeface="HY견고딕" pitchFamily="18" charset="-127"/>
-              </a:rPr>
-              <a:t>{</a:t>
-            </a:r>
-          </a:p>
-          <a:p>
-            <a:r>
-              <a:rPr lang="en-US" altLang="ko-KR" sz="1200" dirty="0" smtClean="0">
-                <a:latin typeface="HY견고딕" pitchFamily="18" charset="-127"/>
-                <a:ea typeface="HY견고딕" pitchFamily="18" charset="-127"/>
-              </a:rPr>
-              <a:t>	WEEK </a:t>
-            </a:r>
-            <a:r>
-              <a:rPr lang="en-US" altLang="ko-KR" sz="1200" dirty="0">
-                <a:latin typeface="HY견고딕" pitchFamily="18" charset="-127"/>
-                <a:ea typeface="HY견고딕" pitchFamily="18" charset="-127"/>
-              </a:rPr>
-              <a:t>today = WEEK_MON;</a:t>
-            </a:r>
-          </a:p>
-          <a:p>
-            <a:r>
-              <a:rPr lang="en-US" altLang="ko-KR" sz="1200" dirty="0" smtClean="0">
-                <a:latin typeface="HY견고딕" pitchFamily="18" charset="-127"/>
-                <a:ea typeface="HY견고딕" pitchFamily="18" charset="-127"/>
-              </a:rPr>
-              <a:t>	switch </a:t>
-            </a:r>
-            <a:r>
-              <a:rPr lang="en-US" altLang="ko-KR" sz="1200" dirty="0">
-                <a:latin typeface="HY견고딕" pitchFamily="18" charset="-127"/>
-                <a:ea typeface="HY견고딕" pitchFamily="18" charset="-127"/>
-              </a:rPr>
-              <a:t>(today)</a:t>
-            </a:r>
-          </a:p>
-          <a:p>
-            <a:r>
-              <a:rPr lang="en-US" altLang="ko-KR" sz="1200" dirty="0" smtClean="0">
-                <a:latin typeface="HY견고딕" pitchFamily="18" charset="-127"/>
-                <a:ea typeface="HY견고딕" pitchFamily="18" charset="-127"/>
-              </a:rPr>
-              <a:t>	{</a:t>
-            </a:r>
-            <a:endParaRPr lang="en-US" altLang="ko-KR" sz="1200" dirty="0">
+            <a:endParaRPr lang="ko-KR" altLang="en-US" sz="1100" dirty="0">
               <a:latin typeface="HY견고딕" pitchFamily="18" charset="-127"/>
               <a:ea typeface="HY견고딕" pitchFamily="18" charset="-127"/>
             </a:endParaRPr>
           </a:p>
           <a:p>
             <a:r>
-              <a:rPr lang="en-US" altLang="ko-KR" sz="1200" dirty="0" smtClean="0">
-                <a:latin typeface="HY견고딕" pitchFamily="18" charset="-127"/>
-                <a:ea typeface="HY견고딕" pitchFamily="18" charset="-127"/>
-              </a:rPr>
-              <a:t>		case </a:t>
-            </a:r>
-            <a:r>
-              <a:rPr lang="en-US" altLang="ko-KR" sz="1200" dirty="0">
-                <a:latin typeface="HY견고딕" pitchFamily="18" charset="-127"/>
-                <a:ea typeface="HY견고딕" pitchFamily="18" charset="-127"/>
-              </a:rPr>
-              <a:t>WEEK_SUN:</a:t>
-            </a:r>
-          </a:p>
-          <a:p>
-            <a:r>
-              <a:rPr lang="en-US" altLang="ko-KR" sz="1200" dirty="0" smtClean="0">
-                <a:latin typeface="HY견고딕" pitchFamily="18" charset="-127"/>
-                <a:ea typeface="HY견고딕" pitchFamily="18" charset="-127"/>
-              </a:rPr>
-              <a:t>			</a:t>
-            </a:r>
-            <a:r>
-              <a:rPr lang="en-US" altLang="ko-KR" sz="1200" dirty="0" err="1" smtClean="0">
-                <a:latin typeface="HY견고딕" pitchFamily="18" charset="-127"/>
-                <a:ea typeface="HY견고딕" pitchFamily="18" charset="-127"/>
-              </a:rPr>
-              <a:t>cout</a:t>
-            </a:r>
-            <a:r>
-              <a:rPr lang="en-US" altLang="ko-KR" sz="1200" dirty="0" smtClean="0">
-                <a:latin typeface="HY견고딕" pitchFamily="18" charset="-127"/>
-                <a:ea typeface="HY견고딕" pitchFamily="18" charset="-127"/>
-              </a:rPr>
-              <a:t> </a:t>
-            </a:r>
-            <a:r>
-              <a:rPr lang="en-US" altLang="ko-KR" sz="1200" dirty="0">
-                <a:latin typeface="HY견고딕" pitchFamily="18" charset="-127"/>
-                <a:ea typeface="HY견고딕" pitchFamily="18" charset="-127"/>
-              </a:rPr>
-              <a:t>&lt;&lt;</a:t>
-            </a:r>
-            <a:r>
-              <a:rPr lang="ko-KR" altLang="en-US" sz="1200" dirty="0">
-                <a:latin typeface="HY견고딕" pitchFamily="18" charset="-127"/>
-                <a:ea typeface="HY견고딕" pitchFamily="18" charset="-127"/>
-              </a:rPr>
-              <a:t> </a:t>
-            </a:r>
-            <a:r>
-              <a:rPr lang="en-US" altLang="ko-KR" sz="1200" dirty="0">
-                <a:latin typeface="HY견고딕" pitchFamily="18" charset="-127"/>
-                <a:ea typeface="HY견고딕" pitchFamily="18" charset="-127"/>
-              </a:rPr>
-              <a:t>"</a:t>
-            </a:r>
-            <a:r>
-              <a:rPr lang="ko-KR" altLang="en-US" sz="1200" dirty="0">
-                <a:latin typeface="HY견고딕" pitchFamily="18" charset="-127"/>
-                <a:ea typeface="HY견고딕" pitchFamily="18" charset="-127"/>
-              </a:rPr>
-              <a:t>일요일 입니다</a:t>
-            </a:r>
-            <a:r>
-              <a:rPr lang="en-US" altLang="ko-KR" sz="1200" dirty="0">
-                <a:latin typeface="HY견고딕" pitchFamily="18" charset="-127"/>
-                <a:ea typeface="HY견고딕" pitchFamily="18" charset="-127"/>
-              </a:rPr>
-              <a:t>.";</a:t>
-            </a:r>
-          </a:p>
-          <a:p>
-            <a:r>
-              <a:rPr lang="en-US" altLang="ko-KR" sz="1200" dirty="0" smtClean="0">
-                <a:latin typeface="HY견고딕" pitchFamily="18" charset="-127"/>
-                <a:ea typeface="HY견고딕" pitchFamily="18" charset="-127"/>
-              </a:rPr>
-              <a:t>			break</a:t>
-            </a:r>
-            <a:r>
-              <a:rPr lang="en-US" altLang="ko-KR" sz="1200" dirty="0">
-                <a:latin typeface="HY견고딕" pitchFamily="18" charset="-127"/>
-                <a:ea typeface="HY견고딕" pitchFamily="18" charset="-127"/>
-              </a:rPr>
-              <a:t>;</a:t>
-            </a:r>
-          </a:p>
-          <a:p>
-            <a:r>
-              <a:rPr lang="en-US" altLang="ko-KR" sz="1200" dirty="0" smtClean="0">
-                <a:latin typeface="HY견고딕" pitchFamily="18" charset="-127"/>
-                <a:ea typeface="HY견고딕" pitchFamily="18" charset="-127"/>
-              </a:rPr>
-              <a:t>		case </a:t>
-            </a:r>
-            <a:r>
-              <a:rPr lang="en-US" altLang="ko-KR" sz="1200" dirty="0">
-                <a:latin typeface="HY견고딕" pitchFamily="18" charset="-127"/>
-                <a:ea typeface="HY견고딕" pitchFamily="18" charset="-127"/>
-              </a:rPr>
-              <a:t>WEEK_MON:</a:t>
-            </a:r>
-          </a:p>
-          <a:p>
-            <a:r>
-              <a:rPr lang="en-US" altLang="ko-KR" sz="1200" dirty="0" smtClean="0">
-                <a:latin typeface="HY견고딕" pitchFamily="18" charset="-127"/>
-                <a:ea typeface="HY견고딕" pitchFamily="18" charset="-127"/>
-              </a:rPr>
-              <a:t>			</a:t>
-            </a:r>
-            <a:r>
-              <a:rPr lang="en-US" altLang="ko-KR" sz="1200" dirty="0" err="1" smtClean="0">
-                <a:latin typeface="HY견고딕" pitchFamily="18" charset="-127"/>
-                <a:ea typeface="HY견고딕" pitchFamily="18" charset="-127"/>
-              </a:rPr>
-              <a:t>cout</a:t>
-            </a:r>
-            <a:r>
-              <a:rPr lang="en-US" altLang="ko-KR" sz="1200" dirty="0" smtClean="0">
-                <a:latin typeface="HY견고딕" pitchFamily="18" charset="-127"/>
-                <a:ea typeface="HY견고딕" pitchFamily="18" charset="-127"/>
-              </a:rPr>
-              <a:t> </a:t>
-            </a:r>
-            <a:r>
-              <a:rPr lang="en-US" altLang="ko-KR" sz="1200" dirty="0">
-                <a:latin typeface="HY견고딕" pitchFamily="18" charset="-127"/>
-                <a:ea typeface="HY견고딕" pitchFamily="18" charset="-127"/>
-              </a:rPr>
-              <a:t>&lt;&lt;</a:t>
-            </a:r>
-            <a:r>
-              <a:rPr lang="ko-KR" altLang="en-US" sz="1200" dirty="0">
-                <a:latin typeface="HY견고딕" pitchFamily="18" charset="-127"/>
-                <a:ea typeface="HY견고딕" pitchFamily="18" charset="-127"/>
-              </a:rPr>
-              <a:t> </a:t>
-            </a:r>
-            <a:r>
-              <a:rPr lang="en-US" altLang="ko-KR" sz="1200" dirty="0">
-                <a:latin typeface="HY견고딕" pitchFamily="18" charset="-127"/>
-                <a:ea typeface="HY견고딕" pitchFamily="18" charset="-127"/>
-              </a:rPr>
-              <a:t>"</a:t>
-            </a:r>
-            <a:r>
-              <a:rPr lang="ko-KR" altLang="en-US" sz="1200" dirty="0">
-                <a:latin typeface="HY견고딕" pitchFamily="18" charset="-127"/>
-                <a:ea typeface="HY견고딕" pitchFamily="18" charset="-127"/>
-              </a:rPr>
-              <a:t>월요일 입니다</a:t>
-            </a:r>
-            <a:r>
-              <a:rPr lang="en-US" altLang="ko-KR" sz="1200" dirty="0">
-                <a:latin typeface="HY견고딕" pitchFamily="18" charset="-127"/>
-                <a:ea typeface="HY견고딕" pitchFamily="18" charset="-127"/>
-              </a:rPr>
-              <a:t>.";</a:t>
-            </a:r>
-          </a:p>
-          <a:p>
-            <a:r>
-              <a:rPr lang="en-US" altLang="ko-KR" sz="1200" dirty="0" smtClean="0">
-                <a:latin typeface="HY견고딕" pitchFamily="18" charset="-127"/>
-                <a:ea typeface="HY견고딕" pitchFamily="18" charset="-127"/>
-              </a:rPr>
-              <a:t>			break</a:t>
-            </a:r>
-            <a:r>
-              <a:rPr lang="en-US" altLang="ko-KR" sz="1200" dirty="0">
-                <a:latin typeface="HY견고딕" pitchFamily="18" charset="-127"/>
-                <a:ea typeface="HY견고딕" pitchFamily="18" charset="-127"/>
-              </a:rPr>
-              <a:t>;</a:t>
-            </a:r>
-          </a:p>
-          <a:p>
-            <a:r>
-              <a:rPr lang="en-US" altLang="ko-KR" sz="1200" dirty="0" smtClean="0">
-                <a:latin typeface="HY견고딕" pitchFamily="18" charset="-127"/>
-                <a:ea typeface="HY견고딕" pitchFamily="18" charset="-127"/>
-              </a:rPr>
-              <a:t>		case </a:t>
-            </a:r>
-            <a:r>
-              <a:rPr lang="en-US" altLang="ko-KR" sz="1200" dirty="0">
-                <a:latin typeface="HY견고딕" pitchFamily="18" charset="-127"/>
-                <a:ea typeface="HY견고딕" pitchFamily="18" charset="-127"/>
-              </a:rPr>
-              <a:t>WEEK_TUE:</a:t>
-            </a:r>
-          </a:p>
-          <a:p>
-            <a:r>
-              <a:rPr lang="en-US" altLang="ko-KR" sz="1200" dirty="0" smtClean="0">
-                <a:latin typeface="HY견고딕" pitchFamily="18" charset="-127"/>
-                <a:ea typeface="HY견고딕" pitchFamily="18" charset="-127"/>
-              </a:rPr>
-              <a:t>			</a:t>
-            </a:r>
-            <a:r>
-              <a:rPr lang="en-US" altLang="ko-KR" sz="1200" dirty="0" err="1" smtClean="0">
-                <a:latin typeface="HY견고딕" pitchFamily="18" charset="-127"/>
-                <a:ea typeface="HY견고딕" pitchFamily="18" charset="-127"/>
-              </a:rPr>
-              <a:t>cout</a:t>
-            </a:r>
-            <a:r>
-              <a:rPr lang="en-US" altLang="ko-KR" sz="1200" dirty="0" smtClean="0">
-                <a:latin typeface="HY견고딕" pitchFamily="18" charset="-127"/>
-                <a:ea typeface="HY견고딕" pitchFamily="18" charset="-127"/>
-              </a:rPr>
-              <a:t> </a:t>
-            </a:r>
-            <a:r>
-              <a:rPr lang="en-US" altLang="ko-KR" sz="1200" dirty="0">
-                <a:latin typeface="HY견고딕" pitchFamily="18" charset="-127"/>
-                <a:ea typeface="HY견고딕" pitchFamily="18" charset="-127"/>
-              </a:rPr>
-              <a:t>&lt;&lt;</a:t>
-            </a:r>
-            <a:r>
-              <a:rPr lang="ko-KR" altLang="en-US" sz="1200" dirty="0">
-                <a:latin typeface="HY견고딕" pitchFamily="18" charset="-127"/>
-                <a:ea typeface="HY견고딕" pitchFamily="18" charset="-127"/>
-              </a:rPr>
-              <a:t> </a:t>
-            </a:r>
-            <a:r>
-              <a:rPr lang="en-US" altLang="ko-KR" sz="1200" dirty="0">
-                <a:latin typeface="HY견고딕" pitchFamily="18" charset="-127"/>
-                <a:ea typeface="HY견고딕" pitchFamily="18" charset="-127"/>
-              </a:rPr>
-              <a:t>"</a:t>
-            </a:r>
-            <a:r>
-              <a:rPr lang="ko-KR" altLang="en-US" sz="1200" dirty="0">
-                <a:latin typeface="HY견고딕" pitchFamily="18" charset="-127"/>
-                <a:ea typeface="HY견고딕" pitchFamily="18" charset="-127"/>
-              </a:rPr>
-              <a:t>화요일 입니다</a:t>
-            </a:r>
-            <a:r>
-              <a:rPr lang="en-US" altLang="ko-KR" sz="1200" dirty="0">
-                <a:latin typeface="HY견고딕" pitchFamily="18" charset="-127"/>
-                <a:ea typeface="HY견고딕" pitchFamily="18" charset="-127"/>
-              </a:rPr>
-              <a:t>.";</a:t>
-            </a:r>
-          </a:p>
-          <a:p>
-            <a:r>
-              <a:rPr lang="en-US" altLang="ko-KR" sz="1200" dirty="0" smtClean="0">
-                <a:latin typeface="HY견고딕" pitchFamily="18" charset="-127"/>
-                <a:ea typeface="HY견고딕" pitchFamily="18" charset="-127"/>
-              </a:rPr>
-              <a:t>			break</a:t>
-            </a:r>
-            <a:r>
-              <a:rPr lang="en-US" altLang="ko-KR" sz="1200" dirty="0">
-                <a:latin typeface="HY견고딕" pitchFamily="18" charset="-127"/>
-                <a:ea typeface="HY견고딕" pitchFamily="18" charset="-127"/>
-              </a:rPr>
-              <a:t>;</a:t>
-            </a:r>
-          </a:p>
-          <a:p>
-            <a:r>
-              <a:rPr lang="en-US" altLang="ko-KR" sz="1200" dirty="0" smtClean="0">
-                <a:latin typeface="HY견고딕" pitchFamily="18" charset="-127"/>
-                <a:ea typeface="HY견고딕" pitchFamily="18" charset="-127"/>
-              </a:rPr>
-              <a:t>		case </a:t>
-            </a:r>
-            <a:r>
-              <a:rPr lang="en-US" altLang="ko-KR" sz="1200" dirty="0">
-                <a:latin typeface="HY견고딕" pitchFamily="18" charset="-127"/>
-                <a:ea typeface="HY견고딕" pitchFamily="18" charset="-127"/>
-              </a:rPr>
-              <a:t>WEEK_WED:</a:t>
-            </a:r>
-          </a:p>
-          <a:p>
-            <a:r>
-              <a:rPr lang="en-US" altLang="ko-KR" sz="1200" dirty="0" smtClean="0">
-                <a:latin typeface="HY견고딕" pitchFamily="18" charset="-127"/>
-                <a:ea typeface="HY견고딕" pitchFamily="18" charset="-127"/>
-              </a:rPr>
-              <a:t>			</a:t>
-            </a:r>
-            <a:r>
-              <a:rPr lang="en-US" altLang="ko-KR" sz="1200" dirty="0" err="1" smtClean="0">
-                <a:latin typeface="HY견고딕" pitchFamily="18" charset="-127"/>
-                <a:ea typeface="HY견고딕" pitchFamily="18" charset="-127"/>
-              </a:rPr>
-              <a:t>cout</a:t>
-            </a:r>
-            <a:r>
-              <a:rPr lang="en-US" altLang="ko-KR" sz="1200" dirty="0" smtClean="0">
-                <a:latin typeface="HY견고딕" pitchFamily="18" charset="-127"/>
-                <a:ea typeface="HY견고딕" pitchFamily="18" charset="-127"/>
-              </a:rPr>
-              <a:t> </a:t>
-            </a:r>
-            <a:r>
-              <a:rPr lang="en-US" altLang="ko-KR" sz="1200" dirty="0">
-                <a:latin typeface="HY견고딕" pitchFamily="18" charset="-127"/>
-                <a:ea typeface="HY견고딕" pitchFamily="18" charset="-127"/>
-              </a:rPr>
-              <a:t>&lt;&lt;</a:t>
-            </a:r>
-            <a:r>
-              <a:rPr lang="ko-KR" altLang="en-US" sz="1200" dirty="0">
-                <a:latin typeface="HY견고딕" pitchFamily="18" charset="-127"/>
-                <a:ea typeface="HY견고딕" pitchFamily="18" charset="-127"/>
-              </a:rPr>
-              <a:t> </a:t>
-            </a:r>
-            <a:r>
-              <a:rPr lang="en-US" altLang="ko-KR" sz="1200" dirty="0">
-                <a:latin typeface="HY견고딕" pitchFamily="18" charset="-127"/>
-                <a:ea typeface="HY견고딕" pitchFamily="18" charset="-127"/>
-              </a:rPr>
-              <a:t>"</a:t>
-            </a:r>
-            <a:r>
-              <a:rPr lang="ko-KR" altLang="en-US" sz="1200" dirty="0">
-                <a:latin typeface="HY견고딕" pitchFamily="18" charset="-127"/>
-                <a:ea typeface="HY견고딕" pitchFamily="18" charset="-127"/>
-              </a:rPr>
-              <a:t>수요일 입니다</a:t>
-            </a:r>
-            <a:r>
-              <a:rPr lang="en-US" altLang="ko-KR" sz="1200" dirty="0">
-                <a:latin typeface="HY견고딕" pitchFamily="18" charset="-127"/>
-                <a:ea typeface="HY견고딕" pitchFamily="18" charset="-127"/>
-              </a:rPr>
-              <a:t>.";</a:t>
-            </a:r>
-          </a:p>
-          <a:p>
-            <a:r>
-              <a:rPr lang="en-US" altLang="ko-KR" sz="1200" dirty="0" smtClean="0">
-                <a:latin typeface="HY견고딕" pitchFamily="18" charset="-127"/>
-                <a:ea typeface="HY견고딕" pitchFamily="18" charset="-127"/>
-              </a:rPr>
-              <a:t>			break</a:t>
-            </a:r>
-            <a:r>
-              <a:rPr lang="en-US" altLang="ko-KR" sz="1200" dirty="0">
-                <a:latin typeface="HY견고딕" pitchFamily="18" charset="-127"/>
-                <a:ea typeface="HY견고딕" pitchFamily="18" charset="-127"/>
-              </a:rPr>
-              <a:t>;</a:t>
-            </a:r>
-          </a:p>
-          <a:p>
-            <a:r>
-              <a:rPr lang="en-US" altLang="ko-KR" sz="1200" dirty="0" smtClean="0">
-                <a:latin typeface="HY견고딕" pitchFamily="18" charset="-127"/>
-                <a:ea typeface="HY견고딕" pitchFamily="18" charset="-127"/>
-              </a:rPr>
-              <a:t>		case </a:t>
-            </a:r>
-            <a:r>
-              <a:rPr lang="en-US" altLang="ko-KR" sz="1200" dirty="0">
-                <a:latin typeface="HY견고딕" pitchFamily="18" charset="-127"/>
-                <a:ea typeface="HY견고딕" pitchFamily="18" charset="-127"/>
-              </a:rPr>
-              <a:t>WEEK_THU:</a:t>
-            </a:r>
-          </a:p>
-          <a:p>
-            <a:r>
-              <a:rPr lang="en-US" altLang="ko-KR" sz="1200" dirty="0" smtClean="0">
-                <a:latin typeface="HY견고딕" pitchFamily="18" charset="-127"/>
-                <a:ea typeface="HY견고딕" pitchFamily="18" charset="-127"/>
-              </a:rPr>
-              <a:t>			</a:t>
-            </a:r>
-            <a:r>
-              <a:rPr lang="en-US" altLang="ko-KR" sz="1200" dirty="0" err="1" smtClean="0">
-                <a:latin typeface="HY견고딕" pitchFamily="18" charset="-127"/>
-                <a:ea typeface="HY견고딕" pitchFamily="18" charset="-127"/>
-              </a:rPr>
-              <a:t>cout</a:t>
-            </a:r>
-            <a:r>
-              <a:rPr lang="en-US" altLang="ko-KR" sz="1200" dirty="0" smtClean="0">
-                <a:latin typeface="HY견고딕" pitchFamily="18" charset="-127"/>
-                <a:ea typeface="HY견고딕" pitchFamily="18" charset="-127"/>
-              </a:rPr>
-              <a:t> </a:t>
-            </a:r>
-            <a:r>
-              <a:rPr lang="en-US" altLang="ko-KR" sz="1200" dirty="0">
-                <a:latin typeface="HY견고딕" pitchFamily="18" charset="-127"/>
-                <a:ea typeface="HY견고딕" pitchFamily="18" charset="-127"/>
-              </a:rPr>
-              <a:t>&lt;&lt;</a:t>
-            </a:r>
-            <a:r>
-              <a:rPr lang="ko-KR" altLang="en-US" sz="1200" dirty="0">
-                <a:latin typeface="HY견고딕" pitchFamily="18" charset="-127"/>
-                <a:ea typeface="HY견고딕" pitchFamily="18" charset="-127"/>
-              </a:rPr>
-              <a:t> </a:t>
-            </a:r>
-            <a:r>
-              <a:rPr lang="en-US" altLang="ko-KR" sz="1200" dirty="0">
-                <a:latin typeface="HY견고딕" pitchFamily="18" charset="-127"/>
-                <a:ea typeface="HY견고딕" pitchFamily="18" charset="-127"/>
-              </a:rPr>
-              <a:t>"</a:t>
-            </a:r>
-            <a:r>
-              <a:rPr lang="ko-KR" altLang="en-US" sz="1200" dirty="0">
-                <a:latin typeface="HY견고딕" pitchFamily="18" charset="-127"/>
-                <a:ea typeface="HY견고딕" pitchFamily="18" charset="-127"/>
-              </a:rPr>
-              <a:t>목요일 입니다</a:t>
-            </a:r>
-            <a:r>
-              <a:rPr lang="en-US" altLang="ko-KR" sz="1200" dirty="0">
-                <a:latin typeface="HY견고딕" pitchFamily="18" charset="-127"/>
-                <a:ea typeface="HY견고딕" pitchFamily="18" charset="-127"/>
-              </a:rPr>
-              <a:t>.";</a:t>
-            </a:r>
-          </a:p>
-          <a:p>
-            <a:r>
-              <a:rPr lang="en-US" altLang="ko-KR" sz="1200" dirty="0" smtClean="0">
-                <a:latin typeface="HY견고딕" pitchFamily="18" charset="-127"/>
-                <a:ea typeface="HY견고딕" pitchFamily="18" charset="-127"/>
-              </a:rPr>
-              <a:t>			break</a:t>
-            </a:r>
-            <a:r>
-              <a:rPr lang="en-US" altLang="ko-KR" sz="1200" dirty="0">
-                <a:latin typeface="HY견고딕" pitchFamily="18" charset="-127"/>
-                <a:ea typeface="HY견고딕" pitchFamily="18" charset="-127"/>
-              </a:rPr>
-              <a:t>;</a:t>
-            </a:r>
-          </a:p>
-          <a:p>
-            <a:r>
-              <a:rPr lang="en-US" altLang="ko-KR" sz="1200" dirty="0" smtClean="0">
-                <a:latin typeface="HY견고딕" pitchFamily="18" charset="-127"/>
-                <a:ea typeface="HY견고딕" pitchFamily="18" charset="-127"/>
-              </a:rPr>
-              <a:t>		case </a:t>
-            </a:r>
-            <a:r>
-              <a:rPr lang="en-US" altLang="ko-KR" sz="1200" dirty="0">
-                <a:latin typeface="HY견고딕" pitchFamily="18" charset="-127"/>
-                <a:ea typeface="HY견고딕" pitchFamily="18" charset="-127"/>
-              </a:rPr>
-              <a:t>WEEK_FRI:</a:t>
-            </a:r>
-          </a:p>
-          <a:p>
-            <a:r>
-              <a:rPr lang="en-US" altLang="ko-KR" sz="1200" dirty="0" smtClean="0">
-                <a:latin typeface="HY견고딕" pitchFamily="18" charset="-127"/>
-                <a:ea typeface="HY견고딕" pitchFamily="18" charset="-127"/>
-              </a:rPr>
-              <a:t>			</a:t>
-            </a:r>
-            <a:r>
-              <a:rPr lang="en-US" altLang="ko-KR" sz="1200" dirty="0" err="1" smtClean="0">
-                <a:latin typeface="HY견고딕" pitchFamily="18" charset="-127"/>
-                <a:ea typeface="HY견고딕" pitchFamily="18" charset="-127"/>
-              </a:rPr>
-              <a:t>cout</a:t>
-            </a:r>
-            <a:r>
-              <a:rPr lang="en-US" altLang="ko-KR" sz="1200" dirty="0" smtClean="0">
-                <a:latin typeface="HY견고딕" pitchFamily="18" charset="-127"/>
-                <a:ea typeface="HY견고딕" pitchFamily="18" charset="-127"/>
-              </a:rPr>
-              <a:t> </a:t>
-            </a:r>
-            <a:r>
-              <a:rPr lang="en-US" altLang="ko-KR" sz="1200" dirty="0">
-                <a:latin typeface="HY견고딕" pitchFamily="18" charset="-127"/>
-                <a:ea typeface="HY견고딕" pitchFamily="18" charset="-127"/>
-              </a:rPr>
-              <a:t>&lt;&lt;</a:t>
-            </a:r>
-            <a:r>
-              <a:rPr lang="ko-KR" altLang="en-US" sz="1200" dirty="0">
-                <a:latin typeface="HY견고딕" pitchFamily="18" charset="-127"/>
-                <a:ea typeface="HY견고딕" pitchFamily="18" charset="-127"/>
-              </a:rPr>
-              <a:t> </a:t>
-            </a:r>
-            <a:r>
-              <a:rPr lang="en-US" altLang="ko-KR" sz="1200" dirty="0">
-                <a:latin typeface="HY견고딕" pitchFamily="18" charset="-127"/>
-                <a:ea typeface="HY견고딕" pitchFamily="18" charset="-127"/>
-              </a:rPr>
-              <a:t>"</a:t>
-            </a:r>
-            <a:r>
-              <a:rPr lang="ko-KR" altLang="en-US" sz="1200" dirty="0">
-                <a:latin typeface="HY견고딕" pitchFamily="18" charset="-127"/>
-                <a:ea typeface="HY견고딕" pitchFamily="18" charset="-127"/>
-              </a:rPr>
-              <a:t>금요일 입니다</a:t>
-            </a:r>
-            <a:r>
-              <a:rPr lang="en-US" altLang="ko-KR" sz="1200" dirty="0">
-                <a:latin typeface="HY견고딕" pitchFamily="18" charset="-127"/>
-                <a:ea typeface="HY견고딕" pitchFamily="18" charset="-127"/>
-              </a:rPr>
-              <a:t>.";</a:t>
-            </a:r>
-          </a:p>
-          <a:p>
-            <a:r>
-              <a:rPr lang="en-US" altLang="ko-KR" sz="1200" dirty="0" smtClean="0">
-                <a:latin typeface="HY견고딕" pitchFamily="18" charset="-127"/>
-                <a:ea typeface="HY견고딕" pitchFamily="18" charset="-127"/>
-              </a:rPr>
-              <a:t>			break</a:t>
-            </a:r>
-            <a:r>
-              <a:rPr lang="en-US" altLang="ko-KR" sz="1200" dirty="0">
-                <a:latin typeface="HY견고딕" pitchFamily="18" charset="-127"/>
-                <a:ea typeface="HY견고딕" pitchFamily="18" charset="-127"/>
-              </a:rPr>
-              <a:t>;</a:t>
-            </a:r>
-          </a:p>
-          <a:p>
-            <a:r>
-              <a:rPr lang="en-US" altLang="ko-KR" sz="1200" dirty="0" smtClean="0">
-                <a:latin typeface="HY견고딕" pitchFamily="18" charset="-127"/>
-                <a:ea typeface="HY견고딕" pitchFamily="18" charset="-127"/>
-              </a:rPr>
-              <a:t>		case </a:t>
-            </a:r>
-            <a:r>
-              <a:rPr lang="en-US" altLang="ko-KR" sz="1200" dirty="0">
-                <a:latin typeface="HY견고딕" pitchFamily="18" charset="-127"/>
-                <a:ea typeface="HY견고딕" pitchFamily="18" charset="-127"/>
-              </a:rPr>
-              <a:t>WEEK_SAT:</a:t>
-            </a:r>
-          </a:p>
-          <a:p>
-            <a:r>
-              <a:rPr lang="en-US" altLang="ko-KR" sz="1200" dirty="0" smtClean="0">
-                <a:latin typeface="HY견고딕" pitchFamily="18" charset="-127"/>
-                <a:ea typeface="HY견고딕" pitchFamily="18" charset="-127"/>
-              </a:rPr>
-              <a:t>			</a:t>
-            </a:r>
-            <a:r>
-              <a:rPr lang="en-US" altLang="ko-KR" sz="1200" dirty="0" err="1" smtClean="0">
-                <a:latin typeface="HY견고딕" pitchFamily="18" charset="-127"/>
-                <a:ea typeface="HY견고딕" pitchFamily="18" charset="-127"/>
-              </a:rPr>
-              <a:t>cout</a:t>
-            </a:r>
-            <a:r>
-              <a:rPr lang="en-US" altLang="ko-KR" sz="1200" dirty="0" smtClean="0">
-                <a:latin typeface="HY견고딕" pitchFamily="18" charset="-127"/>
-                <a:ea typeface="HY견고딕" pitchFamily="18" charset="-127"/>
-              </a:rPr>
-              <a:t> </a:t>
-            </a:r>
-            <a:r>
-              <a:rPr lang="en-US" altLang="ko-KR" sz="1200" dirty="0">
-                <a:latin typeface="HY견고딕" pitchFamily="18" charset="-127"/>
-                <a:ea typeface="HY견고딕" pitchFamily="18" charset="-127"/>
-              </a:rPr>
-              <a:t>&lt;&lt;</a:t>
-            </a:r>
-            <a:r>
-              <a:rPr lang="ko-KR" altLang="en-US" sz="1200" dirty="0">
-                <a:latin typeface="HY견고딕" pitchFamily="18" charset="-127"/>
-                <a:ea typeface="HY견고딕" pitchFamily="18" charset="-127"/>
-              </a:rPr>
-              <a:t> </a:t>
-            </a:r>
-            <a:r>
-              <a:rPr lang="en-US" altLang="ko-KR" sz="1200" dirty="0">
-                <a:latin typeface="HY견고딕" pitchFamily="18" charset="-127"/>
-                <a:ea typeface="HY견고딕" pitchFamily="18" charset="-127"/>
-              </a:rPr>
-              <a:t>"</a:t>
-            </a:r>
-            <a:r>
-              <a:rPr lang="ko-KR" altLang="en-US" sz="1200" dirty="0">
-                <a:latin typeface="HY견고딕" pitchFamily="18" charset="-127"/>
-                <a:ea typeface="HY견고딕" pitchFamily="18" charset="-127"/>
-              </a:rPr>
-              <a:t>토요일 입니다</a:t>
-            </a:r>
-            <a:r>
-              <a:rPr lang="en-US" altLang="ko-KR" sz="1200" dirty="0">
-                <a:latin typeface="HY견고딕" pitchFamily="18" charset="-127"/>
-                <a:ea typeface="HY견고딕" pitchFamily="18" charset="-127"/>
-              </a:rPr>
-              <a:t>.";</a:t>
-            </a:r>
-          </a:p>
-          <a:p>
-            <a:r>
-              <a:rPr lang="en-US" altLang="ko-KR" sz="1200" dirty="0" smtClean="0">
-                <a:latin typeface="HY견고딕" pitchFamily="18" charset="-127"/>
-                <a:ea typeface="HY견고딕" pitchFamily="18" charset="-127"/>
-              </a:rPr>
-              <a:t>			break</a:t>
-            </a:r>
-            <a:r>
-              <a:rPr lang="en-US" altLang="ko-KR" sz="1200" dirty="0">
-                <a:latin typeface="HY견고딕" pitchFamily="18" charset="-127"/>
-                <a:ea typeface="HY견고딕" pitchFamily="18" charset="-127"/>
-              </a:rPr>
-              <a:t>;</a:t>
-            </a:r>
-          </a:p>
-          <a:p>
-            <a:r>
-              <a:rPr lang="en-US" altLang="ko-KR" sz="1200" dirty="0" smtClean="0">
-                <a:latin typeface="HY견고딕" pitchFamily="18" charset="-127"/>
-                <a:ea typeface="HY견고딕" pitchFamily="18" charset="-127"/>
-              </a:rPr>
-              <a:t>	}</a:t>
-            </a:r>
-            <a:endParaRPr lang="en-US" altLang="ko-KR" sz="1200" dirty="0">
+              <a:rPr lang="en-US" altLang="ko-KR" sz="1100" dirty="0">
+                <a:latin typeface="HY견고딕" pitchFamily="18" charset="-127"/>
+                <a:ea typeface="HY견고딕" pitchFamily="18" charset="-127"/>
+              </a:rPr>
+              <a:t>void main()</a:t>
+            </a:r>
+          </a:p>
+          <a:p>
+            <a:r>
+              <a:rPr lang="en-US" altLang="ko-KR" sz="1100" dirty="0">
+                <a:latin typeface="HY견고딕" pitchFamily="18" charset="-127"/>
+                <a:ea typeface="HY견고딕" pitchFamily="18" charset="-127"/>
+              </a:rPr>
+              <a:t>{</a:t>
+            </a:r>
+          </a:p>
+          <a:p>
+            <a:endParaRPr lang="ko-KR" altLang="en-US" sz="1100" dirty="0">
               <a:latin typeface="HY견고딕" pitchFamily="18" charset="-127"/>
               <a:ea typeface="HY견고딕" pitchFamily="18" charset="-127"/>
             </a:endParaRPr>
           </a:p>
           <a:p>
             <a:r>
-              <a:rPr lang="en-US" altLang="ko-KR" sz="1200" dirty="0">
+              <a:rPr lang="en-US" altLang="ko-KR" sz="1100" dirty="0" smtClean="0">
+                <a:latin typeface="HY견고딕" pitchFamily="18" charset="-127"/>
+                <a:ea typeface="HY견고딕" pitchFamily="18" charset="-127"/>
+              </a:rPr>
+              <a:t>	</a:t>
+            </a:r>
+            <a:r>
+              <a:rPr lang="en-US" altLang="ko-KR" sz="1100" dirty="0" err="1" smtClean="0">
+                <a:latin typeface="HY견고딕" pitchFamily="18" charset="-127"/>
+                <a:ea typeface="HY견고딕" pitchFamily="18" charset="-127"/>
+              </a:rPr>
+              <a:t>int</a:t>
+            </a:r>
+            <a:r>
+              <a:rPr lang="en-US" altLang="ko-KR" sz="1100" dirty="0" smtClean="0">
+                <a:latin typeface="HY견고딕" pitchFamily="18" charset="-127"/>
+                <a:ea typeface="HY견고딕" pitchFamily="18" charset="-127"/>
+              </a:rPr>
+              <a:t> </a:t>
+            </a:r>
+            <a:r>
+              <a:rPr lang="en-US" altLang="ko-KR" sz="1100" dirty="0" err="1">
+                <a:latin typeface="HY견고딕" pitchFamily="18" charset="-127"/>
+                <a:ea typeface="HY견고딕" pitchFamily="18" charset="-127"/>
+              </a:rPr>
+              <a:t>WeaponType</a:t>
+            </a:r>
+            <a:r>
+              <a:rPr lang="en-US" altLang="ko-KR" sz="1100" dirty="0">
+                <a:latin typeface="HY견고딕" pitchFamily="18" charset="-127"/>
+                <a:ea typeface="HY견고딕" pitchFamily="18" charset="-127"/>
+              </a:rPr>
+              <a:t> = WEAPON_BOW;</a:t>
+            </a:r>
+          </a:p>
+          <a:p>
+            <a:r>
+              <a:rPr lang="en-US" altLang="ko-KR" sz="1100" dirty="0" smtClean="0">
+                <a:latin typeface="HY견고딕" pitchFamily="18" charset="-127"/>
+                <a:ea typeface="HY견고딕" pitchFamily="18" charset="-127"/>
+              </a:rPr>
+              <a:t>	WEAPON_TYPE </a:t>
+            </a:r>
+            <a:r>
+              <a:rPr lang="en-US" altLang="ko-KR" sz="1100" dirty="0">
+                <a:latin typeface="HY견고딕" pitchFamily="18" charset="-127"/>
+                <a:ea typeface="HY견고딕" pitchFamily="18" charset="-127"/>
+              </a:rPr>
+              <a:t>Weapon = WEAPON_TYPE::BOW;</a:t>
+            </a:r>
+          </a:p>
+          <a:p>
+            <a:r>
+              <a:rPr lang="en-US" altLang="ko-KR" sz="1100" dirty="0" smtClean="0">
+                <a:latin typeface="HY견고딕" pitchFamily="18" charset="-127"/>
+                <a:ea typeface="HY견고딕" pitchFamily="18" charset="-127"/>
+              </a:rPr>
+              <a:t>	</a:t>
+            </a:r>
+            <a:endParaRPr lang="ko-KR" altLang="en-US" sz="1100" dirty="0">
+              <a:latin typeface="HY견고딕" pitchFamily="18" charset="-127"/>
+              <a:ea typeface="HY견고딕" pitchFamily="18" charset="-127"/>
+            </a:endParaRPr>
+          </a:p>
+          <a:p>
+            <a:r>
+              <a:rPr lang="en-US" altLang="ko-KR" sz="1100" dirty="0" smtClean="0">
+                <a:latin typeface="HY견고딕" pitchFamily="18" charset="-127"/>
+                <a:ea typeface="HY견고딕" pitchFamily="18" charset="-127"/>
+              </a:rPr>
+              <a:t>	switch </a:t>
+            </a:r>
+            <a:r>
+              <a:rPr lang="en-US" altLang="ko-KR" sz="1100" dirty="0">
+                <a:latin typeface="HY견고딕" pitchFamily="18" charset="-127"/>
+                <a:ea typeface="HY견고딕" pitchFamily="18" charset="-127"/>
+              </a:rPr>
+              <a:t>(Weapon)</a:t>
+            </a:r>
+          </a:p>
+          <a:p>
+            <a:r>
+              <a:rPr lang="en-US" altLang="ko-KR" sz="1100" dirty="0" smtClean="0">
+                <a:latin typeface="HY견고딕" pitchFamily="18" charset="-127"/>
+                <a:ea typeface="HY견고딕" pitchFamily="18" charset="-127"/>
+              </a:rPr>
+              <a:t>	{</a:t>
+            </a:r>
+            <a:endParaRPr lang="en-US" altLang="ko-KR" sz="1100" dirty="0">
+              <a:latin typeface="HY견고딕" pitchFamily="18" charset="-127"/>
+              <a:ea typeface="HY견고딕" pitchFamily="18" charset="-127"/>
+            </a:endParaRPr>
+          </a:p>
+          <a:p>
+            <a:r>
+              <a:rPr lang="en-US" altLang="ko-KR" sz="1100" dirty="0" smtClean="0">
+                <a:latin typeface="HY견고딕" pitchFamily="18" charset="-127"/>
+                <a:ea typeface="HY견고딕" pitchFamily="18" charset="-127"/>
+              </a:rPr>
+              <a:t>	case </a:t>
+            </a:r>
+            <a:r>
+              <a:rPr lang="en-US" altLang="ko-KR" sz="1100" dirty="0">
+                <a:latin typeface="HY견고딕" pitchFamily="18" charset="-127"/>
+                <a:ea typeface="HY견고딕" pitchFamily="18" charset="-127"/>
+              </a:rPr>
+              <a:t>SWORD:</a:t>
+            </a:r>
+          </a:p>
+          <a:p>
+            <a:r>
+              <a:rPr lang="en-US" altLang="ko-KR" sz="1100" dirty="0" smtClean="0">
+                <a:latin typeface="HY견고딕" pitchFamily="18" charset="-127"/>
+                <a:ea typeface="HY견고딕" pitchFamily="18" charset="-127"/>
+              </a:rPr>
+              <a:t>		</a:t>
+            </a:r>
+            <a:r>
+              <a:rPr lang="en-US" altLang="ko-KR" sz="1100" dirty="0" err="1" smtClean="0">
+                <a:latin typeface="HY견고딕" pitchFamily="18" charset="-127"/>
+                <a:ea typeface="HY견고딕" pitchFamily="18" charset="-127"/>
+              </a:rPr>
+              <a:t>cout</a:t>
+            </a:r>
+            <a:r>
+              <a:rPr lang="en-US" altLang="ko-KR" sz="1100" dirty="0" smtClean="0">
+                <a:latin typeface="HY견고딕" pitchFamily="18" charset="-127"/>
+                <a:ea typeface="HY견고딕" pitchFamily="18" charset="-127"/>
+              </a:rPr>
+              <a:t> </a:t>
+            </a:r>
+            <a:r>
+              <a:rPr lang="en-US" altLang="ko-KR" sz="1100" dirty="0">
+                <a:latin typeface="HY견고딕" pitchFamily="18" charset="-127"/>
+                <a:ea typeface="HY견고딕" pitchFamily="18" charset="-127"/>
+              </a:rPr>
+              <a:t>&lt;&lt; "</a:t>
+            </a:r>
+            <a:r>
+              <a:rPr lang="ko-KR" altLang="en-US" sz="1100" dirty="0">
+                <a:latin typeface="HY견고딕" pitchFamily="18" charset="-127"/>
+                <a:ea typeface="HY견고딕" pitchFamily="18" charset="-127"/>
+              </a:rPr>
+              <a:t>장검</a:t>
+            </a:r>
+            <a:r>
+              <a:rPr lang="en-US" altLang="ko-KR" sz="1100" dirty="0">
+                <a:latin typeface="HY견고딕" pitchFamily="18" charset="-127"/>
+                <a:ea typeface="HY견고딕" pitchFamily="18" charset="-127"/>
+              </a:rPr>
+              <a:t>"</a:t>
+            </a:r>
+            <a:r>
+              <a:rPr lang="ko-KR" altLang="en-US" sz="1100" dirty="0">
+                <a:latin typeface="HY견고딕" pitchFamily="18" charset="-127"/>
+                <a:ea typeface="HY견고딕" pitchFamily="18" charset="-127"/>
+              </a:rPr>
+              <a:t> </a:t>
+            </a:r>
+            <a:r>
+              <a:rPr lang="en-US" altLang="ko-KR" sz="1100" dirty="0">
+                <a:latin typeface="HY견고딕" pitchFamily="18" charset="-127"/>
+                <a:ea typeface="HY견고딕" pitchFamily="18" charset="-127"/>
+              </a:rPr>
+              <a:t>&lt;&lt;</a:t>
+            </a:r>
+            <a:r>
+              <a:rPr lang="ko-KR" altLang="en-US" sz="1100" dirty="0">
+                <a:latin typeface="HY견고딕" pitchFamily="18" charset="-127"/>
+                <a:ea typeface="HY견고딕" pitchFamily="18" charset="-127"/>
+              </a:rPr>
+              <a:t> </a:t>
+            </a:r>
+            <a:r>
+              <a:rPr lang="en-US" altLang="ko-KR" sz="1100" dirty="0" err="1">
+                <a:latin typeface="HY견고딕" pitchFamily="18" charset="-127"/>
+                <a:ea typeface="HY견고딕" pitchFamily="18" charset="-127"/>
+              </a:rPr>
+              <a:t>endl</a:t>
+            </a:r>
+            <a:r>
+              <a:rPr lang="en-US" altLang="ko-KR" sz="1100" dirty="0">
+                <a:latin typeface="HY견고딕" pitchFamily="18" charset="-127"/>
+                <a:ea typeface="HY견고딕" pitchFamily="18" charset="-127"/>
+              </a:rPr>
+              <a:t>;</a:t>
+            </a:r>
+          </a:p>
+          <a:p>
+            <a:r>
+              <a:rPr lang="en-US" altLang="ko-KR" sz="1100" dirty="0" smtClean="0">
+                <a:latin typeface="HY견고딕" pitchFamily="18" charset="-127"/>
+                <a:ea typeface="HY견고딕" pitchFamily="18" charset="-127"/>
+              </a:rPr>
+              <a:t>		break</a:t>
+            </a:r>
+            <a:r>
+              <a:rPr lang="en-US" altLang="ko-KR" sz="1100" dirty="0">
+                <a:latin typeface="HY견고딕" pitchFamily="18" charset="-127"/>
+                <a:ea typeface="HY견고딕" pitchFamily="18" charset="-127"/>
+              </a:rPr>
+              <a:t>;</a:t>
+            </a:r>
+          </a:p>
+          <a:p>
+            <a:r>
+              <a:rPr lang="en-US" altLang="ko-KR" sz="1100" dirty="0" smtClean="0">
+                <a:latin typeface="HY견고딕" pitchFamily="18" charset="-127"/>
+                <a:ea typeface="HY견고딕" pitchFamily="18" charset="-127"/>
+              </a:rPr>
+              <a:t>	case </a:t>
+            </a:r>
+            <a:r>
+              <a:rPr lang="en-US" altLang="ko-KR" sz="1100" dirty="0">
+                <a:latin typeface="HY견고딕" pitchFamily="18" charset="-127"/>
+                <a:ea typeface="HY견고딕" pitchFamily="18" charset="-127"/>
+              </a:rPr>
+              <a:t>WAND:</a:t>
+            </a:r>
+          </a:p>
+          <a:p>
+            <a:r>
+              <a:rPr lang="en-US" altLang="ko-KR" sz="1100" dirty="0" smtClean="0">
+                <a:latin typeface="HY견고딕" pitchFamily="18" charset="-127"/>
+                <a:ea typeface="HY견고딕" pitchFamily="18" charset="-127"/>
+              </a:rPr>
+              <a:t>		</a:t>
+            </a:r>
+            <a:r>
+              <a:rPr lang="en-US" altLang="ko-KR" sz="1100" dirty="0" err="1" smtClean="0">
+                <a:latin typeface="HY견고딕" pitchFamily="18" charset="-127"/>
+                <a:ea typeface="HY견고딕" pitchFamily="18" charset="-127"/>
+              </a:rPr>
+              <a:t>cout</a:t>
+            </a:r>
+            <a:r>
+              <a:rPr lang="en-US" altLang="ko-KR" sz="1100" dirty="0" smtClean="0">
+                <a:latin typeface="HY견고딕" pitchFamily="18" charset="-127"/>
+                <a:ea typeface="HY견고딕" pitchFamily="18" charset="-127"/>
+              </a:rPr>
+              <a:t> </a:t>
+            </a:r>
+            <a:r>
+              <a:rPr lang="en-US" altLang="ko-KR" sz="1100" dirty="0">
+                <a:latin typeface="HY견고딕" pitchFamily="18" charset="-127"/>
+                <a:ea typeface="HY견고딕" pitchFamily="18" charset="-127"/>
+              </a:rPr>
+              <a:t>&lt;&lt; "</a:t>
+            </a:r>
+            <a:r>
+              <a:rPr lang="ko-KR" altLang="en-US" sz="1100" dirty="0">
+                <a:latin typeface="HY견고딕" pitchFamily="18" charset="-127"/>
+                <a:ea typeface="HY견고딕" pitchFamily="18" charset="-127"/>
+              </a:rPr>
+              <a:t>지팡이</a:t>
+            </a:r>
+            <a:r>
+              <a:rPr lang="en-US" altLang="ko-KR" sz="1100" dirty="0">
+                <a:latin typeface="HY견고딕" pitchFamily="18" charset="-127"/>
+                <a:ea typeface="HY견고딕" pitchFamily="18" charset="-127"/>
+              </a:rPr>
+              <a:t>"</a:t>
+            </a:r>
+            <a:r>
+              <a:rPr lang="ko-KR" altLang="en-US" sz="1100" dirty="0">
+                <a:latin typeface="HY견고딕" pitchFamily="18" charset="-127"/>
+                <a:ea typeface="HY견고딕" pitchFamily="18" charset="-127"/>
+              </a:rPr>
+              <a:t> </a:t>
+            </a:r>
+            <a:r>
+              <a:rPr lang="en-US" altLang="ko-KR" sz="1100" dirty="0">
+                <a:latin typeface="HY견고딕" pitchFamily="18" charset="-127"/>
+                <a:ea typeface="HY견고딕" pitchFamily="18" charset="-127"/>
+              </a:rPr>
+              <a:t>&lt;&lt;</a:t>
+            </a:r>
+            <a:r>
+              <a:rPr lang="ko-KR" altLang="en-US" sz="1100" dirty="0">
+                <a:latin typeface="HY견고딕" pitchFamily="18" charset="-127"/>
+                <a:ea typeface="HY견고딕" pitchFamily="18" charset="-127"/>
+              </a:rPr>
+              <a:t> </a:t>
+            </a:r>
+            <a:r>
+              <a:rPr lang="en-US" altLang="ko-KR" sz="1100" dirty="0" err="1">
+                <a:latin typeface="HY견고딕" pitchFamily="18" charset="-127"/>
+                <a:ea typeface="HY견고딕" pitchFamily="18" charset="-127"/>
+              </a:rPr>
+              <a:t>endl</a:t>
+            </a:r>
+            <a:r>
+              <a:rPr lang="en-US" altLang="ko-KR" sz="1100" dirty="0">
+                <a:latin typeface="HY견고딕" pitchFamily="18" charset="-127"/>
+                <a:ea typeface="HY견고딕" pitchFamily="18" charset="-127"/>
+              </a:rPr>
+              <a:t>;</a:t>
+            </a:r>
+          </a:p>
+          <a:p>
+            <a:r>
+              <a:rPr lang="en-US" altLang="ko-KR" sz="1100" dirty="0" smtClean="0">
+                <a:latin typeface="HY견고딕" pitchFamily="18" charset="-127"/>
+                <a:ea typeface="HY견고딕" pitchFamily="18" charset="-127"/>
+              </a:rPr>
+              <a:t>		break</a:t>
+            </a:r>
+            <a:r>
+              <a:rPr lang="en-US" altLang="ko-KR" sz="1100" dirty="0">
+                <a:latin typeface="HY견고딕" pitchFamily="18" charset="-127"/>
+                <a:ea typeface="HY견고딕" pitchFamily="18" charset="-127"/>
+              </a:rPr>
+              <a:t>;</a:t>
+            </a:r>
+          </a:p>
+          <a:p>
+            <a:r>
+              <a:rPr lang="en-US" altLang="ko-KR" sz="1100" dirty="0" smtClean="0">
+                <a:latin typeface="HY견고딕" pitchFamily="18" charset="-127"/>
+                <a:ea typeface="HY견고딕" pitchFamily="18" charset="-127"/>
+              </a:rPr>
+              <a:t>	case </a:t>
+            </a:r>
+            <a:r>
+              <a:rPr lang="en-US" altLang="ko-KR" sz="1100" dirty="0">
+                <a:latin typeface="HY견고딕" pitchFamily="18" charset="-127"/>
+                <a:ea typeface="HY견고딕" pitchFamily="18" charset="-127"/>
+              </a:rPr>
+              <a:t>BOW</a:t>
+            </a:r>
+            <a:r>
+              <a:rPr lang="en-US" altLang="ko-KR" sz="1100" dirty="0" smtClean="0">
+                <a:latin typeface="HY견고딕" pitchFamily="18" charset="-127"/>
+                <a:ea typeface="HY견고딕" pitchFamily="18" charset="-127"/>
+              </a:rPr>
+              <a:t>:</a:t>
+            </a:r>
+            <a:endParaRPr lang="en-US" altLang="ko-KR" sz="1100" dirty="0">
+              <a:latin typeface="HY견고딕" pitchFamily="18" charset="-127"/>
+              <a:ea typeface="HY견고딕" pitchFamily="18" charset="-127"/>
+            </a:endParaRPr>
+          </a:p>
+          <a:p>
+            <a:r>
+              <a:rPr lang="en-US" altLang="ko-KR" sz="1100" dirty="0" smtClean="0">
+                <a:latin typeface="HY견고딕" pitchFamily="18" charset="-127"/>
+                <a:ea typeface="HY견고딕" pitchFamily="18" charset="-127"/>
+              </a:rPr>
+              <a:t>		</a:t>
+            </a:r>
+            <a:r>
+              <a:rPr lang="en-US" altLang="ko-KR" sz="1100" dirty="0" err="1" smtClean="0">
+                <a:latin typeface="HY견고딕" pitchFamily="18" charset="-127"/>
+                <a:ea typeface="HY견고딕" pitchFamily="18" charset="-127"/>
+              </a:rPr>
+              <a:t>cout</a:t>
+            </a:r>
+            <a:r>
+              <a:rPr lang="en-US" altLang="ko-KR" sz="1100" dirty="0" smtClean="0">
+                <a:latin typeface="HY견고딕" pitchFamily="18" charset="-127"/>
+                <a:ea typeface="HY견고딕" pitchFamily="18" charset="-127"/>
+              </a:rPr>
+              <a:t> </a:t>
+            </a:r>
+            <a:r>
+              <a:rPr lang="en-US" altLang="ko-KR" sz="1100" dirty="0">
+                <a:latin typeface="HY견고딕" pitchFamily="18" charset="-127"/>
+                <a:ea typeface="HY견고딕" pitchFamily="18" charset="-127"/>
+              </a:rPr>
+              <a:t>&lt;&lt; "</a:t>
+            </a:r>
+            <a:r>
+              <a:rPr lang="ko-KR" altLang="en-US" sz="1100" dirty="0" smtClean="0">
+                <a:latin typeface="HY견고딕" pitchFamily="18" charset="-127"/>
+                <a:ea typeface="HY견고딕" pitchFamily="18" charset="-127"/>
+              </a:rPr>
+              <a:t>활</a:t>
+            </a:r>
+            <a:r>
+              <a:rPr lang="en-US" altLang="ko-KR" sz="1100" dirty="0" smtClean="0">
+                <a:latin typeface="HY견고딕" pitchFamily="18" charset="-127"/>
+                <a:ea typeface="HY견고딕" pitchFamily="18" charset="-127"/>
+              </a:rPr>
+              <a:t>"</a:t>
+            </a:r>
+            <a:r>
+              <a:rPr lang="ko-KR" altLang="en-US" sz="1100" dirty="0" smtClean="0">
+                <a:latin typeface="HY견고딕" pitchFamily="18" charset="-127"/>
+                <a:ea typeface="HY견고딕" pitchFamily="18" charset="-127"/>
+              </a:rPr>
+              <a:t> </a:t>
+            </a:r>
+            <a:r>
+              <a:rPr lang="en-US" altLang="ko-KR" sz="1100" dirty="0">
+                <a:latin typeface="HY견고딕" pitchFamily="18" charset="-127"/>
+                <a:ea typeface="HY견고딕" pitchFamily="18" charset="-127"/>
+              </a:rPr>
+              <a:t>&lt;&lt;</a:t>
+            </a:r>
+            <a:r>
+              <a:rPr lang="ko-KR" altLang="en-US" sz="1100" dirty="0">
+                <a:latin typeface="HY견고딕" pitchFamily="18" charset="-127"/>
+                <a:ea typeface="HY견고딕" pitchFamily="18" charset="-127"/>
+              </a:rPr>
+              <a:t> </a:t>
+            </a:r>
+            <a:r>
+              <a:rPr lang="en-US" altLang="ko-KR" sz="1100" dirty="0" err="1">
+                <a:latin typeface="HY견고딕" pitchFamily="18" charset="-127"/>
+                <a:ea typeface="HY견고딕" pitchFamily="18" charset="-127"/>
+              </a:rPr>
+              <a:t>endl</a:t>
+            </a:r>
+            <a:r>
+              <a:rPr lang="en-US" altLang="ko-KR" sz="1100" dirty="0">
+                <a:latin typeface="HY견고딕" pitchFamily="18" charset="-127"/>
+                <a:ea typeface="HY견고딕" pitchFamily="18" charset="-127"/>
+              </a:rPr>
+              <a:t>;</a:t>
+            </a:r>
+          </a:p>
+          <a:p>
+            <a:r>
+              <a:rPr lang="en-US" altLang="ko-KR" sz="1100" dirty="0" smtClean="0">
+                <a:latin typeface="HY견고딕" pitchFamily="18" charset="-127"/>
+                <a:ea typeface="HY견고딕" pitchFamily="18" charset="-127"/>
+              </a:rPr>
+              <a:t>		break</a:t>
+            </a:r>
+            <a:r>
+              <a:rPr lang="en-US" altLang="ko-KR" sz="1100" dirty="0">
+                <a:latin typeface="HY견고딕" pitchFamily="18" charset="-127"/>
+                <a:ea typeface="HY견고딕" pitchFamily="18" charset="-127"/>
+              </a:rPr>
+              <a:t>;</a:t>
+            </a:r>
+          </a:p>
+          <a:p>
+            <a:r>
+              <a:rPr lang="en-US" altLang="ko-KR" sz="1100" dirty="0" smtClean="0">
+                <a:latin typeface="HY견고딕" pitchFamily="18" charset="-127"/>
+                <a:ea typeface="HY견고딕" pitchFamily="18" charset="-127"/>
+              </a:rPr>
+              <a:t>	case </a:t>
+            </a:r>
+            <a:r>
+              <a:rPr lang="en-US" altLang="ko-KR" sz="1100" dirty="0">
+                <a:latin typeface="HY견고딕" pitchFamily="18" charset="-127"/>
+                <a:ea typeface="HY견고딕" pitchFamily="18" charset="-127"/>
+              </a:rPr>
+              <a:t>HAMMER:</a:t>
+            </a:r>
+          </a:p>
+          <a:p>
+            <a:r>
+              <a:rPr lang="en-US" altLang="ko-KR" sz="1100" dirty="0" smtClean="0">
+                <a:latin typeface="HY견고딕" pitchFamily="18" charset="-127"/>
+                <a:ea typeface="HY견고딕" pitchFamily="18" charset="-127"/>
+              </a:rPr>
+              <a:t>		</a:t>
+            </a:r>
+            <a:r>
+              <a:rPr lang="en-US" altLang="ko-KR" sz="1100" dirty="0" err="1" smtClean="0">
+                <a:latin typeface="HY견고딕" pitchFamily="18" charset="-127"/>
+                <a:ea typeface="HY견고딕" pitchFamily="18" charset="-127"/>
+              </a:rPr>
+              <a:t>cout</a:t>
+            </a:r>
+            <a:r>
+              <a:rPr lang="en-US" altLang="ko-KR" sz="1100" dirty="0" smtClean="0">
+                <a:latin typeface="HY견고딕" pitchFamily="18" charset="-127"/>
+                <a:ea typeface="HY견고딕" pitchFamily="18" charset="-127"/>
+              </a:rPr>
+              <a:t> </a:t>
+            </a:r>
+            <a:r>
+              <a:rPr lang="en-US" altLang="ko-KR" sz="1100" dirty="0">
+                <a:latin typeface="HY견고딕" pitchFamily="18" charset="-127"/>
+                <a:ea typeface="HY견고딕" pitchFamily="18" charset="-127"/>
+              </a:rPr>
+              <a:t>&lt;&lt; "</a:t>
+            </a:r>
+            <a:r>
+              <a:rPr lang="ko-KR" altLang="en-US" sz="1100" dirty="0">
+                <a:latin typeface="HY견고딕" pitchFamily="18" charset="-127"/>
+                <a:ea typeface="HY견고딕" pitchFamily="18" charset="-127"/>
+              </a:rPr>
+              <a:t>망치</a:t>
+            </a:r>
+            <a:r>
+              <a:rPr lang="en-US" altLang="ko-KR" sz="1100" dirty="0">
+                <a:latin typeface="HY견고딕" pitchFamily="18" charset="-127"/>
+                <a:ea typeface="HY견고딕" pitchFamily="18" charset="-127"/>
+              </a:rPr>
+              <a:t>"</a:t>
+            </a:r>
+            <a:r>
+              <a:rPr lang="ko-KR" altLang="en-US" sz="1100" dirty="0">
+                <a:latin typeface="HY견고딕" pitchFamily="18" charset="-127"/>
+                <a:ea typeface="HY견고딕" pitchFamily="18" charset="-127"/>
+              </a:rPr>
+              <a:t> </a:t>
+            </a:r>
+            <a:r>
+              <a:rPr lang="en-US" altLang="ko-KR" sz="1100" dirty="0">
+                <a:latin typeface="HY견고딕" pitchFamily="18" charset="-127"/>
+                <a:ea typeface="HY견고딕" pitchFamily="18" charset="-127"/>
+              </a:rPr>
+              <a:t>&lt;&lt;</a:t>
+            </a:r>
+            <a:r>
+              <a:rPr lang="ko-KR" altLang="en-US" sz="1100" dirty="0">
+                <a:latin typeface="HY견고딕" pitchFamily="18" charset="-127"/>
+                <a:ea typeface="HY견고딕" pitchFamily="18" charset="-127"/>
+              </a:rPr>
+              <a:t> </a:t>
+            </a:r>
+            <a:r>
+              <a:rPr lang="en-US" altLang="ko-KR" sz="1100" dirty="0" err="1">
+                <a:latin typeface="HY견고딕" pitchFamily="18" charset="-127"/>
+                <a:ea typeface="HY견고딕" pitchFamily="18" charset="-127"/>
+              </a:rPr>
+              <a:t>endl</a:t>
+            </a:r>
+            <a:r>
+              <a:rPr lang="en-US" altLang="ko-KR" sz="1100" dirty="0">
+                <a:latin typeface="HY견고딕" pitchFamily="18" charset="-127"/>
+                <a:ea typeface="HY견고딕" pitchFamily="18" charset="-127"/>
+              </a:rPr>
+              <a:t>;</a:t>
+            </a:r>
+          </a:p>
+          <a:p>
+            <a:r>
+              <a:rPr lang="en-US" altLang="ko-KR" sz="1100" dirty="0" smtClean="0">
+                <a:latin typeface="HY견고딕" pitchFamily="18" charset="-127"/>
+                <a:ea typeface="HY견고딕" pitchFamily="18" charset="-127"/>
+              </a:rPr>
+              <a:t>		break;</a:t>
+            </a:r>
+            <a:endParaRPr lang="en-US" altLang="ko-KR" sz="1100" dirty="0">
+              <a:latin typeface="HY견고딕" pitchFamily="18" charset="-127"/>
+              <a:ea typeface="HY견고딕" pitchFamily="18" charset="-127"/>
+            </a:endParaRPr>
+          </a:p>
+          <a:p>
+            <a:r>
+              <a:rPr lang="en-US" altLang="ko-KR" sz="1100" dirty="0" smtClean="0">
+                <a:latin typeface="HY견고딕" pitchFamily="18" charset="-127"/>
+                <a:ea typeface="HY견고딕" pitchFamily="18" charset="-127"/>
+              </a:rPr>
+              <a:t>	case </a:t>
+            </a:r>
+            <a:r>
+              <a:rPr lang="en-US" altLang="ko-KR" sz="1100" dirty="0">
+                <a:latin typeface="HY견고딕" pitchFamily="18" charset="-127"/>
+                <a:ea typeface="HY견고딕" pitchFamily="18" charset="-127"/>
+              </a:rPr>
+              <a:t>AXE:</a:t>
+            </a:r>
+          </a:p>
+          <a:p>
+            <a:r>
+              <a:rPr lang="en-US" altLang="ko-KR" sz="1100" dirty="0" smtClean="0">
+                <a:latin typeface="HY견고딕" pitchFamily="18" charset="-127"/>
+                <a:ea typeface="HY견고딕" pitchFamily="18" charset="-127"/>
+              </a:rPr>
+              <a:t>		</a:t>
+            </a:r>
+            <a:r>
+              <a:rPr lang="en-US" altLang="ko-KR" sz="1100" dirty="0" err="1" smtClean="0">
+                <a:latin typeface="HY견고딕" pitchFamily="18" charset="-127"/>
+                <a:ea typeface="HY견고딕" pitchFamily="18" charset="-127"/>
+              </a:rPr>
+              <a:t>cout</a:t>
+            </a:r>
+            <a:r>
+              <a:rPr lang="en-US" altLang="ko-KR" sz="1100" dirty="0" smtClean="0">
+                <a:latin typeface="HY견고딕" pitchFamily="18" charset="-127"/>
+                <a:ea typeface="HY견고딕" pitchFamily="18" charset="-127"/>
+              </a:rPr>
+              <a:t> </a:t>
+            </a:r>
+            <a:r>
+              <a:rPr lang="en-US" altLang="ko-KR" sz="1100" dirty="0">
+                <a:latin typeface="HY견고딕" pitchFamily="18" charset="-127"/>
+                <a:ea typeface="HY견고딕" pitchFamily="18" charset="-127"/>
+              </a:rPr>
+              <a:t>&lt;&lt; "</a:t>
+            </a:r>
+            <a:r>
+              <a:rPr lang="ko-KR" altLang="en-US" sz="1100" dirty="0">
+                <a:latin typeface="HY견고딕" pitchFamily="18" charset="-127"/>
+                <a:ea typeface="HY견고딕" pitchFamily="18" charset="-127"/>
+              </a:rPr>
+              <a:t>도끼</a:t>
+            </a:r>
+            <a:r>
+              <a:rPr lang="en-US" altLang="ko-KR" sz="1100" dirty="0">
+                <a:latin typeface="HY견고딕" pitchFamily="18" charset="-127"/>
+                <a:ea typeface="HY견고딕" pitchFamily="18" charset="-127"/>
+              </a:rPr>
+              <a:t>"</a:t>
+            </a:r>
+            <a:r>
+              <a:rPr lang="ko-KR" altLang="en-US" sz="1100" dirty="0">
+                <a:latin typeface="HY견고딕" pitchFamily="18" charset="-127"/>
+                <a:ea typeface="HY견고딕" pitchFamily="18" charset="-127"/>
+              </a:rPr>
+              <a:t> </a:t>
+            </a:r>
+            <a:r>
+              <a:rPr lang="en-US" altLang="ko-KR" sz="1100" dirty="0">
+                <a:latin typeface="HY견고딕" pitchFamily="18" charset="-127"/>
+                <a:ea typeface="HY견고딕" pitchFamily="18" charset="-127"/>
+              </a:rPr>
+              <a:t>&lt;&lt;</a:t>
+            </a:r>
+            <a:r>
+              <a:rPr lang="ko-KR" altLang="en-US" sz="1100" dirty="0">
+                <a:latin typeface="HY견고딕" pitchFamily="18" charset="-127"/>
+                <a:ea typeface="HY견고딕" pitchFamily="18" charset="-127"/>
+              </a:rPr>
+              <a:t> </a:t>
+            </a:r>
+            <a:r>
+              <a:rPr lang="en-US" altLang="ko-KR" sz="1100" dirty="0" err="1">
+                <a:latin typeface="HY견고딕" pitchFamily="18" charset="-127"/>
+                <a:ea typeface="HY견고딕" pitchFamily="18" charset="-127"/>
+              </a:rPr>
+              <a:t>endl</a:t>
+            </a:r>
+            <a:r>
+              <a:rPr lang="en-US" altLang="ko-KR" sz="1100" dirty="0">
+                <a:latin typeface="HY견고딕" pitchFamily="18" charset="-127"/>
+                <a:ea typeface="HY견고딕" pitchFamily="18" charset="-127"/>
+              </a:rPr>
+              <a:t>;</a:t>
+            </a:r>
+          </a:p>
+          <a:p>
+            <a:r>
+              <a:rPr lang="en-US" altLang="ko-KR" sz="1100" dirty="0" smtClean="0">
+                <a:latin typeface="HY견고딕" pitchFamily="18" charset="-127"/>
+                <a:ea typeface="HY견고딕" pitchFamily="18" charset="-127"/>
+              </a:rPr>
+              <a:t>		break;</a:t>
+            </a:r>
+            <a:endParaRPr lang="en-US" altLang="ko-KR" sz="1100" dirty="0">
+              <a:latin typeface="HY견고딕" pitchFamily="18" charset="-127"/>
+              <a:ea typeface="HY견고딕" pitchFamily="18" charset="-127"/>
+            </a:endParaRPr>
+          </a:p>
+          <a:p>
+            <a:r>
+              <a:rPr lang="en-US" altLang="ko-KR" sz="1100" dirty="0" smtClean="0">
+                <a:latin typeface="HY견고딕" pitchFamily="18" charset="-127"/>
+                <a:ea typeface="HY견고딕" pitchFamily="18" charset="-127"/>
+              </a:rPr>
+              <a:t>	case </a:t>
+            </a:r>
+            <a:r>
+              <a:rPr lang="en-US" altLang="ko-KR" sz="1100" dirty="0">
+                <a:latin typeface="HY견고딕" pitchFamily="18" charset="-127"/>
+                <a:ea typeface="HY견고딕" pitchFamily="18" charset="-127"/>
+              </a:rPr>
+              <a:t>CLAW:</a:t>
+            </a:r>
+          </a:p>
+          <a:p>
+            <a:r>
+              <a:rPr lang="en-US" altLang="ko-KR" sz="1100" dirty="0" smtClean="0">
+                <a:latin typeface="HY견고딕" pitchFamily="18" charset="-127"/>
+                <a:ea typeface="HY견고딕" pitchFamily="18" charset="-127"/>
+              </a:rPr>
+              <a:t>		</a:t>
+            </a:r>
+            <a:r>
+              <a:rPr lang="en-US" altLang="ko-KR" sz="1100" dirty="0" err="1" smtClean="0">
+                <a:latin typeface="HY견고딕" pitchFamily="18" charset="-127"/>
+                <a:ea typeface="HY견고딕" pitchFamily="18" charset="-127"/>
+              </a:rPr>
+              <a:t>cout</a:t>
+            </a:r>
+            <a:r>
+              <a:rPr lang="en-US" altLang="ko-KR" sz="1100" dirty="0" smtClean="0">
+                <a:latin typeface="HY견고딕" pitchFamily="18" charset="-127"/>
+                <a:ea typeface="HY견고딕" pitchFamily="18" charset="-127"/>
+              </a:rPr>
+              <a:t> </a:t>
+            </a:r>
+            <a:r>
+              <a:rPr lang="en-US" altLang="ko-KR" sz="1100" dirty="0">
+                <a:latin typeface="HY견고딕" pitchFamily="18" charset="-127"/>
+                <a:ea typeface="HY견고딕" pitchFamily="18" charset="-127"/>
+              </a:rPr>
+              <a:t>&lt;&lt; "</a:t>
+            </a:r>
+            <a:r>
+              <a:rPr lang="ko-KR" altLang="en-US" sz="1100" dirty="0" err="1">
+                <a:latin typeface="HY견고딕" pitchFamily="18" charset="-127"/>
+                <a:ea typeface="HY견고딕" pitchFamily="18" charset="-127"/>
+              </a:rPr>
+              <a:t>클로</a:t>
+            </a:r>
+            <a:r>
+              <a:rPr lang="en-US" altLang="ko-KR" sz="1100" dirty="0">
+                <a:latin typeface="HY견고딕" pitchFamily="18" charset="-127"/>
+                <a:ea typeface="HY견고딕" pitchFamily="18" charset="-127"/>
+              </a:rPr>
+              <a:t>"</a:t>
+            </a:r>
+            <a:r>
+              <a:rPr lang="ko-KR" altLang="en-US" sz="1100" dirty="0">
+                <a:latin typeface="HY견고딕" pitchFamily="18" charset="-127"/>
+                <a:ea typeface="HY견고딕" pitchFamily="18" charset="-127"/>
+              </a:rPr>
+              <a:t> </a:t>
+            </a:r>
+            <a:r>
+              <a:rPr lang="en-US" altLang="ko-KR" sz="1100" dirty="0">
+                <a:latin typeface="HY견고딕" pitchFamily="18" charset="-127"/>
+                <a:ea typeface="HY견고딕" pitchFamily="18" charset="-127"/>
+              </a:rPr>
+              <a:t>&lt;&lt;</a:t>
+            </a:r>
+            <a:r>
+              <a:rPr lang="ko-KR" altLang="en-US" sz="1100" dirty="0">
+                <a:latin typeface="HY견고딕" pitchFamily="18" charset="-127"/>
+                <a:ea typeface="HY견고딕" pitchFamily="18" charset="-127"/>
+              </a:rPr>
+              <a:t> </a:t>
+            </a:r>
+            <a:r>
+              <a:rPr lang="en-US" altLang="ko-KR" sz="1100" dirty="0" err="1">
+                <a:latin typeface="HY견고딕" pitchFamily="18" charset="-127"/>
+                <a:ea typeface="HY견고딕" pitchFamily="18" charset="-127"/>
+              </a:rPr>
+              <a:t>endl</a:t>
+            </a:r>
+            <a:r>
+              <a:rPr lang="en-US" altLang="ko-KR" sz="1100" dirty="0">
+                <a:latin typeface="HY견고딕" pitchFamily="18" charset="-127"/>
+                <a:ea typeface="HY견고딕" pitchFamily="18" charset="-127"/>
+              </a:rPr>
+              <a:t>;</a:t>
+            </a:r>
+          </a:p>
+          <a:p>
+            <a:r>
+              <a:rPr lang="en-US" altLang="ko-KR" sz="1100" dirty="0" smtClean="0">
+                <a:latin typeface="HY견고딕" pitchFamily="18" charset="-127"/>
+                <a:ea typeface="HY견고딕" pitchFamily="18" charset="-127"/>
+              </a:rPr>
+              <a:t>		break</a:t>
+            </a:r>
+            <a:r>
+              <a:rPr lang="en-US" altLang="ko-KR" sz="1100" dirty="0">
+                <a:latin typeface="HY견고딕" pitchFamily="18" charset="-127"/>
+                <a:ea typeface="HY견고딕" pitchFamily="18" charset="-127"/>
+              </a:rPr>
+              <a:t>;</a:t>
+            </a:r>
+          </a:p>
+          <a:p>
+            <a:r>
+              <a:rPr lang="en-US" altLang="ko-KR" sz="1100" dirty="0" smtClean="0">
+                <a:latin typeface="HY견고딕" pitchFamily="18" charset="-127"/>
+                <a:ea typeface="HY견고딕" pitchFamily="18" charset="-127"/>
+              </a:rPr>
+              <a:t>	case </a:t>
+            </a:r>
+            <a:r>
+              <a:rPr lang="en-US" altLang="ko-KR" sz="1100" dirty="0">
+                <a:latin typeface="HY견고딕" pitchFamily="18" charset="-127"/>
+                <a:ea typeface="HY견고딕" pitchFamily="18" charset="-127"/>
+              </a:rPr>
+              <a:t>DAGGER:</a:t>
+            </a:r>
+          </a:p>
+          <a:p>
+            <a:r>
+              <a:rPr lang="en-US" altLang="ko-KR" sz="1100" dirty="0" smtClean="0">
+                <a:latin typeface="HY견고딕" pitchFamily="18" charset="-127"/>
+                <a:ea typeface="HY견고딕" pitchFamily="18" charset="-127"/>
+              </a:rPr>
+              <a:t>		</a:t>
+            </a:r>
+            <a:r>
+              <a:rPr lang="en-US" altLang="ko-KR" sz="1100" dirty="0" err="1" smtClean="0">
+                <a:latin typeface="HY견고딕" pitchFamily="18" charset="-127"/>
+                <a:ea typeface="HY견고딕" pitchFamily="18" charset="-127"/>
+              </a:rPr>
+              <a:t>cout</a:t>
+            </a:r>
+            <a:r>
+              <a:rPr lang="en-US" altLang="ko-KR" sz="1100" dirty="0" smtClean="0">
+                <a:latin typeface="HY견고딕" pitchFamily="18" charset="-127"/>
+                <a:ea typeface="HY견고딕" pitchFamily="18" charset="-127"/>
+              </a:rPr>
+              <a:t> </a:t>
+            </a:r>
+            <a:r>
+              <a:rPr lang="en-US" altLang="ko-KR" sz="1100" dirty="0">
+                <a:latin typeface="HY견고딕" pitchFamily="18" charset="-127"/>
+                <a:ea typeface="HY견고딕" pitchFamily="18" charset="-127"/>
+              </a:rPr>
+              <a:t>&lt;&lt; "</a:t>
+            </a:r>
+            <a:r>
+              <a:rPr lang="ko-KR" altLang="en-US" sz="1100" dirty="0">
+                <a:latin typeface="HY견고딕" pitchFamily="18" charset="-127"/>
+                <a:ea typeface="HY견고딕" pitchFamily="18" charset="-127"/>
+              </a:rPr>
+              <a:t>단검</a:t>
+            </a:r>
+            <a:r>
+              <a:rPr lang="en-US" altLang="ko-KR" sz="1100" dirty="0">
+                <a:latin typeface="HY견고딕" pitchFamily="18" charset="-127"/>
+                <a:ea typeface="HY견고딕" pitchFamily="18" charset="-127"/>
+              </a:rPr>
+              <a:t>"</a:t>
+            </a:r>
+            <a:r>
+              <a:rPr lang="ko-KR" altLang="en-US" sz="1100" dirty="0">
+                <a:latin typeface="HY견고딕" pitchFamily="18" charset="-127"/>
+                <a:ea typeface="HY견고딕" pitchFamily="18" charset="-127"/>
+              </a:rPr>
+              <a:t> </a:t>
+            </a:r>
+            <a:r>
+              <a:rPr lang="en-US" altLang="ko-KR" sz="1100" dirty="0">
+                <a:latin typeface="HY견고딕" pitchFamily="18" charset="-127"/>
+                <a:ea typeface="HY견고딕" pitchFamily="18" charset="-127"/>
+              </a:rPr>
+              <a:t>&lt;&lt;</a:t>
+            </a:r>
+            <a:r>
+              <a:rPr lang="ko-KR" altLang="en-US" sz="1100" dirty="0">
+                <a:latin typeface="HY견고딕" pitchFamily="18" charset="-127"/>
+                <a:ea typeface="HY견고딕" pitchFamily="18" charset="-127"/>
+              </a:rPr>
+              <a:t> </a:t>
+            </a:r>
+            <a:r>
+              <a:rPr lang="en-US" altLang="ko-KR" sz="1100" dirty="0" err="1">
+                <a:latin typeface="HY견고딕" pitchFamily="18" charset="-127"/>
+                <a:ea typeface="HY견고딕" pitchFamily="18" charset="-127"/>
+              </a:rPr>
+              <a:t>endl</a:t>
+            </a:r>
+            <a:r>
+              <a:rPr lang="en-US" altLang="ko-KR" sz="1100" dirty="0">
+                <a:latin typeface="HY견고딕" pitchFamily="18" charset="-127"/>
+                <a:ea typeface="HY견고딕" pitchFamily="18" charset="-127"/>
+              </a:rPr>
+              <a:t>;</a:t>
+            </a:r>
+          </a:p>
+          <a:p>
+            <a:r>
+              <a:rPr lang="en-US" altLang="ko-KR" sz="1100" dirty="0" smtClean="0">
+                <a:latin typeface="HY견고딕" pitchFamily="18" charset="-127"/>
+                <a:ea typeface="HY견고딕" pitchFamily="18" charset="-127"/>
+              </a:rPr>
+              <a:t>		break</a:t>
+            </a:r>
+            <a:r>
+              <a:rPr lang="en-US" altLang="ko-KR" sz="1100" dirty="0">
+                <a:latin typeface="HY견고딕" pitchFamily="18" charset="-127"/>
+                <a:ea typeface="HY견고딕" pitchFamily="18" charset="-127"/>
+              </a:rPr>
+              <a:t>;</a:t>
+            </a:r>
+          </a:p>
+          <a:p>
+            <a:r>
+              <a:rPr lang="en-US" altLang="ko-KR" sz="1100" dirty="0" smtClean="0">
+                <a:latin typeface="HY견고딕" pitchFamily="18" charset="-127"/>
+                <a:ea typeface="HY견고딕" pitchFamily="18" charset="-127"/>
+              </a:rPr>
+              <a:t>	default</a:t>
+            </a:r>
+            <a:r>
+              <a:rPr lang="en-US" altLang="ko-KR" sz="1100" dirty="0">
+                <a:latin typeface="HY견고딕" pitchFamily="18" charset="-127"/>
+                <a:ea typeface="HY견고딕" pitchFamily="18" charset="-127"/>
+              </a:rPr>
+              <a:t>:</a:t>
+            </a:r>
+          </a:p>
+          <a:p>
+            <a:r>
+              <a:rPr lang="en-US" altLang="ko-KR" sz="1100" dirty="0" smtClean="0">
+                <a:latin typeface="HY견고딕" pitchFamily="18" charset="-127"/>
+                <a:ea typeface="HY견고딕" pitchFamily="18" charset="-127"/>
+              </a:rPr>
+              <a:t>		break</a:t>
+            </a:r>
+            <a:r>
+              <a:rPr lang="en-US" altLang="ko-KR" sz="1100" dirty="0">
+                <a:latin typeface="HY견고딕" pitchFamily="18" charset="-127"/>
+                <a:ea typeface="HY견고딕" pitchFamily="18" charset="-127"/>
+              </a:rPr>
+              <a:t>;</a:t>
+            </a:r>
+          </a:p>
+          <a:p>
+            <a:r>
+              <a:rPr lang="en-US" altLang="ko-KR" sz="1100" dirty="0" smtClean="0">
+                <a:latin typeface="HY견고딕" pitchFamily="18" charset="-127"/>
+                <a:ea typeface="HY견고딕" pitchFamily="18" charset="-127"/>
+              </a:rPr>
+              <a:t>	}</a:t>
+            </a:r>
+            <a:endParaRPr lang="en-US" altLang="ko-KR" sz="1100" dirty="0">
+              <a:latin typeface="HY견고딕" pitchFamily="18" charset="-127"/>
+              <a:ea typeface="HY견고딕" pitchFamily="18" charset="-127"/>
+            </a:endParaRPr>
+          </a:p>
+          <a:p>
+            <a:r>
+              <a:rPr lang="en-US" altLang="ko-KR" sz="1100" dirty="0">
                 <a:latin typeface="HY견고딕" pitchFamily="18" charset="-127"/>
                 <a:ea typeface="HY견고딕" pitchFamily="18" charset="-127"/>
               </a:rPr>
@@ -32617,8 +31514,8 @@
         </p:nvSpPr>
         <p:spPr>
           <a:xfrm>
-            <a:off x="995636" y="1020459"/>
-            <a:ext cx="7320780" cy="5262979"/>
+            <a:off x="944836" y="548680"/>
+            <a:ext cx="7320780" cy="6324808"/>
           </a:xfrm>
           <a:prstGeom prst="rect">
             <a:avLst/>
@@ -32631,503 +31528,1119 @@
           </a:bodyPr>
           <a:lstStyle/>
           <a:p>
-            <a:r>
-              <a:rPr lang="en-US" altLang="ko-KR" sz="1600" dirty="0" smtClean="0">
-                <a:latin typeface="HY견고딕" pitchFamily="18" charset="-127"/>
-                <a:ea typeface="HY견고딕" pitchFamily="18" charset="-127"/>
-              </a:rPr>
-              <a:t>#</a:t>
-            </a:r>
-            <a:r>
-              <a:rPr lang="en-US" altLang="ko-KR" sz="1600" dirty="0">
-                <a:latin typeface="HY견고딕" pitchFamily="18" charset="-127"/>
-                <a:ea typeface="HY견고딕" pitchFamily="18" charset="-127"/>
-              </a:rPr>
-              <a:t>include &lt;</a:t>
-            </a:r>
-            <a:r>
-              <a:rPr lang="en-US" altLang="ko-KR" sz="1600" dirty="0" err="1">
-                <a:latin typeface="HY견고딕" pitchFamily="18" charset="-127"/>
-                <a:ea typeface="HY견고딕" pitchFamily="18" charset="-127"/>
-              </a:rPr>
-              <a:t>iostream</a:t>
-            </a:r>
-            <a:r>
-              <a:rPr lang="en-US" altLang="ko-KR" sz="1600" dirty="0">
-                <a:latin typeface="HY견고딕" pitchFamily="18" charset="-127"/>
-                <a:ea typeface="HY견고딕" pitchFamily="18" charset="-127"/>
-              </a:rPr>
-              <a:t>&gt;</a:t>
-            </a:r>
-          </a:p>
-          <a:p>
-            <a:r>
-              <a:rPr lang="en-US" altLang="ko-KR" sz="1600" dirty="0">
-                <a:latin typeface="HY견고딕" pitchFamily="18" charset="-127"/>
-                <a:ea typeface="HY견고딕" pitchFamily="18" charset="-127"/>
-              </a:rPr>
-              <a:t>using namespace </a:t>
-            </a:r>
-            <a:r>
-              <a:rPr lang="en-US" altLang="ko-KR" sz="1600" dirty="0" err="1">
-                <a:latin typeface="HY견고딕" pitchFamily="18" charset="-127"/>
-                <a:ea typeface="HY견고딕" pitchFamily="18" charset="-127"/>
-              </a:rPr>
-              <a:t>std</a:t>
-            </a:r>
-            <a:r>
-              <a:rPr lang="en-US" altLang="ko-KR" sz="1600" dirty="0">
-                <a:latin typeface="HY견고딕" pitchFamily="18" charset="-127"/>
-                <a:ea typeface="HY견고딕" pitchFamily="18" charset="-127"/>
-              </a:rPr>
-              <a:t>;</a:t>
-            </a:r>
-          </a:p>
-          <a:p>
-            <a:endParaRPr lang="ko-KR" altLang="en-US" sz="1600" dirty="0">
+            <a:endParaRPr lang="en-US" altLang="ko-KR" sz="900" dirty="0" smtClean="0">
               <a:latin typeface="HY견고딕" pitchFamily="18" charset="-127"/>
               <a:ea typeface="HY견고딕" pitchFamily="18" charset="-127"/>
             </a:endParaRPr>
           </a:p>
           <a:p>
             <a:r>
-              <a:rPr lang="en-US" altLang="ko-KR" sz="1600" dirty="0" err="1">
-                <a:latin typeface="HY견고딕" pitchFamily="18" charset="-127"/>
-                <a:ea typeface="HY견고딕" pitchFamily="18" charset="-127"/>
-              </a:rPr>
-              <a:t>enum</a:t>
-            </a:r>
-            <a:r>
-              <a:rPr lang="en-US" altLang="ko-KR" sz="1600" dirty="0">
-                <a:latin typeface="HY견고딕" pitchFamily="18" charset="-127"/>
-                <a:ea typeface="HY견고딕" pitchFamily="18" charset="-127"/>
-              </a:rPr>
-              <a:t> WEEK</a:t>
-            </a:r>
-          </a:p>
-          <a:p>
-            <a:r>
-              <a:rPr lang="en-US" altLang="ko-KR" sz="1600" dirty="0">
-                <a:latin typeface="HY견고딕" pitchFamily="18" charset="-127"/>
-                <a:ea typeface="HY견고딕" pitchFamily="18" charset="-127"/>
-              </a:rPr>
-              <a:t>{</a:t>
-            </a:r>
-          </a:p>
-          <a:p>
-            <a:r>
-              <a:rPr lang="en-US" altLang="ko-KR" sz="1600" dirty="0" smtClean="0">
-                <a:latin typeface="HY견고딕" pitchFamily="18" charset="-127"/>
-                <a:ea typeface="HY견고딕" pitchFamily="18" charset="-127"/>
-              </a:rPr>
-              <a:t>	WEEK_START</a:t>
-            </a:r>
-            <a:r>
-              <a:rPr lang="en-US" altLang="ko-KR" sz="1600" dirty="0">
-                <a:latin typeface="HY견고딕" pitchFamily="18" charset="-127"/>
-                <a:ea typeface="HY견고딕" pitchFamily="18" charset="-127"/>
-              </a:rPr>
-              <a:t>,</a:t>
-            </a:r>
-          </a:p>
-          <a:p>
-            <a:r>
-              <a:rPr lang="en-US" altLang="ko-KR" sz="1600" dirty="0" smtClean="0">
-                <a:latin typeface="HY견고딕" pitchFamily="18" charset="-127"/>
-                <a:ea typeface="HY견고딕" pitchFamily="18" charset="-127"/>
-              </a:rPr>
-              <a:t>	WEEK_SUN </a:t>
-            </a:r>
-            <a:r>
-              <a:rPr lang="en-US" altLang="ko-KR" sz="1600" dirty="0">
-                <a:latin typeface="HY견고딕" pitchFamily="18" charset="-127"/>
-                <a:ea typeface="HY견고딕" pitchFamily="18" charset="-127"/>
-              </a:rPr>
-              <a:t>= 0,</a:t>
-            </a:r>
-          </a:p>
-          <a:p>
-            <a:r>
-              <a:rPr lang="en-US" altLang="ko-KR" sz="1600" dirty="0" smtClean="0">
-                <a:latin typeface="HY견고딕" pitchFamily="18" charset="-127"/>
-                <a:ea typeface="HY견고딕" pitchFamily="18" charset="-127"/>
-              </a:rPr>
-              <a:t>	WEEK_MON</a:t>
-            </a:r>
-            <a:r>
-              <a:rPr lang="en-US" altLang="ko-KR" sz="1600" dirty="0">
-                <a:latin typeface="HY견고딕" pitchFamily="18" charset="-127"/>
-                <a:ea typeface="HY견고딕" pitchFamily="18" charset="-127"/>
-              </a:rPr>
-              <a:t>,</a:t>
-            </a:r>
-          </a:p>
-          <a:p>
-            <a:r>
-              <a:rPr lang="en-US" altLang="ko-KR" sz="1600" dirty="0" smtClean="0">
-                <a:latin typeface="HY견고딕" pitchFamily="18" charset="-127"/>
-                <a:ea typeface="HY견고딕" pitchFamily="18" charset="-127"/>
-              </a:rPr>
-              <a:t>	WEEK_TUE</a:t>
-            </a:r>
-            <a:r>
-              <a:rPr lang="en-US" altLang="ko-KR" sz="1600" dirty="0">
-                <a:latin typeface="HY견고딕" pitchFamily="18" charset="-127"/>
-                <a:ea typeface="HY견고딕" pitchFamily="18" charset="-127"/>
-              </a:rPr>
-              <a:t>,</a:t>
-            </a:r>
-          </a:p>
-          <a:p>
-            <a:r>
-              <a:rPr lang="en-US" altLang="ko-KR" sz="1600" dirty="0" smtClean="0">
-                <a:latin typeface="HY견고딕" pitchFamily="18" charset="-127"/>
-                <a:ea typeface="HY견고딕" pitchFamily="18" charset="-127"/>
-              </a:rPr>
-              <a:t>	WEEK_WED</a:t>
-            </a:r>
-            <a:r>
-              <a:rPr lang="en-US" altLang="ko-KR" sz="1600" dirty="0">
-                <a:latin typeface="HY견고딕" pitchFamily="18" charset="-127"/>
-                <a:ea typeface="HY견고딕" pitchFamily="18" charset="-127"/>
-              </a:rPr>
-              <a:t>,</a:t>
-            </a:r>
-          </a:p>
-          <a:p>
-            <a:r>
-              <a:rPr lang="en-US" altLang="ko-KR" sz="1600" dirty="0" smtClean="0">
-                <a:latin typeface="HY견고딕" pitchFamily="18" charset="-127"/>
-                <a:ea typeface="HY견고딕" pitchFamily="18" charset="-127"/>
-              </a:rPr>
-              <a:t>	WEEK_THU</a:t>
-            </a:r>
-            <a:r>
-              <a:rPr lang="en-US" altLang="ko-KR" sz="1600" dirty="0">
-                <a:latin typeface="HY견고딕" pitchFamily="18" charset="-127"/>
-                <a:ea typeface="HY견고딕" pitchFamily="18" charset="-127"/>
-              </a:rPr>
-              <a:t>,</a:t>
-            </a:r>
-          </a:p>
-          <a:p>
-            <a:r>
-              <a:rPr lang="en-US" altLang="ko-KR" sz="1600" dirty="0" smtClean="0">
-                <a:latin typeface="HY견고딕" pitchFamily="18" charset="-127"/>
-                <a:ea typeface="HY견고딕" pitchFamily="18" charset="-127"/>
-              </a:rPr>
-              <a:t>	WEEK_FRI</a:t>
-            </a:r>
-            <a:r>
-              <a:rPr lang="en-US" altLang="ko-KR" sz="1600" dirty="0">
-                <a:latin typeface="HY견고딕" pitchFamily="18" charset="-127"/>
-                <a:ea typeface="HY견고딕" pitchFamily="18" charset="-127"/>
-              </a:rPr>
-              <a:t>,</a:t>
-            </a:r>
-          </a:p>
-          <a:p>
-            <a:r>
-              <a:rPr lang="en-US" altLang="ko-KR" sz="1600" dirty="0" smtClean="0">
-                <a:latin typeface="HY견고딕" pitchFamily="18" charset="-127"/>
-                <a:ea typeface="HY견고딕" pitchFamily="18" charset="-127"/>
-              </a:rPr>
-              <a:t>	WEEK_SAT</a:t>
-            </a:r>
-            <a:r>
-              <a:rPr lang="en-US" altLang="ko-KR" sz="1600" dirty="0">
-                <a:latin typeface="HY견고딕" pitchFamily="18" charset="-127"/>
-                <a:ea typeface="HY견고딕" pitchFamily="18" charset="-127"/>
-              </a:rPr>
-              <a:t>,</a:t>
-            </a:r>
-          </a:p>
-          <a:p>
-            <a:r>
-              <a:rPr lang="en-US" altLang="ko-KR" sz="1600" dirty="0" smtClean="0">
-                <a:latin typeface="HY견고딕" pitchFamily="18" charset="-127"/>
-                <a:ea typeface="HY견고딕" pitchFamily="18" charset="-127"/>
-              </a:rPr>
-              <a:t>	WEEK_END</a:t>
-            </a:r>
-            <a:endParaRPr lang="en-US" altLang="ko-KR" sz="1600" dirty="0">
+              <a:rPr lang="en-US" altLang="ko-KR" sz="900" dirty="0">
+                <a:latin typeface="HY견고딕" pitchFamily="18" charset="-127"/>
+                <a:ea typeface="HY견고딕" pitchFamily="18" charset="-127"/>
+              </a:rPr>
+              <a:t>#include &lt;</a:t>
+            </a:r>
+            <a:r>
+              <a:rPr lang="en-US" altLang="ko-KR" sz="900" dirty="0" err="1">
+                <a:latin typeface="HY견고딕" pitchFamily="18" charset="-127"/>
+                <a:ea typeface="HY견고딕" pitchFamily="18" charset="-127"/>
+              </a:rPr>
+              <a:t>iostream</a:t>
+            </a:r>
+            <a:r>
+              <a:rPr lang="en-US" altLang="ko-KR" sz="900" dirty="0">
+                <a:latin typeface="HY견고딕" pitchFamily="18" charset="-127"/>
+                <a:ea typeface="HY견고딕" pitchFamily="18" charset="-127"/>
+              </a:rPr>
+              <a:t>&gt;</a:t>
+            </a:r>
+          </a:p>
+          <a:p>
+            <a:r>
+              <a:rPr lang="en-US" altLang="ko-KR" sz="900" dirty="0">
+                <a:latin typeface="HY견고딕" pitchFamily="18" charset="-127"/>
+                <a:ea typeface="HY견고딕" pitchFamily="18" charset="-127"/>
+              </a:rPr>
+              <a:t>using namespace </a:t>
+            </a:r>
+            <a:r>
+              <a:rPr lang="en-US" altLang="ko-KR" sz="900" dirty="0" err="1">
+                <a:latin typeface="HY견고딕" pitchFamily="18" charset="-127"/>
+                <a:ea typeface="HY견고딕" pitchFamily="18" charset="-127"/>
+              </a:rPr>
+              <a:t>std</a:t>
+            </a:r>
+            <a:r>
+              <a:rPr lang="en-US" altLang="ko-KR" sz="900" dirty="0" smtClean="0">
+                <a:latin typeface="HY견고딕" pitchFamily="18" charset="-127"/>
+                <a:ea typeface="HY견고딕" pitchFamily="18" charset="-127"/>
+              </a:rPr>
+              <a:t>;</a:t>
+            </a:r>
+            <a:endParaRPr lang="ko-KR" altLang="en-US" sz="900" dirty="0">
               <a:latin typeface="HY견고딕" pitchFamily="18" charset="-127"/>
               <a:ea typeface="HY견고딕" pitchFamily="18" charset="-127"/>
             </a:endParaRPr>
           </a:p>
           <a:p>
             <a:r>
-              <a:rPr lang="en-US" altLang="ko-KR" sz="1600" dirty="0">
-                <a:latin typeface="HY견고딕" pitchFamily="18" charset="-127"/>
-                <a:ea typeface="HY견고딕" pitchFamily="18" charset="-127"/>
-              </a:rPr>
-              <a:t>};</a:t>
-            </a:r>
-          </a:p>
-          <a:p>
-            <a:endParaRPr lang="ko-KR" altLang="en-US" sz="1600" dirty="0">
+              <a:rPr lang="en-US" altLang="ko-KR" sz="900" dirty="0" err="1">
+                <a:latin typeface="HY견고딕" pitchFamily="18" charset="-127"/>
+                <a:ea typeface="HY견고딕" pitchFamily="18" charset="-127"/>
+              </a:rPr>
+              <a:t>enum</a:t>
+            </a:r>
+            <a:r>
+              <a:rPr lang="en-US" altLang="ko-KR" sz="900" dirty="0">
+                <a:latin typeface="HY견고딕" pitchFamily="18" charset="-127"/>
+                <a:ea typeface="HY견고딕" pitchFamily="18" charset="-127"/>
+              </a:rPr>
+              <a:t> WEAPON_TYPE</a:t>
+            </a:r>
+          </a:p>
+          <a:p>
+            <a:r>
+              <a:rPr lang="en-US" altLang="ko-KR" sz="900" dirty="0">
+                <a:latin typeface="HY견고딕" pitchFamily="18" charset="-127"/>
+                <a:ea typeface="HY견고딕" pitchFamily="18" charset="-127"/>
+              </a:rPr>
+              <a:t>{</a:t>
+            </a:r>
+          </a:p>
+          <a:p>
+            <a:r>
+              <a:rPr lang="en-US" altLang="ko-KR" sz="900" dirty="0" smtClean="0">
+                <a:latin typeface="HY견고딕" pitchFamily="18" charset="-127"/>
+                <a:ea typeface="HY견고딕" pitchFamily="18" charset="-127"/>
+              </a:rPr>
+              <a:t>	START,</a:t>
+            </a:r>
+            <a:endParaRPr lang="en-US" altLang="ko-KR" sz="900" dirty="0">
               <a:latin typeface="HY견고딕" pitchFamily="18" charset="-127"/>
               <a:ea typeface="HY견고딕" pitchFamily="18" charset="-127"/>
             </a:endParaRPr>
           </a:p>
           <a:p>
             <a:r>
-              <a:rPr lang="en-US" altLang="ko-KR" sz="1600" dirty="0">
-                <a:latin typeface="HY견고딕" pitchFamily="18" charset="-127"/>
-                <a:ea typeface="HY견고딕" pitchFamily="18" charset="-127"/>
-              </a:rPr>
-              <a:t>void main()</a:t>
-            </a:r>
-          </a:p>
-          <a:p>
-            <a:r>
-              <a:rPr lang="en-US" altLang="ko-KR" sz="1600" dirty="0">
-                <a:latin typeface="HY견고딕" pitchFamily="18" charset="-127"/>
-                <a:ea typeface="HY견고딕" pitchFamily="18" charset="-127"/>
-              </a:rPr>
-              <a:t>{</a:t>
-            </a:r>
-          </a:p>
-          <a:p>
-            <a:r>
-              <a:rPr lang="en-US" altLang="ko-KR" sz="1600" dirty="0" smtClean="0">
-                <a:latin typeface="HY견고딕" pitchFamily="18" charset="-127"/>
-                <a:ea typeface="HY견고딕" pitchFamily="18" charset="-127"/>
-              </a:rPr>
-              <a:t>	for </a:t>
-            </a:r>
-            <a:r>
-              <a:rPr lang="en-US" altLang="ko-KR" sz="1600" dirty="0">
-                <a:latin typeface="HY견고딕" pitchFamily="18" charset="-127"/>
-                <a:ea typeface="HY견고딕" pitchFamily="18" charset="-127"/>
-              </a:rPr>
-              <a:t>(</a:t>
-            </a:r>
-            <a:r>
-              <a:rPr lang="en-US" altLang="ko-KR" sz="1600" dirty="0" err="1">
-                <a:latin typeface="HY견고딕" pitchFamily="18" charset="-127"/>
-                <a:ea typeface="HY견고딕" pitchFamily="18" charset="-127"/>
-              </a:rPr>
-              <a:t>int</a:t>
-            </a:r>
-            <a:r>
-              <a:rPr lang="en-US" altLang="ko-KR" sz="1600" dirty="0">
-                <a:latin typeface="HY견고딕" pitchFamily="18" charset="-127"/>
-                <a:ea typeface="HY견고딕" pitchFamily="18" charset="-127"/>
-              </a:rPr>
-              <a:t> day = WEEK_START; day != WEEK_END; day</a:t>
-            </a:r>
-            <a:r>
-              <a:rPr lang="en-US" altLang="ko-KR" sz="1600" dirty="0" smtClean="0">
-                <a:latin typeface="HY견고딕" pitchFamily="18" charset="-127"/>
-                <a:ea typeface="HY견고딕" pitchFamily="18" charset="-127"/>
-              </a:rPr>
-              <a:t>++)</a:t>
-            </a:r>
-            <a:endParaRPr lang="en-US" altLang="ko-KR" sz="1600" dirty="0">
+              <a:rPr lang="en-US" altLang="ko-KR" sz="900" dirty="0" smtClean="0">
+                <a:latin typeface="HY견고딕" pitchFamily="18" charset="-127"/>
+                <a:ea typeface="HY견고딕" pitchFamily="18" charset="-127"/>
+              </a:rPr>
+              <a:t>	SWORD = 0,</a:t>
+            </a:r>
+            <a:endParaRPr lang="en-US" altLang="ko-KR" sz="900" dirty="0">
               <a:latin typeface="HY견고딕" pitchFamily="18" charset="-127"/>
               <a:ea typeface="HY견고딕" pitchFamily="18" charset="-127"/>
             </a:endParaRPr>
           </a:p>
           <a:p>
             <a:r>
-              <a:rPr lang="en-US" altLang="ko-KR" sz="1600" dirty="0" smtClean="0">
-                <a:latin typeface="HY견고딕" pitchFamily="18" charset="-127"/>
-                <a:ea typeface="HY견고딕" pitchFamily="18" charset="-127"/>
-              </a:rPr>
-              <a:t>		</a:t>
-            </a:r>
-            <a:r>
-              <a:rPr lang="en-US" altLang="ko-KR" sz="1600" dirty="0" err="1" smtClean="0">
-                <a:latin typeface="HY견고딕" pitchFamily="18" charset="-127"/>
-                <a:ea typeface="HY견고딕" pitchFamily="18" charset="-127"/>
-              </a:rPr>
-              <a:t>cout</a:t>
-            </a:r>
-            <a:r>
-              <a:rPr lang="en-US" altLang="ko-KR" sz="1600" dirty="0" smtClean="0">
-                <a:latin typeface="HY견고딕" pitchFamily="18" charset="-127"/>
-                <a:ea typeface="HY견고딕" pitchFamily="18" charset="-127"/>
-              </a:rPr>
-              <a:t> </a:t>
-            </a:r>
-            <a:r>
-              <a:rPr lang="en-US" altLang="ko-KR" sz="1600" dirty="0">
-                <a:latin typeface="HY견고딕" pitchFamily="18" charset="-127"/>
-                <a:ea typeface="HY견고딕" pitchFamily="18" charset="-127"/>
-              </a:rPr>
-              <a:t>&lt;&lt; day &lt;&lt; </a:t>
-            </a:r>
-            <a:r>
-              <a:rPr lang="en-US" altLang="ko-KR" sz="1600" dirty="0" err="1">
-                <a:latin typeface="HY견고딕" pitchFamily="18" charset="-127"/>
-                <a:ea typeface="HY견고딕" pitchFamily="18" charset="-127"/>
-              </a:rPr>
-              <a:t>endl</a:t>
-            </a:r>
-            <a:r>
-              <a:rPr lang="en-US" altLang="ko-KR" sz="1600" dirty="0" smtClean="0">
-                <a:latin typeface="HY견고딕" pitchFamily="18" charset="-127"/>
-                <a:ea typeface="HY견고딕" pitchFamily="18" charset="-127"/>
-              </a:rPr>
-              <a:t>;</a:t>
-            </a:r>
-            <a:endParaRPr lang="en-US" altLang="ko-KR" sz="1600" dirty="0">
+              <a:rPr lang="en-US" altLang="ko-KR" sz="900" dirty="0" smtClean="0">
+                <a:latin typeface="HY견고딕" pitchFamily="18" charset="-127"/>
+                <a:ea typeface="HY견고딕" pitchFamily="18" charset="-127"/>
+              </a:rPr>
+              <a:t>	WAND</a:t>
+            </a:r>
+            <a:r>
+              <a:rPr lang="en-US" altLang="ko-KR" sz="900" dirty="0">
+                <a:latin typeface="HY견고딕" pitchFamily="18" charset="-127"/>
+                <a:ea typeface="HY견고딕" pitchFamily="18" charset="-127"/>
+              </a:rPr>
+              <a:t>,</a:t>
+            </a:r>
+          </a:p>
+          <a:p>
+            <a:r>
+              <a:rPr lang="en-US" altLang="ko-KR" sz="900" dirty="0" smtClean="0">
+                <a:latin typeface="HY견고딕" pitchFamily="18" charset="-127"/>
+                <a:ea typeface="HY견고딕" pitchFamily="18" charset="-127"/>
+              </a:rPr>
+              <a:t>	BOW</a:t>
+            </a:r>
+            <a:r>
+              <a:rPr lang="en-US" altLang="ko-KR" sz="900" dirty="0">
+                <a:latin typeface="HY견고딕" pitchFamily="18" charset="-127"/>
+                <a:ea typeface="HY견고딕" pitchFamily="18" charset="-127"/>
+              </a:rPr>
+              <a:t>,</a:t>
+            </a:r>
+          </a:p>
+          <a:p>
+            <a:r>
+              <a:rPr lang="en-US" altLang="ko-KR" sz="900" dirty="0" smtClean="0">
+                <a:latin typeface="HY견고딕" pitchFamily="18" charset="-127"/>
+                <a:ea typeface="HY견고딕" pitchFamily="18" charset="-127"/>
+              </a:rPr>
+              <a:t>	HAMMER</a:t>
+            </a:r>
+            <a:r>
+              <a:rPr lang="en-US" altLang="ko-KR" sz="900" dirty="0">
+                <a:latin typeface="HY견고딕" pitchFamily="18" charset="-127"/>
+                <a:ea typeface="HY견고딕" pitchFamily="18" charset="-127"/>
+              </a:rPr>
+              <a:t>,</a:t>
+            </a:r>
+          </a:p>
+          <a:p>
+            <a:r>
+              <a:rPr lang="en-US" altLang="ko-KR" sz="900" dirty="0" smtClean="0">
+                <a:latin typeface="HY견고딕" pitchFamily="18" charset="-127"/>
+                <a:ea typeface="HY견고딕" pitchFamily="18" charset="-127"/>
+              </a:rPr>
+              <a:t>	AXE,</a:t>
+            </a:r>
+            <a:endParaRPr lang="en-US" altLang="ko-KR" sz="900" dirty="0">
               <a:latin typeface="HY견고딕" pitchFamily="18" charset="-127"/>
               <a:ea typeface="HY견고딕" pitchFamily="18" charset="-127"/>
             </a:endParaRPr>
           </a:p>
           <a:p>
             <a:r>
-              <a:rPr lang="en-US" altLang="ko-KR" sz="1600" dirty="0">
-                <a:latin typeface="HY견고딕" pitchFamily="18" charset="-127"/>
-                <a:ea typeface="HY견고딕" pitchFamily="18" charset="-127"/>
-              </a:rPr>
-              <a:t>}</a:t>
-            </a:r>
-            <a:endParaRPr lang="ko-KR" altLang="en-US" sz="1600" dirty="0">
+              <a:rPr lang="en-US" altLang="ko-KR" sz="900" dirty="0" smtClean="0">
+                <a:latin typeface="HY견고딕" pitchFamily="18" charset="-127"/>
+                <a:ea typeface="HY견고딕" pitchFamily="18" charset="-127"/>
+              </a:rPr>
+              <a:t>	CLAW</a:t>
+            </a:r>
+            <a:r>
+              <a:rPr lang="en-US" altLang="ko-KR" sz="900" dirty="0">
+                <a:latin typeface="HY견고딕" pitchFamily="18" charset="-127"/>
+                <a:ea typeface="HY견고딕" pitchFamily="18" charset="-127"/>
+              </a:rPr>
+              <a:t>,</a:t>
+            </a:r>
+          </a:p>
+          <a:p>
+            <a:r>
+              <a:rPr lang="en-US" altLang="ko-KR" sz="900" dirty="0" smtClean="0">
+                <a:latin typeface="HY견고딕" pitchFamily="18" charset="-127"/>
+                <a:ea typeface="HY견고딕" pitchFamily="18" charset="-127"/>
+              </a:rPr>
+              <a:t>	DAGGER</a:t>
+            </a:r>
+            <a:r>
+              <a:rPr lang="en-US" altLang="ko-KR" sz="900" dirty="0">
+                <a:latin typeface="HY견고딕" pitchFamily="18" charset="-127"/>
+                <a:ea typeface="HY견고딕" pitchFamily="18" charset="-127"/>
+              </a:rPr>
+              <a:t>,</a:t>
+            </a:r>
+          </a:p>
+          <a:p>
+            <a:r>
+              <a:rPr lang="en-US" altLang="ko-KR" sz="900" dirty="0" smtClean="0">
+                <a:latin typeface="HY견고딕" pitchFamily="18" charset="-127"/>
+                <a:ea typeface="HY견고딕" pitchFamily="18" charset="-127"/>
+              </a:rPr>
+              <a:t>	END</a:t>
+            </a:r>
+            <a:endParaRPr lang="en-US" altLang="ko-KR" sz="900" dirty="0">
               <a:latin typeface="HY견고딕" pitchFamily="18" charset="-127"/>
               <a:ea typeface="HY견고딕" pitchFamily="18" charset="-127"/>
             </a:endParaRPr>
           </a:p>
-        </p:txBody>
-      </p:sp>
-      <p:sp>
-        <p:nvSpPr>
-          <p:cNvPr id="6" name="직사각형 5"/>
-          <p:cNvSpPr/>
-          <p:nvPr/>
-        </p:nvSpPr>
-        <p:spPr>
-          <a:xfrm>
-            <a:off x="6102481" y="3743844"/>
-            <a:ext cx="1152128" cy="792088"/>
-          </a:xfrm>
-          <a:prstGeom prst="rect">
-            <a:avLst/>
-          </a:prstGeom>
-          <a:noFill/>
-        </p:spPr>
-        <p:style>
-          <a:lnRef idx="2">
-            <a:schemeClr val="accent1">
-              <a:shade val="50000"/>
-            </a:schemeClr>
-          </a:lnRef>
-          <a:fillRef idx="1">
-            <a:schemeClr val="accent1"/>
-          </a:fillRef>
-          <a:effectRef idx="0">
-            <a:schemeClr val="accent1"/>
-          </a:effectRef>
-          <a:fontRef idx="minor">
-            <a:schemeClr val="lt1"/>
-          </a:fontRef>
-        </p:style>
-        <p:txBody>
-          <a:bodyPr rtlCol="0" anchor="ctr"/>
-          <a:lstStyle/>
-          <a:p>
-            <a:pPr algn="ctr"/>
-            <a:endParaRPr lang="ko-KR" altLang="en-US" sz="2800" dirty="0">
-              <a:solidFill>
-                <a:schemeClr val="tx1"/>
-              </a:solidFill>
-              <a:latin typeface="HY강B" pitchFamily="18" charset="-127"/>
-              <a:ea typeface="HY강B" pitchFamily="18" charset="-127"/>
-            </a:endParaRPr>
-          </a:p>
-        </p:txBody>
-      </p:sp>
-      <p:sp>
-        <p:nvSpPr>
-          <p:cNvPr id="18" name="직사각형 17"/>
-          <p:cNvSpPr/>
-          <p:nvPr/>
-        </p:nvSpPr>
-        <p:spPr>
-          <a:xfrm>
-            <a:off x="6254881" y="4419919"/>
-            <a:ext cx="855712" cy="396044"/>
-          </a:xfrm>
-          <a:prstGeom prst="rect">
-            <a:avLst/>
-          </a:prstGeom>
-          <a:solidFill>
-            <a:schemeClr val="bg1"/>
-          </a:solidFill>
-        </p:spPr>
-        <p:style>
-          <a:lnRef idx="2">
-            <a:schemeClr val="accent1">
-              <a:shade val="50000"/>
-            </a:schemeClr>
-          </a:lnRef>
-          <a:fillRef idx="1">
-            <a:schemeClr val="accent1"/>
-          </a:fillRef>
-          <a:effectRef idx="0">
-            <a:schemeClr val="accent1"/>
-          </a:effectRef>
-          <a:fontRef idx="minor">
-            <a:schemeClr val="lt1"/>
-          </a:fontRef>
-        </p:style>
-        <p:txBody>
-          <a:bodyPr rtlCol="0" anchor="ctr"/>
-          <a:lstStyle/>
-          <a:p>
-            <a:pPr algn="ctr"/>
-            <a:r>
-              <a:rPr lang="en-US" altLang="ko-KR" sz="1400" dirty="0" smtClean="0">
-                <a:solidFill>
-                  <a:schemeClr val="tx1"/>
-                </a:solidFill>
-                <a:latin typeface="HY견고딕" pitchFamily="18" charset="-127"/>
-                <a:ea typeface="HY견고딕" pitchFamily="18" charset="-127"/>
-              </a:rPr>
-              <a:t>day</a:t>
-            </a:r>
-            <a:endParaRPr lang="ko-KR" altLang="en-US" sz="1400" dirty="0">
-              <a:solidFill>
-                <a:schemeClr val="tx1"/>
-              </a:solidFill>
+          <a:p>
+            <a:r>
+              <a:rPr lang="en-US" altLang="ko-KR" sz="900" dirty="0">
+                <a:latin typeface="HY견고딕" pitchFamily="18" charset="-127"/>
+                <a:ea typeface="HY견고딕" pitchFamily="18" charset="-127"/>
+              </a:rPr>
+              <a:t>};</a:t>
+            </a:r>
+          </a:p>
+          <a:p>
+            <a:endParaRPr lang="ko-KR" altLang="en-US" sz="900" dirty="0">
               <a:latin typeface="HY견고딕" pitchFamily="18" charset="-127"/>
               <a:ea typeface="HY견고딕" pitchFamily="18" charset="-127"/>
             </a:endParaRPr>
           </a:p>
-        </p:txBody>
-      </p:sp>
-      <p:sp>
-        <p:nvSpPr>
-          <p:cNvPr id="7" name="TextBox 6"/>
-          <p:cNvSpPr txBox="1"/>
-          <p:nvPr/>
-        </p:nvSpPr>
-        <p:spPr>
-          <a:xfrm>
-            <a:off x="6494039" y="3397618"/>
-            <a:ext cx="447558" cy="307777"/>
-          </a:xfrm>
-          <a:prstGeom prst="rect">
-            <a:avLst/>
-          </a:prstGeom>
-          <a:noFill/>
-        </p:spPr>
-        <p:txBody>
-          <a:bodyPr wrap="none" rtlCol="0">
-            <a:spAutoFit/>
-          </a:bodyPr>
-          <a:lstStyle/>
-          <a:p>
-            <a:r>
-              <a:rPr lang="en-US" altLang="ko-KR" sz="1400" dirty="0" err="1" smtClean="0">
-                <a:latin typeface="HY견고딕" pitchFamily="18" charset="-127"/>
-                <a:ea typeface="HY견고딕" pitchFamily="18" charset="-127"/>
-              </a:rPr>
-              <a:t>int</a:t>
-            </a:r>
-            <a:endParaRPr lang="ko-KR" altLang="en-US" sz="1400" dirty="0">
+          <a:p>
+            <a:r>
+              <a:rPr lang="en-US" altLang="ko-KR" sz="900" dirty="0">
+                <a:latin typeface="HY견고딕" pitchFamily="18" charset="-127"/>
+                <a:ea typeface="HY견고딕" pitchFamily="18" charset="-127"/>
+              </a:rPr>
+              <a:t>void </a:t>
+            </a:r>
+            <a:r>
+              <a:rPr lang="en-US" altLang="ko-KR" sz="900" dirty="0" err="1">
+                <a:latin typeface="HY견고딕" pitchFamily="18" charset="-127"/>
+                <a:ea typeface="HY견고딕" pitchFamily="18" charset="-127"/>
+              </a:rPr>
+              <a:t>PrintWeapon</a:t>
+            </a:r>
+            <a:r>
+              <a:rPr lang="en-US" altLang="ko-KR" sz="900" dirty="0">
+                <a:latin typeface="HY견고딕" pitchFamily="18" charset="-127"/>
+                <a:ea typeface="HY견고딕" pitchFamily="18" charset="-127"/>
+              </a:rPr>
+              <a:t>(WEAPON_TYPE weapon)</a:t>
+            </a:r>
+          </a:p>
+          <a:p>
+            <a:r>
+              <a:rPr lang="en-US" altLang="ko-KR" sz="900" dirty="0">
+                <a:latin typeface="HY견고딕" pitchFamily="18" charset="-127"/>
+                <a:ea typeface="HY견고딕" pitchFamily="18" charset="-127"/>
+              </a:rPr>
+              <a:t>{</a:t>
+            </a:r>
+          </a:p>
+          <a:p>
+            <a:r>
+              <a:rPr lang="en-US" altLang="ko-KR" sz="900" dirty="0" smtClean="0">
+                <a:latin typeface="HY견고딕" pitchFamily="18" charset="-127"/>
+                <a:ea typeface="HY견고딕" pitchFamily="18" charset="-127"/>
+              </a:rPr>
+              <a:t>	switch </a:t>
+            </a:r>
+            <a:r>
+              <a:rPr lang="en-US" altLang="ko-KR" sz="900" dirty="0">
+                <a:latin typeface="HY견고딕" pitchFamily="18" charset="-127"/>
+                <a:ea typeface="HY견고딕" pitchFamily="18" charset="-127"/>
+              </a:rPr>
+              <a:t>(weapon)</a:t>
+            </a:r>
+          </a:p>
+          <a:p>
+            <a:r>
+              <a:rPr lang="en-US" altLang="ko-KR" sz="900" dirty="0" smtClean="0">
+                <a:latin typeface="HY견고딕" pitchFamily="18" charset="-127"/>
+                <a:ea typeface="HY견고딕" pitchFamily="18" charset="-127"/>
+              </a:rPr>
+              <a:t>	{</a:t>
+            </a:r>
+            <a:endParaRPr lang="en-US" altLang="ko-KR" sz="900" dirty="0">
+              <a:latin typeface="HY견고딕" pitchFamily="18" charset="-127"/>
+              <a:ea typeface="HY견고딕" pitchFamily="18" charset="-127"/>
+            </a:endParaRPr>
+          </a:p>
+          <a:p>
+            <a:r>
+              <a:rPr lang="en-US" altLang="ko-KR" sz="900" dirty="0" smtClean="0">
+                <a:latin typeface="HY견고딕" pitchFamily="18" charset="-127"/>
+                <a:ea typeface="HY견고딕" pitchFamily="18" charset="-127"/>
+              </a:rPr>
+              <a:t>	case </a:t>
+            </a:r>
+            <a:r>
+              <a:rPr lang="en-US" altLang="ko-KR" sz="900" dirty="0">
+                <a:latin typeface="HY견고딕" pitchFamily="18" charset="-127"/>
+                <a:ea typeface="HY견고딕" pitchFamily="18" charset="-127"/>
+              </a:rPr>
+              <a:t>SWORD:</a:t>
+            </a:r>
+          </a:p>
+          <a:p>
+            <a:r>
+              <a:rPr lang="en-US" altLang="ko-KR" sz="900" dirty="0" smtClean="0">
+                <a:latin typeface="HY견고딕" pitchFamily="18" charset="-127"/>
+                <a:ea typeface="HY견고딕" pitchFamily="18" charset="-127"/>
+              </a:rPr>
+              <a:t>		</a:t>
+            </a:r>
+            <a:r>
+              <a:rPr lang="en-US" altLang="ko-KR" sz="900" dirty="0" err="1" smtClean="0">
+                <a:latin typeface="HY견고딕" pitchFamily="18" charset="-127"/>
+                <a:ea typeface="HY견고딕" pitchFamily="18" charset="-127"/>
+              </a:rPr>
+              <a:t>cout</a:t>
+            </a:r>
+            <a:r>
+              <a:rPr lang="en-US" altLang="ko-KR" sz="900" dirty="0" smtClean="0">
+                <a:latin typeface="HY견고딕" pitchFamily="18" charset="-127"/>
+                <a:ea typeface="HY견고딕" pitchFamily="18" charset="-127"/>
+              </a:rPr>
+              <a:t> </a:t>
+            </a:r>
+            <a:r>
+              <a:rPr lang="en-US" altLang="ko-KR" sz="900" dirty="0">
+                <a:latin typeface="HY견고딕" pitchFamily="18" charset="-127"/>
+                <a:ea typeface="HY견고딕" pitchFamily="18" charset="-127"/>
+              </a:rPr>
+              <a:t>&lt;&lt; "</a:t>
+            </a:r>
+            <a:r>
+              <a:rPr lang="ko-KR" altLang="en-US" sz="900" dirty="0">
+                <a:latin typeface="HY견고딕" pitchFamily="18" charset="-127"/>
+                <a:ea typeface="HY견고딕" pitchFamily="18" charset="-127"/>
+              </a:rPr>
+              <a:t>장검</a:t>
+            </a:r>
+            <a:r>
+              <a:rPr lang="en-US" altLang="ko-KR" sz="900" dirty="0">
+                <a:latin typeface="HY견고딕" pitchFamily="18" charset="-127"/>
+                <a:ea typeface="HY견고딕" pitchFamily="18" charset="-127"/>
+              </a:rPr>
+              <a:t>"</a:t>
+            </a:r>
+            <a:r>
+              <a:rPr lang="ko-KR" altLang="en-US" sz="900" dirty="0">
+                <a:latin typeface="HY견고딕" pitchFamily="18" charset="-127"/>
+                <a:ea typeface="HY견고딕" pitchFamily="18" charset="-127"/>
+              </a:rPr>
+              <a:t> </a:t>
+            </a:r>
+            <a:r>
+              <a:rPr lang="en-US" altLang="ko-KR" sz="900" dirty="0">
+                <a:latin typeface="HY견고딕" pitchFamily="18" charset="-127"/>
+                <a:ea typeface="HY견고딕" pitchFamily="18" charset="-127"/>
+              </a:rPr>
+              <a:t>&lt;&lt;</a:t>
+            </a:r>
+            <a:r>
+              <a:rPr lang="ko-KR" altLang="en-US" sz="900" dirty="0">
+                <a:latin typeface="HY견고딕" pitchFamily="18" charset="-127"/>
+                <a:ea typeface="HY견고딕" pitchFamily="18" charset="-127"/>
+              </a:rPr>
+              <a:t> </a:t>
+            </a:r>
+            <a:r>
+              <a:rPr lang="en-US" altLang="ko-KR" sz="900" dirty="0" err="1">
+                <a:latin typeface="HY견고딕" pitchFamily="18" charset="-127"/>
+                <a:ea typeface="HY견고딕" pitchFamily="18" charset="-127"/>
+              </a:rPr>
+              <a:t>endl</a:t>
+            </a:r>
+            <a:r>
+              <a:rPr lang="en-US" altLang="ko-KR" sz="900" dirty="0">
+                <a:latin typeface="HY견고딕" pitchFamily="18" charset="-127"/>
+                <a:ea typeface="HY견고딕" pitchFamily="18" charset="-127"/>
+              </a:rPr>
+              <a:t>;</a:t>
+            </a:r>
+          </a:p>
+          <a:p>
+            <a:r>
+              <a:rPr lang="en-US" altLang="ko-KR" sz="900" dirty="0" smtClean="0">
+                <a:latin typeface="HY견고딕" pitchFamily="18" charset="-127"/>
+                <a:ea typeface="HY견고딕" pitchFamily="18" charset="-127"/>
+              </a:rPr>
+              <a:t>		break</a:t>
+            </a:r>
+            <a:r>
+              <a:rPr lang="en-US" altLang="ko-KR" sz="900" dirty="0">
+                <a:latin typeface="HY견고딕" pitchFamily="18" charset="-127"/>
+                <a:ea typeface="HY견고딕" pitchFamily="18" charset="-127"/>
+              </a:rPr>
+              <a:t>;</a:t>
+            </a:r>
+          </a:p>
+          <a:p>
+            <a:r>
+              <a:rPr lang="en-US" altLang="ko-KR" sz="900" dirty="0" smtClean="0">
+                <a:latin typeface="HY견고딕" pitchFamily="18" charset="-127"/>
+                <a:ea typeface="HY견고딕" pitchFamily="18" charset="-127"/>
+              </a:rPr>
+              <a:t>	case </a:t>
+            </a:r>
+            <a:r>
+              <a:rPr lang="en-US" altLang="ko-KR" sz="900" dirty="0">
+                <a:latin typeface="HY견고딕" pitchFamily="18" charset="-127"/>
+                <a:ea typeface="HY견고딕" pitchFamily="18" charset="-127"/>
+              </a:rPr>
+              <a:t>WAND:</a:t>
+            </a:r>
+          </a:p>
+          <a:p>
+            <a:r>
+              <a:rPr lang="en-US" altLang="ko-KR" sz="900" dirty="0" smtClean="0">
+                <a:latin typeface="HY견고딕" pitchFamily="18" charset="-127"/>
+                <a:ea typeface="HY견고딕" pitchFamily="18" charset="-127"/>
+              </a:rPr>
+              <a:t>		</a:t>
+            </a:r>
+            <a:r>
+              <a:rPr lang="en-US" altLang="ko-KR" sz="900" dirty="0" err="1" smtClean="0">
+                <a:latin typeface="HY견고딕" pitchFamily="18" charset="-127"/>
+                <a:ea typeface="HY견고딕" pitchFamily="18" charset="-127"/>
+              </a:rPr>
+              <a:t>cout</a:t>
+            </a:r>
+            <a:r>
+              <a:rPr lang="en-US" altLang="ko-KR" sz="900" dirty="0" smtClean="0">
+                <a:latin typeface="HY견고딕" pitchFamily="18" charset="-127"/>
+                <a:ea typeface="HY견고딕" pitchFamily="18" charset="-127"/>
+              </a:rPr>
+              <a:t> </a:t>
+            </a:r>
+            <a:r>
+              <a:rPr lang="en-US" altLang="ko-KR" sz="900" dirty="0">
+                <a:latin typeface="HY견고딕" pitchFamily="18" charset="-127"/>
+                <a:ea typeface="HY견고딕" pitchFamily="18" charset="-127"/>
+              </a:rPr>
+              <a:t>&lt;&lt; "</a:t>
+            </a:r>
+            <a:r>
+              <a:rPr lang="ko-KR" altLang="en-US" sz="900" dirty="0">
+                <a:latin typeface="HY견고딕" pitchFamily="18" charset="-127"/>
+                <a:ea typeface="HY견고딕" pitchFamily="18" charset="-127"/>
+              </a:rPr>
+              <a:t>지팡이</a:t>
+            </a:r>
+            <a:r>
+              <a:rPr lang="en-US" altLang="ko-KR" sz="900" dirty="0">
+                <a:latin typeface="HY견고딕" pitchFamily="18" charset="-127"/>
+                <a:ea typeface="HY견고딕" pitchFamily="18" charset="-127"/>
+              </a:rPr>
+              <a:t>"</a:t>
+            </a:r>
+            <a:r>
+              <a:rPr lang="ko-KR" altLang="en-US" sz="900" dirty="0">
+                <a:latin typeface="HY견고딕" pitchFamily="18" charset="-127"/>
+                <a:ea typeface="HY견고딕" pitchFamily="18" charset="-127"/>
+              </a:rPr>
+              <a:t> </a:t>
+            </a:r>
+            <a:r>
+              <a:rPr lang="en-US" altLang="ko-KR" sz="900" dirty="0">
+                <a:latin typeface="HY견고딕" pitchFamily="18" charset="-127"/>
+                <a:ea typeface="HY견고딕" pitchFamily="18" charset="-127"/>
+              </a:rPr>
+              <a:t>&lt;&lt;</a:t>
+            </a:r>
+            <a:r>
+              <a:rPr lang="ko-KR" altLang="en-US" sz="900" dirty="0">
+                <a:latin typeface="HY견고딕" pitchFamily="18" charset="-127"/>
+                <a:ea typeface="HY견고딕" pitchFamily="18" charset="-127"/>
+              </a:rPr>
+              <a:t> </a:t>
+            </a:r>
+            <a:r>
+              <a:rPr lang="en-US" altLang="ko-KR" sz="900" dirty="0" err="1">
+                <a:latin typeface="HY견고딕" pitchFamily="18" charset="-127"/>
+                <a:ea typeface="HY견고딕" pitchFamily="18" charset="-127"/>
+              </a:rPr>
+              <a:t>endl</a:t>
+            </a:r>
+            <a:r>
+              <a:rPr lang="en-US" altLang="ko-KR" sz="900" dirty="0">
+                <a:latin typeface="HY견고딕" pitchFamily="18" charset="-127"/>
+                <a:ea typeface="HY견고딕" pitchFamily="18" charset="-127"/>
+              </a:rPr>
+              <a:t>;</a:t>
+            </a:r>
+          </a:p>
+          <a:p>
+            <a:r>
+              <a:rPr lang="en-US" altLang="ko-KR" sz="900" dirty="0" smtClean="0">
+                <a:latin typeface="HY견고딕" pitchFamily="18" charset="-127"/>
+                <a:ea typeface="HY견고딕" pitchFamily="18" charset="-127"/>
+              </a:rPr>
+              <a:t>		break</a:t>
+            </a:r>
+            <a:r>
+              <a:rPr lang="en-US" altLang="ko-KR" sz="900" dirty="0">
+                <a:latin typeface="HY견고딕" pitchFamily="18" charset="-127"/>
+                <a:ea typeface="HY견고딕" pitchFamily="18" charset="-127"/>
+              </a:rPr>
+              <a:t>;</a:t>
+            </a:r>
+          </a:p>
+          <a:p>
+            <a:r>
+              <a:rPr lang="en-US" altLang="ko-KR" sz="900" dirty="0" smtClean="0">
+                <a:latin typeface="HY견고딕" pitchFamily="18" charset="-127"/>
+                <a:ea typeface="HY견고딕" pitchFamily="18" charset="-127"/>
+              </a:rPr>
+              <a:t>	case </a:t>
+            </a:r>
+            <a:r>
+              <a:rPr lang="en-US" altLang="ko-KR" sz="900" dirty="0">
+                <a:latin typeface="HY견고딕" pitchFamily="18" charset="-127"/>
+                <a:ea typeface="HY견고딕" pitchFamily="18" charset="-127"/>
+              </a:rPr>
+              <a:t>BOW:</a:t>
+            </a:r>
+          </a:p>
+          <a:p>
+            <a:r>
+              <a:rPr lang="en-US" altLang="ko-KR" sz="900" dirty="0" smtClean="0">
+                <a:latin typeface="HY견고딕" pitchFamily="18" charset="-127"/>
+                <a:ea typeface="HY견고딕" pitchFamily="18" charset="-127"/>
+              </a:rPr>
+              <a:t>		</a:t>
+            </a:r>
+            <a:r>
+              <a:rPr lang="en-US" altLang="ko-KR" sz="900" dirty="0" err="1" smtClean="0">
+                <a:latin typeface="HY견고딕" pitchFamily="18" charset="-127"/>
+                <a:ea typeface="HY견고딕" pitchFamily="18" charset="-127"/>
+              </a:rPr>
+              <a:t>cout</a:t>
+            </a:r>
+            <a:r>
+              <a:rPr lang="en-US" altLang="ko-KR" sz="900" dirty="0" smtClean="0">
+                <a:latin typeface="HY견고딕" pitchFamily="18" charset="-127"/>
+                <a:ea typeface="HY견고딕" pitchFamily="18" charset="-127"/>
+              </a:rPr>
+              <a:t> </a:t>
+            </a:r>
+            <a:r>
+              <a:rPr lang="en-US" altLang="ko-KR" sz="900" dirty="0">
+                <a:latin typeface="HY견고딕" pitchFamily="18" charset="-127"/>
+                <a:ea typeface="HY견고딕" pitchFamily="18" charset="-127"/>
+              </a:rPr>
+              <a:t>&lt;&lt; "</a:t>
+            </a:r>
+            <a:r>
+              <a:rPr lang="ko-KR" altLang="en-US" sz="900" dirty="0">
+                <a:latin typeface="HY견고딕" pitchFamily="18" charset="-127"/>
+                <a:ea typeface="HY견고딕" pitchFamily="18" charset="-127"/>
+              </a:rPr>
+              <a:t>활</a:t>
+            </a:r>
+            <a:r>
+              <a:rPr lang="en-US" altLang="ko-KR" sz="900" dirty="0">
+                <a:latin typeface="HY견고딕" pitchFamily="18" charset="-127"/>
+                <a:ea typeface="HY견고딕" pitchFamily="18" charset="-127"/>
+              </a:rPr>
+              <a:t>"</a:t>
+            </a:r>
+            <a:r>
+              <a:rPr lang="ko-KR" altLang="en-US" sz="900" dirty="0">
+                <a:latin typeface="HY견고딕" pitchFamily="18" charset="-127"/>
+                <a:ea typeface="HY견고딕" pitchFamily="18" charset="-127"/>
+              </a:rPr>
+              <a:t> </a:t>
+            </a:r>
+            <a:r>
+              <a:rPr lang="en-US" altLang="ko-KR" sz="900" dirty="0">
+                <a:latin typeface="HY견고딕" pitchFamily="18" charset="-127"/>
+                <a:ea typeface="HY견고딕" pitchFamily="18" charset="-127"/>
+              </a:rPr>
+              <a:t>&lt;&lt;</a:t>
+            </a:r>
+            <a:r>
+              <a:rPr lang="ko-KR" altLang="en-US" sz="900" dirty="0">
+                <a:latin typeface="HY견고딕" pitchFamily="18" charset="-127"/>
+                <a:ea typeface="HY견고딕" pitchFamily="18" charset="-127"/>
+              </a:rPr>
+              <a:t> </a:t>
+            </a:r>
+            <a:r>
+              <a:rPr lang="en-US" altLang="ko-KR" sz="900" dirty="0" err="1">
+                <a:latin typeface="HY견고딕" pitchFamily="18" charset="-127"/>
+                <a:ea typeface="HY견고딕" pitchFamily="18" charset="-127"/>
+              </a:rPr>
+              <a:t>endl</a:t>
+            </a:r>
+            <a:r>
+              <a:rPr lang="en-US" altLang="ko-KR" sz="900" dirty="0">
+                <a:latin typeface="HY견고딕" pitchFamily="18" charset="-127"/>
+                <a:ea typeface="HY견고딕" pitchFamily="18" charset="-127"/>
+              </a:rPr>
+              <a:t>;</a:t>
+            </a:r>
+          </a:p>
+          <a:p>
+            <a:r>
+              <a:rPr lang="en-US" altLang="ko-KR" sz="900" dirty="0" smtClean="0">
+                <a:latin typeface="HY견고딕" pitchFamily="18" charset="-127"/>
+                <a:ea typeface="HY견고딕" pitchFamily="18" charset="-127"/>
+              </a:rPr>
+              <a:t>		break</a:t>
+            </a:r>
+            <a:r>
+              <a:rPr lang="en-US" altLang="ko-KR" sz="900" dirty="0">
+                <a:latin typeface="HY견고딕" pitchFamily="18" charset="-127"/>
+                <a:ea typeface="HY견고딕" pitchFamily="18" charset="-127"/>
+              </a:rPr>
+              <a:t>;</a:t>
+            </a:r>
+          </a:p>
+          <a:p>
+            <a:r>
+              <a:rPr lang="en-US" altLang="ko-KR" sz="900" dirty="0" smtClean="0">
+                <a:latin typeface="HY견고딕" pitchFamily="18" charset="-127"/>
+                <a:ea typeface="HY견고딕" pitchFamily="18" charset="-127"/>
+              </a:rPr>
+              <a:t>	case HAMMER</a:t>
+            </a:r>
+            <a:r>
+              <a:rPr lang="en-US" altLang="ko-KR" sz="900" dirty="0">
+                <a:latin typeface="HY견고딕" pitchFamily="18" charset="-127"/>
+                <a:ea typeface="HY견고딕" pitchFamily="18" charset="-127"/>
+              </a:rPr>
+              <a:t>:</a:t>
+            </a:r>
+          </a:p>
+          <a:p>
+            <a:r>
+              <a:rPr lang="en-US" altLang="ko-KR" sz="900" dirty="0" smtClean="0">
+                <a:latin typeface="HY견고딕" pitchFamily="18" charset="-127"/>
+                <a:ea typeface="HY견고딕" pitchFamily="18" charset="-127"/>
+              </a:rPr>
+              <a:t>		</a:t>
+            </a:r>
+            <a:r>
+              <a:rPr lang="en-US" altLang="ko-KR" sz="900" dirty="0" err="1" smtClean="0">
+                <a:latin typeface="HY견고딕" pitchFamily="18" charset="-127"/>
+                <a:ea typeface="HY견고딕" pitchFamily="18" charset="-127"/>
+              </a:rPr>
+              <a:t>cout</a:t>
+            </a:r>
+            <a:r>
+              <a:rPr lang="en-US" altLang="ko-KR" sz="900" dirty="0" smtClean="0">
+                <a:latin typeface="HY견고딕" pitchFamily="18" charset="-127"/>
+                <a:ea typeface="HY견고딕" pitchFamily="18" charset="-127"/>
+              </a:rPr>
+              <a:t> </a:t>
+            </a:r>
+            <a:r>
+              <a:rPr lang="en-US" altLang="ko-KR" sz="900" dirty="0">
+                <a:latin typeface="HY견고딕" pitchFamily="18" charset="-127"/>
+                <a:ea typeface="HY견고딕" pitchFamily="18" charset="-127"/>
+              </a:rPr>
+              <a:t>&lt;&lt; "</a:t>
+            </a:r>
+            <a:r>
+              <a:rPr lang="ko-KR" altLang="en-US" sz="900" dirty="0">
+                <a:latin typeface="HY견고딕" pitchFamily="18" charset="-127"/>
+                <a:ea typeface="HY견고딕" pitchFamily="18" charset="-127"/>
+              </a:rPr>
+              <a:t>망치</a:t>
+            </a:r>
+            <a:r>
+              <a:rPr lang="en-US" altLang="ko-KR" sz="900" dirty="0">
+                <a:latin typeface="HY견고딕" pitchFamily="18" charset="-127"/>
+                <a:ea typeface="HY견고딕" pitchFamily="18" charset="-127"/>
+              </a:rPr>
+              <a:t>"</a:t>
+            </a:r>
+            <a:r>
+              <a:rPr lang="ko-KR" altLang="en-US" sz="900" dirty="0">
+                <a:latin typeface="HY견고딕" pitchFamily="18" charset="-127"/>
+                <a:ea typeface="HY견고딕" pitchFamily="18" charset="-127"/>
+              </a:rPr>
+              <a:t> </a:t>
+            </a:r>
+            <a:r>
+              <a:rPr lang="en-US" altLang="ko-KR" sz="900" dirty="0">
+                <a:latin typeface="HY견고딕" pitchFamily="18" charset="-127"/>
+                <a:ea typeface="HY견고딕" pitchFamily="18" charset="-127"/>
+              </a:rPr>
+              <a:t>&lt;&lt;</a:t>
+            </a:r>
+            <a:r>
+              <a:rPr lang="ko-KR" altLang="en-US" sz="900" dirty="0">
+                <a:latin typeface="HY견고딕" pitchFamily="18" charset="-127"/>
+                <a:ea typeface="HY견고딕" pitchFamily="18" charset="-127"/>
+              </a:rPr>
+              <a:t> </a:t>
+            </a:r>
+            <a:r>
+              <a:rPr lang="en-US" altLang="ko-KR" sz="900" dirty="0" err="1">
+                <a:latin typeface="HY견고딕" pitchFamily="18" charset="-127"/>
+                <a:ea typeface="HY견고딕" pitchFamily="18" charset="-127"/>
+              </a:rPr>
+              <a:t>endl</a:t>
+            </a:r>
+            <a:r>
+              <a:rPr lang="en-US" altLang="ko-KR" sz="900" dirty="0">
+                <a:latin typeface="HY견고딕" pitchFamily="18" charset="-127"/>
+                <a:ea typeface="HY견고딕" pitchFamily="18" charset="-127"/>
+              </a:rPr>
+              <a:t>;</a:t>
+            </a:r>
+          </a:p>
+          <a:p>
+            <a:r>
+              <a:rPr lang="en-US" altLang="ko-KR" sz="900" dirty="0" smtClean="0">
+                <a:latin typeface="HY견고딕" pitchFamily="18" charset="-127"/>
+                <a:ea typeface="HY견고딕" pitchFamily="18" charset="-127"/>
+              </a:rPr>
+              <a:t>		break;	</a:t>
+            </a:r>
+            <a:endParaRPr lang="en-US" altLang="ko-KR" sz="900" dirty="0">
+              <a:latin typeface="HY견고딕" pitchFamily="18" charset="-127"/>
+              <a:ea typeface="HY견고딕" pitchFamily="18" charset="-127"/>
+            </a:endParaRPr>
+          </a:p>
+          <a:p>
+            <a:r>
+              <a:rPr lang="en-US" altLang="ko-KR" sz="900" dirty="0" smtClean="0">
+                <a:latin typeface="HY견고딕" pitchFamily="18" charset="-127"/>
+                <a:ea typeface="HY견고딕" pitchFamily="18" charset="-127"/>
+              </a:rPr>
+              <a:t>	case AXE	:</a:t>
+            </a:r>
+            <a:endParaRPr lang="en-US" altLang="ko-KR" sz="900" dirty="0">
+              <a:latin typeface="HY견고딕" pitchFamily="18" charset="-127"/>
+              <a:ea typeface="HY견고딕" pitchFamily="18" charset="-127"/>
+            </a:endParaRPr>
+          </a:p>
+          <a:p>
+            <a:r>
+              <a:rPr lang="en-US" altLang="ko-KR" sz="900" dirty="0" smtClean="0">
+                <a:latin typeface="HY견고딕" pitchFamily="18" charset="-127"/>
+                <a:ea typeface="HY견고딕" pitchFamily="18" charset="-127"/>
+              </a:rPr>
+              <a:t>		</a:t>
+            </a:r>
+            <a:r>
+              <a:rPr lang="en-US" altLang="ko-KR" sz="900" dirty="0" err="1" smtClean="0">
+                <a:latin typeface="HY견고딕" pitchFamily="18" charset="-127"/>
+                <a:ea typeface="HY견고딕" pitchFamily="18" charset="-127"/>
+              </a:rPr>
+              <a:t>cout</a:t>
+            </a:r>
+            <a:r>
+              <a:rPr lang="en-US" altLang="ko-KR" sz="900" dirty="0" smtClean="0">
+                <a:latin typeface="HY견고딕" pitchFamily="18" charset="-127"/>
+                <a:ea typeface="HY견고딕" pitchFamily="18" charset="-127"/>
+              </a:rPr>
+              <a:t> </a:t>
+            </a:r>
+            <a:r>
+              <a:rPr lang="en-US" altLang="ko-KR" sz="900" dirty="0">
+                <a:latin typeface="HY견고딕" pitchFamily="18" charset="-127"/>
+                <a:ea typeface="HY견고딕" pitchFamily="18" charset="-127"/>
+              </a:rPr>
+              <a:t>&lt;&lt; "</a:t>
+            </a:r>
+            <a:r>
+              <a:rPr lang="ko-KR" altLang="en-US" sz="900" dirty="0">
+                <a:latin typeface="HY견고딕" pitchFamily="18" charset="-127"/>
+                <a:ea typeface="HY견고딕" pitchFamily="18" charset="-127"/>
+              </a:rPr>
+              <a:t>도끼</a:t>
+            </a:r>
+            <a:r>
+              <a:rPr lang="en-US" altLang="ko-KR" sz="900" dirty="0">
+                <a:latin typeface="HY견고딕" pitchFamily="18" charset="-127"/>
+                <a:ea typeface="HY견고딕" pitchFamily="18" charset="-127"/>
+              </a:rPr>
+              <a:t>"</a:t>
+            </a:r>
+            <a:r>
+              <a:rPr lang="ko-KR" altLang="en-US" sz="900" dirty="0">
+                <a:latin typeface="HY견고딕" pitchFamily="18" charset="-127"/>
+                <a:ea typeface="HY견고딕" pitchFamily="18" charset="-127"/>
+              </a:rPr>
+              <a:t> </a:t>
+            </a:r>
+            <a:r>
+              <a:rPr lang="en-US" altLang="ko-KR" sz="900" dirty="0">
+                <a:latin typeface="HY견고딕" pitchFamily="18" charset="-127"/>
+                <a:ea typeface="HY견고딕" pitchFamily="18" charset="-127"/>
+              </a:rPr>
+              <a:t>&lt;&lt;</a:t>
+            </a:r>
+            <a:r>
+              <a:rPr lang="ko-KR" altLang="en-US" sz="900" dirty="0">
+                <a:latin typeface="HY견고딕" pitchFamily="18" charset="-127"/>
+                <a:ea typeface="HY견고딕" pitchFamily="18" charset="-127"/>
+              </a:rPr>
+              <a:t> </a:t>
+            </a:r>
+            <a:r>
+              <a:rPr lang="en-US" altLang="ko-KR" sz="900" dirty="0" err="1">
+                <a:latin typeface="HY견고딕" pitchFamily="18" charset="-127"/>
+                <a:ea typeface="HY견고딕" pitchFamily="18" charset="-127"/>
+              </a:rPr>
+              <a:t>endl</a:t>
+            </a:r>
+            <a:r>
+              <a:rPr lang="en-US" altLang="ko-KR" sz="900" dirty="0">
+                <a:latin typeface="HY견고딕" pitchFamily="18" charset="-127"/>
+                <a:ea typeface="HY견고딕" pitchFamily="18" charset="-127"/>
+              </a:rPr>
+              <a:t>;</a:t>
+            </a:r>
+          </a:p>
+          <a:p>
+            <a:r>
+              <a:rPr lang="en-US" altLang="ko-KR" sz="900" dirty="0" smtClean="0">
+                <a:latin typeface="HY견고딕" pitchFamily="18" charset="-127"/>
+                <a:ea typeface="HY견고딕" pitchFamily="18" charset="-127"/>
+              </a:rPr>
+              <a:t>		break</a:t>
+            </a:r>
+            <a:r>
+              <a:rPr lang="en-US" altLang="ko-KR" sz="900" dirty="0">
+                <a:latin typeface="HY견고딕" pitchFamily="18" charset="-127"/>
+                <a:ea typeface="HY견고딕" pitchFamily="18" charset="-127"/>
+              </a:rPr>
+              <a:t>;</a:t>
+            </a:r>
+          </a:p>
+          <a:p>
+            <a:r>
+              <a:rPr lang="en-US" altLang="ko-KR" sz="900" dirty="0" smtClean="0">
+                <a:latin typeface="HY견고딕" pitchFamily="18" charset="-127"/>
+                <a:ea typeface="HY견고딕" pitchFamily="18" charset="-127"/>
+              </a:rPr>
+              <a:t>	case </a:t>
+            </a:r>
+            <a:r>
+              <a:rPr lang="en-US" altLang="ko-KR" sz="900" dirty="0">
+                <a:latin typeface="HY견고딕" pitchFamily="18" charset="-127"/>
+                <a:ea typeface="HY견고딕" pitchFamily="18" charset="-127"/>
+              </a:rPr>
+              <a:t>CLAW:</a:t>
+            </a:r>
+          </a:p>
+          <a:p>
+            <a:r>
+              <a:rPr lang="en-US" altLang="ko-KR" sz="900" dirty="0" smtClean="0">
+                <a:latin typeface="HY견고딕" pitchFamily="18" charset="-127"/>
+                <a:ea typeface="HY견고딕" pitchFamily="18" charset="-127"/>
+              </a:rPr>
+              <a:t>		</a:t>
+            </a:r>
+            <a:r>
+              <a:rPr lang="en-US" altLang="ko-KR" sz="900" dirty="0" err="1" smtClean="0">
+                <a:latin typeface="HY견고딕" pitchFamily="18" charset="-127"/>
+                <a:ea typeface="HY견고딕" pitchFamily="18" charset="-127"/>
+              </a:rPr>
+              <a:t>cout</a:t>
+            </a:r>
+            <a:r>
+              <a:rPr lang="en-US" altLang="ko-KR" sz="900" dirty="0" smtClean="0">
+                <a:latin typeface="HY견고딕" pitchFamily="18" charset="-127"/>
+                <a:ea typeface="HY견고딕" pitchFamily="18" charset="-127"/>
+              </a:rPr>
+              <a:t> </a:t>
+            </a:r>
+            <a:r>
+              <a:rPr lang="en-US" altLang="ko-KR" sz="900" dirty="0">
+                <a:latin typeface="HY견고딕" pitchFamily="18" charset="-127"/>
+                <a:ea typeface="HY견고딕" pitchFamily="18" charset="-127"/>
+              </a:rPr>
+              <a:t>&lt;&lt; "</a:t>
+            </a:r>
+            <a:r>
+              <a:rPr lang="ko-KR" altLang="en-US" sz="900" dirty="0" err="1">
+                <a:latin typeface="HY견고딕" pitchFamily="18" charset="-127"/>
+                <a:ea typeface="HY견고딕" pitchFamily="18" charset="-127"/>
+              </a:rPr>
+              <a:t>클로</a:t>
+            </a:r>
+            <a:r>
+              <a:rPr lang="en-US" altLang="ko-KR" sz="900" dirty="0">
+                <a:latin typeface="HY견고딕" pitchFamily="18" charset="-127"/>
+                <a:ea typeface="HY견고딕" pitchFamily="18" charset="-127"/>
+              </a:rPr>
+              <a:t>"</a:t>
+            </a:r>
+            <a:r>
+              <a:rPr lang="ko-KR" altLang="en-US" sz="900" dirty="0">
+                <a:latin typeface="HY견고딕" pitchFamily="18" charset="-127"/>
+                <a:ea typeface="HY견고딕" pitchFamily="18" charset="-127"/>
+              </a:rPr>
+              <a:t> </a:t>
+            </a:r>
+            <a:r>
+              <a:rPr lang="en-US" altLang="ko-KR" sz="900" dirty="0">
+                <a:latin typeface="HY견고딕" pitchFamily="18" charset="-127"/>
+                <a:ea typeface="HY견고딕" pitchFamily="18" charset="-127"/>
+              </a:rPr>
+              <a:t>&lt;&lt;</a:t>
+            </a:r>
+            <a:r>
+              <a:rPr lang="ko-KR" altLang="en-US" sz="900" dirty="0">
+                <a:latin typeface="HY견고딕" pitchFamily="18" charset="-127"/>
+                <a:ea typeface="HY견고딕" pitchFamily="18" charset="-127"/>
+              </a:rPr>
+              <a:t> </a:t>
+            </a:r>
+            <a:r>
+              <a:rPr lang="en-US" altLang="ko-KR" sz="900" dirty="0" err="1">
+                <a:latin typeface="HY견고딕" pitchFamily="18" charset="-127"/>
+                <a:ea typeface="HY견고딕" pitchFamily="18" charset="-127"/>
+              </a:rPr>
+              <a:t>endl</a:t>
+            </a:r>
+            <a:r>
+              <a:rPr lang="en-US" altLang="ko-KR" sz="900" dirty="0">
+                <a:latin typeface="HY견고딕" pitchFamily="18" charset="-127"/>
+                <a:ea typeface="HY견고딕" pitchFamily="18" charset="-127"/>
+              </a:rPr>
+              <a:t>;</a:t>
+            </a:r>
+          </a:p>
+          <a:p>
+            <a:r>
+              <a:rPr lang="en-US" altLang="ko-KR" sz="900" dirty="0" smtClean="0">
+                <a:latin typeface="HY견고딕" pitchFamily="18" charset="-127"/>
+                <a:ea typeface="HY견고딕" pitchFamily="18" charset="-127"/>
+              </a:rPr>
+              <a:t>		break</a:t>
+            </a:r>
+            <a:r>
+              <a:rPr lang="en-US" altLang="ko-KR" sz="900" dirty="0">
+                <a:latin typeface="HY견고딕" pitchFamily="18" charset="-127"/>
+                <a:ea typeface="HY견고딕" pitchFamily="18" charset="-127"/>
+              </a:rPr>
+              <a:t>;</a:t>
+            </a:r>
+          </a:p>
+          <a:p>
+            <a:r>
+              <a:rPr lang="en-US" altLang="ko-KR" sz="900" dirty="0" smtClean="0">
+                <a:latin typeface="HY견고딕" pitchFamily="18" charset="-127"/>
+                <a:ea typeface="HY견고딕" pitchFamily="18" charset="-127"/>
+              </a:rPr>
+              <a:t>	case </a:t>
+            </a:r>
+            <a:r>
+              <a:rPr lang="en-US" altLang="ko-KR" sz="900" dirty="0">
+                <a:latin typeface="HY견고딕" pitchFamily="18" charset="-127"/>
+                <a:ea typeface="HY견고딕" pitchFamily="18" charset="-127"/>
+              </a:rPr>
+              <a:t>DAGGER:</a:t>
+            </a:r>
+          </a:p>
+          <a:p>
+            <a:r>
+              <a:rPr lang="en-US" altLang="ko-KR" sz="900" dirty="0" smtClean="0">
+                <a:latin typeface="HY견고딕" pitchFamily="18" charset="-127"/>
+                <a:ea typeface="HY견고딕" pitchFamily="18" charset="-127"/>
+              </a:rPr>
+              <a:t>		</a:t>
+            </a:r>
+            <a:r>
+              <a:rPr lang="en-US" altLang="ko-KR" sz="900" dirty="0" err="1" smtClean="0">
+                <a:latin typeface="HY견고딕" pitchFamily="18" charset="-127"/>
+                <a:ea typeface="HY견고딕" pitchFamily="18" charset="-127"/>
+              </a:rPr>
+              <a:t>cout</a:t>
+            </a:r>
+            <a:r>
+              <a:rPr lang="en-US" altLang="ko-KR" sz="900" dirty="0" smtClean="0">
+                <a:latin typeface="HY견고딕" pitchFamily="18" charset="-127"/>
+                <a:ea typeface="HY견고딕" pitchFamily="18" charset="-127"/>
+              </a:rPr>
+              <a:t> </a:t>
+            </a:r>
+            <a:r>
+              <a:rPr lang="en-US" altLang="ko-KR" sz="900" dirty="0">
+                <a:latin typeface="HY견고딕" pitchFamily="18" charset="-127"/>
+                <a:ea typeface="HY견고딕" pitchFamily="18" charset="-127"/>
+              </a:rPr>
+              <a:t>&lt;&lt; "</a:t>
+            </a:r>
+            <a:r>
+              <a:rPr lang="ko-KR" altLang="en-US" sz="900" dirty="0">
+                <a:latin typeface="HY견고딕" pitchFamily="18" charset="-127"/>
+                <a:ea typeface="HY견고딕" pitchFamily="18" charset="-127"/>
+              </a:rPr>
+              <a:t>단검</a:t>
+            </a:r>
+            <a:r>
+              <a:rPr lang="en-US" altLang="ko-KR" sz="900" dirty="0">
+                <a:latin typeface="HY견고딕" pitchFamily="18" charset="-127"/>
+                <a:ea typeface="HY견고딕" pitchFamily="18" charset="-127"/>
+              </a:rPr>
+              <a:t>"</a:t>
+            </a:r>
+            <a:r>
+              <a:rPr lang="ko-KR" altLang="en-US" sz="900" dirty="0">
+                <a:latin typeface="HY견고딕" pitchFamily="18" charset="-127"/>
+                <a:ea typeface="HY견고딕" pitchFamily="18" charset="-127"/>
+              </a:rPr>
+              <a:t> </a:t>
+            </a:r>
+            <a:r>
+              <a:rPr lang="en-US" altLang="ko-KR" sz="900" dirty="0">
+                <a:latin typeface="HY견고딕" pitchFamily="18" charset="-127"/>
+                <a:ea typeface="HY견고딕" pitchFamily="18" charset="-127"/>
+              </a:rPr>
+              <a:t>&lt;&lt;</a:t>
+            </a:r>
+            <a:r>
+              <a:rPr lang="ko-KR" altLang="en-US" sz="900" dirty="0">
+                <a:latin typeface="HY견고딕" pitchFamily="18" charset="-127"/>
+                <a:ea typeface="HY견고딕" pitchFamily="18" charset="-127"/>
+              </a:rPr>
+              <a:t> </a:t>
+            </a:r>
+            <a:r>
+              <a:rPr lang="en-US" altLang="ko-KR" sz="900" dirty="0" err="1">
+                <a:latin typeface="HY견고딕" pitchFamily="18" charset="-127"/>
+                <a:ea typeface="HY견고딕" pitchFamily="18" charset="-127"/>
+              </a:rPr>
+              <a:t>endl</a:t>
+            </a:r>
+            <a:r>
+              <a:rPr lang="en-US" altLang="ko-KR" sz="900" dirty="0">
+                <a:latin typeface="HY견고딕" pitchFamily="18" charset="-127"/>
+                <a:ea typeface="HY견고딕" pitchFamily="18" charset="-127"/>
+              </a:rPr>
+              <a:t>;</a:t>
+            </a:r>
+          </a:p>
+          <a:p>
+            <a:r>
+              <a:rPr lang="en-US" altLang="ko-KR" sz="900" dirty="0" smtClean="0">
+                <a:latin typeface="HY견고딕" pitchFamily="18" charset="-127"/>
+                <a:ea typeface="HY견고딕" pitchFamily="18" charset="-127"/>
+              </a:rPr>
+              <a:t>		break</a:t>
+            </a:r>
+            <a:r>
+              <a:rPr lang="en-US" altLang="ko-KR" sz="900" dirty="0">
+                <a:latin typeface="HY견고딕" pitchFamily="18" charset="-127"/>
+                <a:ea typeface="HY견고딕" pitchFamily="18" charset="-127"/>
+              </a:rPr>
+              <a:t>;</a:t>
+            </a:r>
+          </a:p>
+          <a:p>
+            <a:r>
+              <a:rPr lang="en-US" altLang="ko-KR" sz="900" dirty="0" smtClean="0">
+                <a:latin typeface="HY견고딕" pitchFamily="18" charset="-127"/>
+                <a:ea typeface="HY견고딕" pitchFamily="18" charset="-127"/>
+              </a:rPr>
+              <a:t>	default</a:t>
+            </a:r>
+            <a:r>
+              <a:rPr lang="en-US" altLang="ko-KR" sz="900" dirty="0">
+                <a:latin typeface="HY견고딕" pitchFamily="18" charset="-127"/>
+                <a:ea typeface="HY견고딕" pitchFamily="18" charset="-127"/>
+              </a:rPr>
+              <a:t>:</a:t>
+            </a:r>
+          </a:p>
+          <a:p>
+            <a:r>
+              <a:rPr lang="en-US" altLang="ko-KR" sz="900" dirty="0" smtClean="0">
+                <a:latin typeface="HY견고딕" pitchFamily="18" charset="-127"/>
+                <a:ea typeface="HY견고딕" pitchFamily="18" charset="-127"/>
+              </a:rPr>
+              <a:t>		break</a:t>
+            </a:r>
+            <a:r>
+              <a:rPr lang="en-US" altLang="ko-KR" sz="900" dirty="0">
+                <a:latin typeface="HY견고딕" pitchFamily="18" charset="-127"/>
+                <a:ea typeface="HY견고딕" pitchFamily="18" charset="-127"/>
+              </a:rPr>
+              <a:t>;</a:t>
+            </a:r>
+          </a:p>
+          <a:p>
+            <a:r>
+              <a:rPr lang="en-US" altLang="ko-KR" sz="900" dirty="0" smtClean="0">
+                <a:latin typeface="HY견고딕" pitchFamily="18" charset="-127"/>
+                <a:ea typeface="HY견고딕" pitchFamily="18" charset="-127"/>
+              </a:rPr>
+              <a:t>	}</a:t>
+            </a:r>
+            <a:endParaRPr lang="en-US" altLang="ko-KR" sz="900" dirty="0">
+              <a:latin typeface="HY견고딕" pitchFamily="18" charset="-127"/>
+              <a:ea typeface="HY견고딕" pitchFamily="18" charset="-127"/>
+            </a:endParaRPr>
+          </a:p>
+          <a:p>
+            <a:r>
+              <a:rPr lang="en-US" altLang="ko-KR" sz="900" dirty="0" smtClean="0">
+                <a:latin typeface="HY견고딕" pitchFamily="18" charset="-127"/>
+                <a:ea typeface="HY견고딕" pitchFamily="18" charset="-127"/>
+              </a:rPr>
+              <a:t>}</a:t>
+            </a:r>
+            <a:endParaRPr lang="ko-KR" altLang="en-US" sz="900" dirty="0">
               <a:latin typeface="HY견고딕" pitchFamily="18" charset="-127"/>
               <a:ea typeface="HY견고딕" pitchFamily="18" charset="-127"/>
             </a:endParaRPr>
@@ -33498,6 +33011,313 @@
               </a:ln>
               <a:latin typeface="HY헤드라인M" pitchFamily="18" charset="-127"/>
               <a:ea typeface="HY헤드라인M" pitchFamily="18" charset="-127"/>
+            </a:endParaRPr>
+          </a:p>
+        </p:txBody>
+      </p:sp>
+      <p:sp>
+        <p:nvSpPr>
+          <p:cNvPr id="24" name="TextBox 23"/>
+          <p:cNvSpPr txBox="1"/>
+          <p:nvPr/>
+        </p:nvSpPr>
+        <p:spPr>
+          <a:xfrm>
+            <a:off x="3347864" y="882386"/>
+            <a:ext cx="7320780" cy="1892826"/>
+          </a:xfrm>
+          <a:prstGeom prst="rect">
+            <a:avLst/>
+          </a:prstGeom>
+          <a:noFill/>
+        </p:spPr>
+        <p:txBody>
+          <a:bodyPr wrap="square" rtlCol="0">
+            <a:spAutoFit/>
+          </a:bodyPr>
+          <a:lstStyle/>
+          <a:p>
+            <a:r>
+              <a:rPr lang="en-US" altLang="ko-KR" sz="900" dirty="0">
+                <a:latin typeface="HY견고딕" pitchFamily="18" charset="-127"/>
+                <a:ea typeface="HY견고딕" pitchFamily="18" charset="-127"/>
+              </a:rPr>
+              <a:t>void main()</a:t>
+            </a:r>
+          </a:p>
+          <a:p>
+            <a:r>
+              <a:rPr lang="en-US" altLang="ko-KR" sz="900" dirty="0">
+                <a:latin typeface="HY견고딕" pitchFamily="18" charset="-127"/>
+                <a:ea typeface="HY견고딕" pitchFamily="18" charset="-127"/>
+              </a:rPr>
+              <a:t>{</a:t>
+            </a:r>
+          </a:p>
+          <a:p>
+            <a:r>
+              <a:rPr lang="en-US" altLang="ko-KR" sz="900" dirty="0" smtClean="0">
+                <a:latin typeface="HY견고딕" pitchFamily="18" charset="-127"/>
+                <a:ea typeface="HY견고딕" pitchFamily="18" charset="-127"/>
+              </a:rPr>
+              <a:t>	WEAPON_TYPE </a:t>
+            </a:r>
+            <a:r>
+              <a:rPr lang="en-US" altLang="ko-KR" sz="900" dirty="0" err="1">
+                <a:latin typeface="HY견고딕" pitchFamily="18" charset="-127"/>
+                <a:ea typeface="HY견고딕" pitchFamily="18" charset="-127"/>
+              </a:rPr>
+              <a:t>WeaponList</a:t>
+            </a:r>
+            <a:r>
+              <a:rPr lang="en-US" altLang="ko-KR" sz="900" dirty="0">
+                <a:latin typeface="HY견고딕" pitchFamily="18" charset="-127"/>
+                <a:ea typeface="HY견고딕" pitchFamily="18" charset="-127"/>
+              </a:rPr>
+              <a:t>[WEAPON_TYPE::END];</a:t>
+            </a:r>
+          </a:p>
+          <a:p>
+            <a:r>
+              <a:rPr lang="en-US" altLang="ko-KR" sz="900" dirty="0" smtClean="0">
+                <a:latin typeface="HY견고딕" pitchFamily="18" charset="-127"/>
+                <a:ea typeface="HY견고딕" pitchFamily="18" charset="-127"/>
+              </a:rPr>
+              <a:t>	for </a:t>
+            </a:r>
+            <a:r>
+              <a:rPr lang="en-US" altLang="ko-KR" sz="900" dirty="0">
+                <a:latin typeface="HY견고딕" pitchFamily="18" charset="-127"/>
+                <a:ea typeface="HY견고딕" pitchFamily="18" charset="-127"/>
+              </a:rPr>
+              <a:t>(</a:t>
+            </a:r>
+            <a:r>
+              <a:rPr lang="en-US" altLang="ko-KR" sz="900" dirty="0" err="1">
+                <a:latin typeface="HY견고딕" pitchFamily="18" charset="-127"/>
+                <a:ea typeface="HY견고딕" pitchFamily="18" charset="-127"/>
+              </a:rPr>
+              <a:t>int</a:t>
+            </a:r>
+            <a:r>
+              <a:rPr lang="en-US" altLang="ko-KR" sz="900" dirty="0">
+                <a:latin typeface="HY견고딕" pitchFamily="18" charset="-127"/>
+                <a:ea typeface="HY견고딕" pitchFamily="18" charset="-127"/>
+              </a:rPr>
+              <a:t> i = WEAPON_TYPE::START; i != WEAPON_TYPE::END; i++)</a:t>
+            </a:r>
+          </a:p>
+          <a:p>
+            <a:r>
+              <a:rPr lang="en-US" altLang="ko-KR" sz="900" dirty="0" smtClean="0">
+                <a:latin typeface="HY견고딕" pitchFamily="18" charset="-127"/>
+                <a:ea typeface="HY견고딕" pitchFamily="18" charset="-127"/>
+              </a:rPr>
+              <a:t>		</a:t>
+            </a:r>
+            <a:r>
+              <a:rPr lang="en-US" altLang="ko-KR" sz="900" dirty="0" err="1" smtClean="0">
+                <a:latin typeface="HY견고딕" pitchFamily="18" charset="-127"/>
+                <a:ea typeface="HY견고딕" pitchFamily="18" charset="-127"/>
+              </a:rPr>
+              <a:t>WeaponList</a:t>
+            </a:r>
+            <a:r>
+              <a:rPr lang="en-US" altLang="ko-KR" sz="900" dirty="0" smtClean="0">
+                <a:latin typeface="HY견고딕" pitchFamily="18" charset="-127"/>
+                <a:ea typeface="HY견고딕" pitchFamily="18" charset="-127"/>
+              </a:rPr>
+              <a:t>[i</a:t>
+            </a:r>
+            <a:r>
+              <a:rPr lang="en-US" altLang="ko-KR" sz="900" dirty="0">
+                <a:latin typeface="HY견고딕" pitchFamily="18" charset="-127"/>
+                <a:ea typeface="HY견고딕" pitchFamily="18" charset="-127"/>
+              </a:rPr>
+              <a:t>] = (WEAPON_TYPE)i;</a:t>
+            </a:r>
+          </a:p>
+          <a:p>
+            <a:r>
+              <a:rPr lang="en-US" altLang="ko-KR" sz="900" dirty="0" smtClean="0">
+                <a:latin typeface="HY견고딕" pitchFamily="18" charset="-127"/>
+                <a:ea typeface="HY견고딕" pitchFamily="18" charset="-127"/>
+              </a:rPr>
+              <a:t>	</a:t>
+            </a:r>
+            <a:endParaRPr lang="ko-KR" altLang="en-US" sz="900" dirty="0"/>
+          </a:p>
+          <a:p>
+            <a:r>
+              <a:rPr lang="en-US" altLang="ko-KR" sz="900" dirty="0" smtClean="0">
+                <a:latin typeface="HY견고딕" pitchFamily="18" charset="-127"/>
+                <a:ea typeface="HY견고딕" pitchFamily="18" charset="-127"/>
+              </a:rPr>
+              <a:t>	for </a:t>
+            </a:r>
+            <a:r>
+              <a:rPr lang="en-US" altLang="ko-KR" sz="900" dirty="0">
+                <a:latin typeface="HY견고딕" pitchFamily="18" charset="-127"/>
+                <a:ea typeface="HY견고딕" pitchFamily="18" charset="-127"/>
+              </a:rPr>
+              <a:t>(</a:t>
+            </a:r>
+            <a:r>
+              <a:rPr lang="en-US" altLang="ko-KR" sz="900" dirty="0" err="1">
+                <a:latin typeface="HY견고딕" pitchFamily="18" charset="-127"/>
+                <a:ea typeface="HY견고딕" pitchFamily="18" charset="-127"/>
+              </a:rPr>
+              <a:t>int</a:t>
+            </a:r>
+            <a:r>
+              <a:rPr lang="en-US" altLang="ko-KR" sz="900" dirty="0">
+                <a:latin typeface="HY견고딕" pitchFamily="18" charset="-127"/>
+                <a:ea typeface="HY견고딕" pitchFamily="18" charset="-127"/>
+              </a:rPr>
+              <a:t> i = 0; i &lt; WEAPON_TYPE::END; i++)</a:t>
+            </a:r>
+          </a:p>
+          <a:p>
+            <a:r>
+              <a:rPr lang="en-US" altLang="ko-KR" sz="900" dirty="0" smtClean="0">
+                <a:latin typeface="HY견고딕" pitchFamily="18" charset="-127"/>
+                <a:ea typeface="HY견고딕" pitchFamily="18" charset="-127"/>
+              </a:rPr>
+              <a:t>		</a:t>
+            </a:r>
+            <a:r>
+              <a:rPr lang="en-US" altLang="ko-KR" sz="900" dirty="0" err="1" smtClean="0">
+                <a:latin typeface="HY견고딕" pitchFamily="18" charset="-127"/>
+                <a:ea typeface="HY견고딕" pitchFamily="18" charset="-127"/>
+              </a:rPr>
+              <a:t>PrintWeapon</a:t>
+            </a:r>
+            <a:r>
+              <a:rPr lang="en-US" altLang="ko-KR" sz="900" dirty="0" smtClean="0">
+                <a:latin typeface="HY견고딕" pitchFamily="18" charset="-127"/>
+                <a:ea typeface="HY견고딕" pitchFamily="18" charset="-127"/>
+              </a:rPr>
+              <a:t>(</a:t>
+            </a:r>
+            <a:r>
+              <a:rPr lang="en-US" altLang="ko-KR" sz="900" dirty="0" err="1" smtClean="0">
+                <a:latin typeface="HY견고딕" pitchFamily="18" charset="-127"/>
+                <a:ea typeface="HY견고딕" pitchFamily="18" charset="-127"/>
+              </a:rPr>
+              <a:t>WeaponList</a:t>
+            </a:r>
+            <a:r>
+              <a:rPr lang="en-US" altLang="ko-KR" sz="900" dirty="0" smtClean="0">
+                <a:latin typeface="HY견고딕" pitchFamily="18" charset="-127"/>
+                <a:ea typeface="HY견고딕" pitchFamily="18" charset="-127"/>
+              </a:rPr>
+              <a:t>[i]);</a:t>
+            </a:r>
+          </a:p>
+          <a:p>
+            <a:endParaRPr lang="en-US" altLang="ko-KR" sz="900" dirty="0" smtClean="0">
+              <a:latin typeface="HY견고딕" pitchFamily="18" charset="-127"/>
+              <a:ea typeface="HY견고딕" pitchFamily="18" charset="-127"/>
+            </a:endParaRPr>
+          </a:p>
+          <a:p>
+            <a:r>
+              <a:rPr lang="en-US" altLang="ko-KR" sz="900" dirty="0">
+                <a:latin typeface="HY견고딕" pitchFamily="18" charset="-127"/>
+                <a:ea typeface="HY견고딕" pitchFamily="18" charset="-127"/>
+              </a:rPr>
+              <a:t>	</a:t>
+            </a:r>
+            <a:r>
+              <a:rPr lang="en-US" altLang="ko-KR" sz="900" dirty="0" smtClean="0">
+                <a:latin typeface="HY견고딕" pitchFamily="18" charset="-127"/>
+                <a:ea typeface="HY견고딕" pitchFamily="18" charset="-127"/>
+              </a:rPr>
+              <a:t>//</a:t>
+            </a:r>
+            <a:r>
+              <a:rPr lang="en-US" altLang="ko-KR" sz="900" dirty="0" err="1" smtClean="0">
+                <a:latin typeface="HY견고딕" pitchFamily="18" charset="-127"/>
+                <a:ea typeface="HY견고딕" pitchFamily="18" charset="-127"/>
+              </a:rPr>
+              <a:t>foreach</a:t>
+            </a:r>
+            <a:endParaRPr lang="ko-KR" altLang="en-US" sz="900" dirty="0">
+              <a:latin typeface="HY견고딕" pitchFamily="18" charset="-127"/>
+              <a:ea typeface="HY견고딕" pitchFamily="18" charset="-127"/>
+            </a:endParaRPr>
+          </a:p>
+          <a:p>
+            <a:r>
+              <a:rPr lang="en-US" altLang="ko-KR" sz="900" dirty="0" smtClean="0">
+                <a:latin typeface="HY견고딕" pitchFamily="18" charset="-127"/>
+                <a:ea typeface="HY견고딕" pitchFamily="18" charset="-127"/>
+              </a:rPr>
+              <a:t>	for </a:t>
+            </a:r>
+            <a:r>
+              <a:rPr lang="en-US" altLang="ko-KR" sz="900" dirty="0">
+                <a:latin typeface="HY견고딕" pitchFamily="18" charset="-127"/>
+                <a:ea typeface="HY견고딕" pitchFamily="18" charset="-127"/>
+              </a:rPr>
+              <a:t>(WEAPON_TYPE weapon : </a:t>
+            </a:r>
+            <a:r>
+              <a:rPr lang="en-US" altLang="ko-KR" sz="900" dirty="0" err="1">
+                <a:latin typeface="HY견고딕" pitchFamily="18" charset="-127"/>
+                <a:ea typeface="HY견고딕" pitchFamily="18" charset="-127"/>
+              </a:rPr>
+              <a:t>WeaponList</a:t>
+            </a:r>
+            <a:r>
+              <a:rPr lang="en-US" altLang="ko-KR" sz="900" dirty="0">
+                <a:latin typeface="HY견고딕" pitchFamily="18" charset="-127"/>
+                <a:ea typeface="HY견고딕" pitchFamily="18" charset="-127"/>
+              </a:rPr>
+              <a:t>)</a:t>
+            </a:r>
+          </a:p>
+          <a:p>
+            <a:r>
+              <a:rPr lang="en-US" altLang="ko-KR" sz="900" dirty="0" smtClean="0">
+                <a:latin typeface="HY견고딕" pitchFamily="18" charset="-127"/>
+                <a:ea typeface="HY견고딕" pitchFamily="18" charset="-127"/>
+              </a:rPr>
+              <a:t>		</a:t>
+            </a:r>
+            <a:r>
+              <a:rPr lang="en-US" altLang="ko-KR" sz="900" dirty="0" err="1" smtClean="0">
+                <a:latin typeface="HY견고딕" pitchFamily="18" charset="-127"/>
+                <a:ea typeface="HY견고딕" pitchFamily="18" charset="-127"/>
+              </a:rPr>
+              <a:t>PrintWeapon</a:t>
+            </a:r>
+            <a:r>
+              <a:rPr lang="en-US" altLang="ko-KR" sz="900" dirty="0" smtClean="0">
+                <a:latin typeface="HY견고딕" pitchFamily="18" charset="-127"/>
+                <a:ea typeface="HY견고딕" pitchFamily="18" charset="-127"/>
+              </a:rPr>
+              <a:t>(weapon</a:t>
+            </a:r>
+            <a:r>
+              <a:rPr lang="en-US" altLang="ko-KR" sz="900" dirty="0">
+                <a:latin typeface="HY견고딕" pitchFamily="18" charset="-127"/>
+                <a:ea typeface="HY견고딕" pitchFamily="18" charset="-127"/>
+              </a:rPr>
+              <a:t>);</a:t>
+            </a:r>
+          </a:p>
+          <a:p>
+            <a:r>
+              <a:rPr lang="en-US" altLang="ko-KR" sz="900" dirty="0">
+                <a:latin typeface="HY견고딕" pitchFamily="18" charset="-127"/>
+                <a:ea typeface="HY견고딕" pitchFamily="18" charset="-127"/>
+              </a:rPr>
+              <a:t>}</a:t>
+            </a:r>
+            <a:endParaRPr lang="ko-KR" altLang="en-US" sz="900" dirty="0">
+              <a:latin typeface="HY견고딕" pitchFamily="18" charset="-127"/>
+              <a:ea typeface="HY견고딕" pitchFamily="18" charset="-127"/>
             </a:endParaRPr>
           </a:p>
         </p:txBody>
@@ -33638,1536 +33458,6 @@
 </file>
 
 <file path=ppt/slides/slide30.xml><?xml version="1.0" encoding="utf-8"?>
-<p:sld xmlns:a="http://schemas.openxmlformats.org/drawingml/2006/main" xmlns:r="http://schemas.openxmlformats.org/officeDocument/2006/relationships" xmlns:p="http://schemas.openxmlformats.org/presentationml/2006/main">
-  <p:cSld>
-    <p:spTree>
-      <p:nvGrpSpPr>
-        <p:cNvPr id="1" name=""/>
-        <p:cNvGrpSpPr/>
-        <p:nvPr/>
-      </p:nvGrpSpPr>
-      <p:grpSpPr>
-        <a:xfrm>
-          <a:off x="0" y="0"/>
-          <a:ext cx="0" cy="0"/>
-          <a:chOff x="0" y="0"/>
-          <a:chExt cx="0" cy="0"/>
-        </a:xfrm>
-      </p:grpSpPr>
-      <p:cxnSp>
-        <p:nvCxnSpPr>
-          <p:cNvPr id="4" name="직선 연결선 3"/>
-          <p:cNvCxnSpPr/>
-          <p:nvPr/>
-        </p:nvCxnSpPr>
-        <p:spPr>
-          <a:xfrm>
-            <a:off x="683568" y="-371068"/>
-            <a:ext cx="0" cy="7472476"/>
-          </a:xfrm>
-          <a:prstGeom prst="line">
-            <a:avLst/>
-          </a:prstGeom>
-          <a:ln>
-            <a:solidFill>
-              <a:schemeClr val="bg1">
-                <a:lumMod val="65000"/>
-                <a:alpha val="50000"/>
-              </a:schemeClr>
-            </a:solidFill>
-          </a:ln>
-        </p:spPr>
-        <p:style>
-          <a:lnRef idx="1">
-            <a:schemeClr val="accent1"/>
-          </a:lnRef>
-          <a:fillRef idx="0">
-            <a:schemeClr val="accent1"/>
-          </a:fillRef>
-          <a:effectRef idx="0">
-            <a:schemeClr val="accent1"/>
-          </a:effectRef>
-          <a:fontRef idx="minor">
-            <a:schemeClr val="tx1"/>
-          </a:fontRef>
-        </p:style>
-      </p:cxnSp>
-      <p:cxnSp>
-        <p:nvCxnSpPr>
-          <p:cNvPr id="5" name="직선 연결선 4"/>
-          <p:cNvCxnSpPr/>
-          <p:nvPr/>
-        </p:nvCxnSpPr>
-        <p:spPr>
-          <a:xfrm flipH="1">
-            <a:off x="692540" y="548680"/>
-            <a:ext cx="9295796" cy="0"/>
-          </a:xfrm>
-          <a:prstGeom prst="line">
-            <a:avLst/>
-          </a:prstGeom>
-          <a:ln>
-            <a:solidFill>
-              <a:schemeClr val="bg1">
-                <a:lumMod val="65000"/>
-                <a:alpha val="50000"/>
-              </a:schemeClr>
-            </a:solidFill>
-          </a:ln>
-        </p:spPr>
-        <p:style>
-          <a:lnRef idx="1">
-            <a:schemeClr val="accent1"/>
-          </a:lnRef>
-          <a:fillRef idx="0">
-            <a:schemeClr val="accent1"/>
-          </a:fillRef>
-          <a:effectRef idx="0">
-            <a:schemeClr val="accent1"/>
-          </a:effectRef>
-          <a:fontRef idx="minor">
-            <a:schemeClr val="tx1"/>
-          </a:fontRef>
-        </p:style>
-      </p:cxnSp>
-      <p:sp>
-        <p:nvSpPr>
-          <p:cNvPr id="15" name="TextBox 14"/>
-          <p:cNvSpPr txBox="1"/>
-          <p:nvPr/>
-        </p:nvSpPr>
-        <p:spPr>
-          <a:xfrm>
-            <a:off x="1569435" y="2947861"/>
-            <a:ext cx="6401434" cy="646331"/>
-          </a:xfrm>
-          <a:prstGeom prst="rect">
-            <a:avLst/>
-          </a:prstGeom>
-          <a:noFill/>
-        </p:spPr>
-        <p:txBody>
-          <a:bodyPr wrap="square" rtlCol="0">
-            <a:spAutoFit/>
-          </a:bodyPr>
-          <a:lstStyle/>
-          <a:p>
-            <a:pPr marL="285750" indent="-285750">
-              <a:buFont typeface="Arial" pitchFamily="34" charset="0"/>
-              <a:buChar char="•"/>
-            </a:pPr>
-            <a:r>
-              <a:rPr lang="en-US" altLang="ko-KR" sz="3600" dirty="0" err="1" smtClean="0">
-                <a:ln>
-                  <a:solidFill>
-                    <a:schemeClr val="tx1">
-                      <a:alpha val="30000"/>
-                    </a:schemeClr>
-                  </a:solidFill>
-                </a:ln>
-                <a:latin typeface="HY강M" pitchFamily="18" charset="-127"/>
-                <a:ea typeface="HY강M" pitchFamily="18" charset="-127"/>
-              </a:rPr>
-              <a:t>Enum</a:t>
-            </a:r>
-            <a:r>
-              <a:rPr lang="ko-KR" altLang="en-US" sz="3600" dirty="0" smtClean="0">
-                <a:ln>
-                  <a:solidFill>
-                    <a:schemeClr val="tx1">
-                      <a:alpha val="30000"/>
-                    </a:schemeClr>
-                  </a:solidFill>
-                </a:ln>
-                <a:latin typeface="HY강M" pitchFamily="18" charset="-127"/>
-                <a:ea typeface="HY강M" pitchFamily="18" charset="-127"/>
-              </a:rPr>
-              <a:t>예제</a:t>
-            </a:r>
-            <a:r>
-              <a:rPr lang="en-US" altLang="ko-KR" sz="3600" dirty="0" smtClean="0">
-                <a:ln>
-                  <a:solidFill>
-                    <a:schemeClr val="tx1">
-                      <a:alpha val="30000"/>
-                    </a:schemeClr>
-                  </a:solidFill>
-                </a:ln>
-                <a:latin typeface="HY강M" pitchFamily="18" charset="-127"/>
-                <a:ea typeface="HY강M" pitchFamily="18" charset="-127"/>
-              </a:rPr>
-              <a:t>1</a:t>
-            </a:r>
-            <a:r>
-              <a:rPr lang="ko-KR" altLang="en-US" sz="3600" dirty="0" smtClean="0">
-                <a:ln>
-                  <a:solidFill>
-                    <a:schemeClr val="tx1">
-                      <a:alpha val="30000"/>
-                    </a:schemeClr>
-                  </a:solidFill>
-                </a:ln>
-                <a:latin typeface="HY강M" pitchFamily="18" charset="-127"/>
-                <a:ea typeface="HY강M" pitchFamily="18" charset="-127"/>
-              </a:rPr>
-              <a:t>코드</a:t>
-            </a:r>
-            <a:r>
-              <a:rPr lang="en-US" altLang="ko-KR" sz="3600" dirty="0" smtClean="0">
-                <a:ln>
-                  <a:solidFill>
-                    <a:schemeClr val="tx1">
-                      <a:alpha val="30000"/>
-                    </a:schemeClr>
-                  </a:solidFill>
-                </a:ln>
-                <a:latin typeface="HY강M" pitchFamily="18" charset="-127"/>
-                <a:ea typeface="HY강M" pitchFamily="18" charset="-127"/>
-              </a:rPr>
-              <a:t>.txt </a:t>
-            </a:r>
-            <a:r>
-              <a:rPr lang="ko-KR" altLang="en-US" sz="3600" dirty="0" smtClean="0">
-                <a:ln>
-                  <a:solidFill>
-                    <a:schemeClr val="tx1">
-                      <a:alpha val="30000"/>
-                    </a:schemeClr>
-                  </a:solidFill>
-                </a:ln>
-                <a:latin typeface="HY강M" pitchFamily="18" charset="-127"/>
-                <a:ea typeface="HY강M" pitchFamily="18" charset="-127"/>
-              </a:rPr>
-              <a:t>참고</a:t>
-            </a:r>
-            <a:endParaRPr lang="en-US" altLang="ko-KR" sz="3600" dirty="0" smtClean="0">
-              <a:ln>
-                <a:solidFill>
-                  <a:schemeClr val="tx1">
-                    <a:alpha val="30000"/>
-                  </a:schemeClr>
-                </a:solidFill>
-              </a:ln>
-              <a:latin typeface="HY강M" pitchFamily="18" charset="-127"/>
-              <a:ea typeface="HY강M" pitchFamily="18" charset="-127"/>
-            </a:endParaRPr>
-          </a:p>
-        </p:txBody>
-      </p:sp>
-      <p:grpSp>
-        <p:nvGrpSpPr>
-          <p:cNvPr id="16" name="그룹 15"/>
-          <p:cNvGrpSpPr/>
-          <p:nvPr/>
-        </p:nvGrpSpPr>
-        <p:grpSpPr>
-          <a:xfrm>
-            <a:off x="6228184" y="4149080"/>
-            <a:ext cx="1647098" cy="463171"/>
-            <a:chOff x="4500694" y="5774141"/>
-            <a:chExt cx="1647098" cy="463171"/>
-          </a:xfrm>
-        </p:grpSpPr>
-        <p:sp>
-          <p:nvSpPr>
-            <p:cNvPr id="17" name="실행 단추: 앞으로 또는 다음 16">
-              <a:hlinkClick r:id="rId2" action="ppaction://program" highlightClick="1"/>
-            </p:cNvPr>
-            <p:cNvSpPr/>
-            <p:nvPr/>
-          </p:nvSpPr>
-          <p:spPr>
-            <a:xfrm>
-              <a:off x="4500694" y="5774141"/>
-              <a:ext cx="864096" cy="463171"/>
-            </a:xfrm>
-            <a:prstGeom prst="actionButtonForwardNext">
-              <a:avLst/>
-            </a:prstGeom>
-            <a:solidFill>
-              <a:schemeClr val="tx1"/>
-            </a:solidFill>
-            <a:ln>
-              <a:solidFill>
-                <a:schemeClr val="bg1"/>
-              </a:solidFill>
-            </a:ln>
-            <a:scene3d>
-              <a:camera prst="orthographicFront"/>
-              <a:lightRig rig="threePt" dir="t"/>
-            </a:scene3d>
-            <a:sp3d prstMaterial="metal">
-              <a:bevelT w="139700" h="127000" prst="divot"/>
-            </a:sp3d>
-          </p:spPr>
-          <p:style>
-            <a:lnRef idx="2">
-              <a:schemeClr val="accent1">
-                <a:shade val="50000"/>
-              </a:schemeClr>
-            </a:lnRef>
-            <a:fillRef idx="1">
-              <a:schemeClr val="accent1"/>
-            </a:fillRef>
-            <a:effectRef idx="0">
-              <a:schemeClr val="accent1"/>
-            </a:effectRef>
-            <a:fontRef idx="minor">
-              <a:schemeClr val="lt1"/>
-            </a:fontRef>
-          </p:style>
-          <p:txBody>
-            <a:bodyPr rtlCol="0" anchor="ctr"/>
-            <a:lstStyle/>
-            <a:p>
-              <a:pPr algn="ctr"/>
-              <a:endParaRPr lang="ko-KR" altLang="en-US"/>
-            </a:p>
-          </p:txBody>
-        </p:sp>
-        <p:sp>
-          <p:nvSpPr>
-            <p:cNvPr id="19" name="TextBox 18"/>
-            <p:cNvSpPr txBox="1"/>
-            <p:nvPr/>
-          </p:nvSpPr>
-          <p:spPr>
-            <a:xfrm>
-              <a:off x="5364790" y="5991091"/>
-              <a:ext cx="783002" cy="246221"/>
-            </a:xfrm>
-            <a:prstGeom prst="rect">
-              <a:avLst/>
-            </a:prstGeom>
-            <a:noFill/>
-          </p:spPr>
-          <p:txBody>
-            <a:bodyPr wrap="square" rtlCol="0">
-              <a:spAutoFit/>
-            </a:bodyPr>
-            <a:lstStyle/>
-            <a:p>
-              <a:r>
-                <a:rPr lang="en-US" altLang="ko-KR" sz="1000" dirty="0" smtClean="0">
-                  <a:ln>
-                    <a:solidFill>
-                      <a:schemeClr val="tx1">
-                        <a:alpha val="30000"/>
-                      </a:schemeClr>
-                    </a:solidFill>
-                  </a:ln>
-                  <a:solidFill>
-                    <a:srgbClr val="272123"/>
-                  </a:solidFill>
-                  <a:latin typeface="HY강M" pitchFamily="18" charset="-127"/>
-                  <a:ea typeface="HY강M" pitchFamily="18" charset="-127"/>
-                </a:rPr>
-                <a:t>(</a:t>
-              </a:r>
-              <a:r>
-                <a:rPr lang="ko-KR" altLang="en-US" sz="1000" dirty="0" smtClean="0">
-                  <a:ln>
-                    <a:solidFill>
-                      <a:schemeClr val="tx1">
-                        <a:alpha val="30000"/>
-                      </a:schemeClr>
-                    </a:solidFill>
-                  </a:ln>
-                  <a:solidFill>
-                    <a:srgbClr val="272123"/>
-                  </a:solidFill>
-                  <a:latin typeface="HY강M" pitchFamily="18" charset="-127"/>
-                  <a:ea typeface="HY강M" pitchFamily="18" charset="-127"/>
-                </a:rPr>
-                <a:t>실행파일</a:t>
-              </a:r>
-              <a:r>
-                <a:rPr lang="en-US" altLang="ko-KR" sz="1000" dirty="0" smtClean="0">
-                  <a:ln>
-                    <a:solidFill>
-                      <a:schemeClr val="tx1">
-                        <a:alpha val="30000"/>
-                      </a:schemeClr>
-                    </a:solidFill>
-                  </a:ln>
-                  <a:solidFill>
-                    <a:srgbClr val="272123"/>
-                  </a:solidFill>
-                  <a:latin typeface="HY강M" pitchFamily="18" charset="-127"/>
-                  <a:ea typeface="HY강M" pitchFamily="18" charset="-127"/>
-                </a:rPr>
-                <a:t>)</a:t>
-              </a:r>
-            </a:p>
-          </p:txBody>
-        </p:sp>
-      </p:grpSp>
-      <p:sp>
-        <p:nvSpPr>
-          <p:cNvPr id="14" name="TextBox 13"/>
-          <p:cNvSpPr txBox="1"/>
-          <p:nvPr/>
-        </p:nvSpPr>
-        <p:spPr>
-          <a:xfrm>
-            <a:off x="123549" y="882386"/>
-            <a:ext cx="541363" cy="338554"/>
-          </a:xfrm>
-          <a:prstGeom prst="rect">
-            <a:avLst/>
-          </a:prstGeom>
-          <a:noFill/>
-        </p:spPr>
-        <p:txBody>
-          <a:bodyPr wrap="square" rtlCol="0">
-            <a:spAutoFit/>
-          </a:bodyPr>
-          <a:lstStyle/>
-          <a:p>
-            <a:r>
-              <a:rPr lang="en-US" altLang="ko-KR" sz="1600" dirty="0" smtClean="0">
-                <a:ln>
-                  <a:solidFill>
-                    <a:schemeClr val="tx1">
-                      <a:alpha val="30000"/>
-                    </a:schemeClr>
-                  </a:solidFill>
-                </a:ln>
-                <a:solidFill>
-                  <a:schemeClr val="bg1">
-                    <a:lumMod val="85000"/>
-                  </a:schemeClr>
-                </a:solidFill>
-                <a:latin typeface="Yoon 윤고딕 520_TT" pitchFamily="18" charset="-127"/>
-                <a:ea typeface="Yoon 윤고딕 520_TT" pitchFamily="18" charset="-127"/>
-              </a:rPr>
-              <a:t>01</a:t>
-            </a:r>
-          </a:p>
-        </p:txBody>
-      </p:sp>
-      <p:sp>
-        <p:nvSpPr>
-          <p:cNvPr id="18" name="TextBox 17"/>
-          <p:cNvSpPr txBox="1"/>
-          <p:nvPr/>
-        </p:nvSpPr>
-        <p:spPr>
-          <a:xfrm>
-            <a:off x="107504" y="1412206"/>
-            <a:ext cx="450395" cy="338554"/>
-          </a:xfrm>
-          <a:prstGeom prst="rect">
-            <a:avLst/>
-          </a:prstGeom>
-          <a:noFill/>
-        </p:spPr>
-        <p:txBody>
-          <a:bodyPr wrap="square" rtlCol="0">
-            <a:spAutoFit/>
-          </a:bodyPr>
-          <a:lstStyle/>
-          <a:p>
-            <a:r>
-              <a:rPr lang="en-US" altLang="ko-KR" sz="1600" dirty="0" smtClean="0">
-                <a:ln>
-                  <a:solidFill>
-                    <a:schemeClr val="tx1">
-                      <a:alpha val="30000"/>
-                    </a:schemeClr>
-                  </a:solidFill>
-                </a:ln>
-                <a:solidFill>
-                  <a:schemeClr val="bg1">
-                    <a:lumMod val="85000"/>
-                  </a:schemeClr>
-                </a:solidFill>
-                <a:latin typeface="Yoon 윤고딕 520_TT" pitchFamily="18" charset="-127"/>
-                <a:ea typeface="Yoon 윤고딕 520_TT" pitchFamily="18" charset="-127"/>
-              </a:rPr>
-              <a:t>02</a:t>
-            </a:r>
-          </a:p>
-        </p:txBody>
-      </p:sp>
-      <p:sp>
-        <p:nvSpPr>
-          <p:cNvPr id="20" name="TextBox 19"/>
-          <p:cNvSpPr txBox="1"/>
-          <p:nvPr/>
-        </p:nvSpPr>
-        <p:spPr>
-          <a:xfrm>
-            <a:off x="107504" y="1891001"/>
-            <a:ext cx="450395" cy="338554"/>
-          </a:xfrm>
-          <a:prstGeom prst="rect">
-            <a:avLst/>
-          </a:prstGeom>
-          <a:noFill/>
-        </p:spPr>
-        <p:txBody>
-          <a:bodyPr wrap="square" rtlCol="0">
-            <a:spAutoFit/>
-          </a:bodyPr>
-          <a:lstStyle/>
-          <a:p>
-            <a:r>
-              <a:rPr lang="en-US" altLang="ko-KR" sz="1600" dirty="0" smtClean="0">
-                <a:ln>
-                  <a:solidFill>
-                    <a:schemeClr val="tx1">
-                      <a:alpha val="30000"/>
-                    </a:schemeClr>
-                  </a:solidFill>
-                </a:ln>
-                <a:solidFill>
-                  <a:schemeClr val="bg1">
-                    <a:lumMod val="85000"/>
-                  </a:schemeClr>
-                </a:solidFill>
-                <a:latin typeface="Yoon 윤고딕 520_TT" pitchFamily="18" charset="-127"/>
-                <a:ea typeface="Yoon 윤고딕 520_TT" pitchFamily="18" charset="-127"/>
-              </a:rPr>
-              <a:t>03</a:t>
-            </a:r>
-          </a:p>
-        </p:txBody>
-      </p:sp>
-      <p:sp>
-        <p:nvSpPr>
-          <p:cNvPr id="21" name="TextBox 20"/>
-          <p:cNvSpPr txBox="1"/>
-          <p:nvPr/>
-        </p:nvSpPr>
-        <p:spPr>
-          <a:xfrm>
-            <a:off x="107504" y="1912272"/>
-            <a:ext cx="450395" cy="338554"/>
-          </a:xfrm>
-          <a:prstGeom prst="rect">
-            <a:avLst/>
-          </a:prstGeom>
-          <a:noFill/>
-        </p:spPr>
-        <p:txBody>
-          <a:bodyPr wrap="square" rtlCol="0">
-            <a:spAutoFit/>
-          </a:bodyPr>
-          <a:lstStyle/>
-          <a:p>
-            <a:r>
-              <a:rPr lang="en-US" altLang="ko-KR" sz="1600" dirty="0" smtClean="0">
-                <a:ln>
-                  <a:solidFill>
-                    <a:schemeClr val="tx1">
-                      <a:alpha val="30000"/>
-                    </a:schemeClr>
-                  </a:solidFill>
-                </a:ln>
-                <a:solidFill>
-                  <a:schemeClr val="bg1">
-                    <a:lumMod val="85000"/>
-                  </a:schemeClr>
-                </a:solidFill>
-                <a:latin typeface="Yoon 윤고딕 520_TT" pitchFamily="18" charset="-127"/>
-                <a:ea typeface="Yoon 윤고딕 520_TT" pitchFamily="18" charset="-127"/>
-              </a:rPr>
-              <a:t>02</a:t>
-            </a:r>
-          </a:p>
-        </p:txBody>
-      </p:sp>
-      <p:sp>
-        <p:nvSpPr>
-          <p:cNvPr id="22" name="직사각형 21"/>
-          <p:cNvSpPr/>
-          <p:nvPr/>
-        </p:nvSpPr>
-        <p:spPr>
-          <a:xfrm>
-            <a:off x="0" y="1861767"/>
-            <a:ext cx="834325" cy="343501"/>
-          </a:xfrm>
-          <a:prstGeom prst="rect">
-            <a:avLst/>
-          </a:prstGeom>
-          <a:solidFill>
-            <a:srgbClr val="272123"/>
-          </a:solidFill>
-          <a:ln>
-            <a:noFill/>
-          </a:ln>
-        </p:spPr>
-        <p:style>
-          <a:lnRef idx="2">
-            <a:schemeClr val="accent1">
-              <a:shade val="50000"/>
-            </a:schemeClr>
-          </a:lnRef>
-          <a:fillRef idx="1">
-            <a:schemeClr val="accent1"/>
-          </a:fillRef>
-          <a:effectRef idx="0">
-            <a:schemeClr val="accent1"/>
-          </a:effectRef>
-          <a:fontRef idx="minor">
-            <a:schemeClr val="lt1"/>
-          </a:fontRef>
-        </p:style>
-        <p:txBody>
-          <a:bodyPr rtlCol="0" anchor="ctr"/>
-          <a:lstStyle/>
-          <a:p>
-            <a:pPr algn="ctr"/>
-            <a:endParaRPr lang="ko-KR" altLang="en-US"/>
-          </a:p>
-        </p:txBody>
-      </p:sp>
-      <p:sp>
-        <p:nvSpPr>
-          <p:cNvPr id="23" name="직각 삼각형 22"/>
-          <p:cNvSpPr/>
-          <p:nvPr/>
-        </p:nvSpPr>
-        <p:spPr>
-          <a:xfrm rot="5400000">
-            <a:off x="712038" y="2191841"/>
-            <a:ext cx="81142" cy="108000"/>
-          </a:xfrm>
-          <a:prstGeom prst="rtTriangle">
-            <a:avLst/>
-          </a:prstGeom>
-          <a:solidFill>
-            <a:schemeClr val="tx1"/>
-          </a:solidFill>
-          <a:ln>
-            <a:solidFill>
-              <a:schemeClr val="tx1"/>
-            </a:solidFill>
-          </a:ln>
-        </p:spPr>
-        <p:style>
-          <a:lnRef idx="2">
-            <a:schemeClr val="accent1">
-              <a:shade val="50000"/>
-            </a:schemeClr>
-          </a:lnRef>
-          <a:fillRef idx="1">
-            <a:schemeClr val="accent1"/>
-          </a:fillRef>
-          <a:effectRef idx="0">
-            <a:schemeClr val="accent1"/>
-          </a:effectRef>
-          <a:fontRef idx="minor">
-            <a:schemeClr val="lt1"/>
-          </a:fontRef>
-        </p:style>
-        <p:txBody>
-          <a:bodyPr rtlCol="0" anchor="ctr"/>
-          <a:lstStyle/>
-          <a:p>
-            <a:pPr algn="ctr"/>
-            <a:endParaRPr lang="ko-KR" altLang="en-US"/>
-          </a:p>
-        </p:txBody>
-      </p:sp>
-      <p:sp>
-        <p:nvSpPr>
-          <p:cNvPr id="24" name="TextBox 23"/>
-          <p:cNvSpPr txBox="1"/>
-          <p:nvPr/>
-        </p:nvSpPr>
-        <p:spPr>
-          <a:xfrm>
-            <a:off x="132832" y="1857364"/>
-            <a:ext cx="541363" cy="338554"/>
-          </a:xfrm>
-          <a:prstGeom prst="rect">
-            <a:avLst/>
-          </a:prstGeom>
-          <a:noFill/>
-        </p:spPr>
-        <p:txBody>
-          <a:bodyPr wrap="square" rtlCol="0">
-            <a:spAutoFit/>
-          </a:bodyPr>
-          <a:lstStyle/>
-          <a:p>
-            <a:r>
-              <a:rPr lang="en-US" altLang="ko-KR" sz="1600" dirty="0" smtClean="0">
-                <a:ln>
-                  <a:solidFill>
-                    <a:schemeClr val="bg1">
-                      <a:lumMod val="85000"/>
-                      <a:alpha val="30000"/>
-                    </a:schemeClr>
-                  </a:solidFill>
-                </a:ln>
-                <a:solidFill>
-                  <a:schemeClr val="bg1">
-                    <a:lumMod val="95000"/>
-                  </a:schemeClr>
-                </a:solidFill>
-                <a:latin typeface="Yoon 윤고딕 520_TT" pitchFamily="18" charset="-127"/>
-                <a:ea typeface="Yoon 윤고딕 520_TT" pitchFamily="18" charset="-127"/>
-              </a:rPr>
-              <a:t>03</a:t>
-            </a:r>
-          </a:p>
-        </p:txBody>
-      </p:sp>
-      <p:sp>
-        <p:nvSpPr>
-          <p:cNvPr id="25" name="TextBox 24"/>
-          <p:cNvSpPr txBox="1"/>
-          <p:nvPr/>
-        </p:nvSpPr>
-        <p:spPr>
-          <a:xfrm>
-            <a:off x="743325" y="52491"/>
-            <a:ext cx="2208495" cy="400110"/>
-          </a:xfrm>
-          <a:prstGeom prst="rect">
-            <a:avLst/>
-          </a:prstGeom>
-          <a:noFill/>
-        </p:spPr>
-        <p:txBody>
-          <a:bodyPr wrap="square" rtlCol="0">
-            <a:spAutoFit/>
-          </a:bodyPr>
-          <a:lstStyle/>
-          <a:p>
-            <a:pPr algn="ctr"/>
-            <a:r>
-              <a:rPr lang="en-US" altLang="ko-KR" sz="2000" b="1" dirty="0" err="1" smtClean="0">
-                <a:ln>
-                  <a:solidFill>
-                    <a:schemeClr val="bg1">
-                      <a:lumMod val="85000"/>
-                      <a:alpha val="30000"/>
-                    </a:schemeClr>
-                  </a:solidFill>
-                </a:ln>
-                <a:latin typeface="HY헤드라인M" pitchFamily="18" charset="-127"/>
-                <a:ea typeface="HY헤드라인M" pitchFamily="18" charset="-127"/>
-              </a:rPr>
-              <a:t>enum</a:t>
-            </a:r>
-            <a:endParaRPr lang="en-US" altLang="ko-KR" sz="2000" b="1" dirty="0">
-              <a:ln>
-                <a:solidFill>
-                  <a:schemeClr val="bg1">
-                    <a:lumMod val="85000"/>
-                    <a:alpha val="30000"/>
-                  </a:schemeClr>
-                </a:solidFill>
-              </a:ln>
-              <a:latin typeface="HY헤드라인M" pitchFamily="18" charset="-127"/>
-              <a:ea typeface="HY헤드라인M" pitchFamily="18" charset="-127"/>
-            </a:endParaRPr>
-          </a:p>
-        </p:txBody>
-      </p:sp>
-    </p:spTree>
-    <p:extLst>
-      <p:ext uri="{BB962C8B-B14F-4D97-AF65-F5344CB8AC3E}">
-        <p14:creationId xmlns:p14="http://schemas.microsoft.com/office/powerpoint/2010/main" val="2872479615"/>
-      </p:ext>
-    </p:extLst>
-  </p:cSld>
-  <p:clrMapOvr>
-    <a:masterClrMapping/>
-  </p:clrMapOvr>
-  <mc:AlternateContent xmlns:mc="http://schemas.openxmlformats.org/markup-compatibility/2006" xmlns:p14="http://schemas.microsoft.com/office/powerpoint/2010/main">
-    <mc:Choice Requires="p14">
-      <p:transition spd="med" p14:dur="700" advTm="1223">
-        <p:fade/>
-      </p:transition>
-    </mc:Choice>
-    <mc:Fallback xmlns="">
-      <p:transition spd="med" advTm="1223">
-        <p:fade/>
-      </p:transition>
-    </mc:Fallback>
-  </mc:AlternateContent>
-  <p:timing>
-    <p:tnLst>
-      <p:par>
-        <p:cTn id="1" dur="indefinite" restart="never" nodeType="tmRoot"/>
-      </p:par>
-    </p:tnLst>
-  </p:timing>
-</p:sld>
-</file>
-
-<file path=ppt/slides/slide31.xml><?xml version="1.0" encoding="utf-8"?>
-<p:sld xmlns:a="http://schemas.openxmlformats.org/drawingml/2006/main" xmlns:r="http://schemas.openxmlformats.org/officeDocument/2006/relationships" xmlns:p="http://schemas.openxmlformats.org/presentationml/2006/main">
-  <p:cSld>
-    <p:spTree>
-      <p:nvGrpSpPr>
-        <p:cNvPr id="1" name=""/>
-        <p:cNvGrpSpPr/>
-        <p:nvPr/>
-      </p:nvGrpSpPr>
-      <p:grpSpPr>
-        <a:xfrm>
-          <a:off x="0" y="0"/>
-          <a:ext cx="0" cy="0"/>
-          <a:chOff x="0" y="0"/>
-          <a:chExt cx="0" cy="0"/>
-        </a:xfrm>
-      </p:grpSpPr>
-      <p:cxnSp>
-        <p:nvCxnSpPr>
-          <p:cNvPr id="4" name="직선 연결선 3"/>
-          <p:cNvCxnSpPr/>
-          <p:nvPr/>
-        </p:nvCxnSpPr>
-        <p:spPr>
-          <a:xfrm>
-            <a:off x="683568" y="-371068"/>
-            <a:ext cx="0" cy="7472476"/>
-          </a:xfrm>
-          <a:prstGeom prst="line">
-            <a:avLst/>
-          </a:prstGeom>
-          <a:ln>
-            <a:solidFill>
-              <a:schemeClr val="bg1">
-                <a:lumMod val="65000"/>
-                <a:alpha val="50000"/>
-              </a:schemeClr>
-            </a:solidFill>
-          </a:ln>
-        </p:spPr>
-        <p:style>
-          <a:lnRef idx="1">
-            <a:schemeClr val="accent1"/>
-          </a:lnRef>
-          <a:fillRef idx="0">
-            <a:schemeClr val="accent1"/>
-          </a:fillRef>
-          <a:effectRef idx="0">
-            <a:schemeClr val="accent1"/>
-          </a:effectRef>
-          <a:fontRef idx="minor">
-            <a:schemeClr val="tx1"/>
-          </a:fontRef>
-        </p:style>
-      </p:cxnSp>
-      <p:cxnSp>
-        <p:nvCxnSpPr>
-          <p:cNvPr id="5" name="직선 연결선 4"/>
-          <p:cNvCxnSpPr/>
-          <p:nvPr/>
-        </p:nvCxnSpPr>
-        <p:spPr>
-          <a:xfrm flipH="1">
-            <a:off x="692540" y="548680"/>
-            <a:ext cx="9295796" cy="0"/>
-          </a:xfrm>
-          <a:prstGeom prst="line">
-            <a:avLst/>
-          </a:prstGeom>
-          <a:ln>
-            <a:solidFill>
-              <a:schemeClr val="bg1">
-                <a:lumMod val="65000"/>
-                <a:alpha val="50000"/>
-              </a:schemeClr>
-            </a:solidFill>
-          </a:ln>
-        </p:spPr>
-        <p:style>
-          <a:lnRef idx="1">
-            <a:schemeClr val="accent1"/>
-          </a:lnRef>
-          <a:fillRef idx="0">
-            <a:schemeClr val="accent1"/>
-          </a:fillRef>
-          <a:effectRef idx="0">
-            <a:schemeClr val="accent1"/>
-          </a:effectRef>
-          <a:fontRef idx="minor">
-            <a:schemeClr val="tx1"/>
-          </a:fontRef>
-        </p:style>
-      </p:cxnSp>
-      <p:sp>
-        <p:nvSpPr>
-          <p:cNvPr id="15" name="TextBox 14"/>
-          <p:cNvSpPr txBox="1"/>
-          <p:nvPr/>
-        </p:nvSpPr>
-        <p:spPr>
-          <a:xfrm>
-            <a:off x="1569435" y="2947861"/>
-            <a:ext cx="6401434" cy="646331"/>
-          </a:xfrm>
-          <a:prstGeom prst="rect">
-            <a:avLst/>
-          </a:prstGeom>
-          <a:noFill/>
-        </p:spPr>
-        <p:txBody>
-          <a:bodyPr wrap="square" rtlCol="0">
-            <a:spAutoFit/>
-          </a:bodyPr>
-          <a:lstStyle/>
-          <a:p>
-            <a:pPr marL="285750" indent="-285750">
-              <a:buFont typeface="Arial" pitchFamily="34" charset="0"/>
-              <a:buChar char="•"/>
-            </a:pPr>
-            <a:r>
-              <a:rPr lang="en-US" altLang="ko-KR" sz="3600" dirty="0" err="1" smtClean="0">
-                <a:ln>
-                  <a:solidFill>
-                    <a:schemeClr val="tx1">
-                      <a:alpha val="30000"/>
-                    </a:schemeClr>
-                  </a:solidFill>
-                </a:ln>
-                <a:latin typeface="HY강M" pitchFamily="18" charset="-127"/>
-                <a:ea typeface="HY강M" pitchFamily="18" charset="-127"/>
-              </a:rPr>
-              <a:t>Enum</a:t>
-            </a:r>
-            <a:r>
-              <a:rPr lang="ko-KR" altLang="en-US" sz="3600" dirty="0" smtClean="0">
-                <a:ln>
-                  <a:solidFill>
-                    <a:schemeClr val="tx1">
-                      <a:alpha val="30000"/>
-                    </a:schemeClr>
-                  </a:solidFill>
-                </a:ln>
-                <a:latin typeface="HY강M" pitchFamily="18" charset="-127"/>
-                <a:ea typeface="HY강M" pitchFamily="18" charset="-127"/>
-              </a:rPr>
-              <a:t>예제</a:t>
-            </a:r>
-            <a:r>
-              <a:rPr lang="en-US" altLang="ko-KR" sz="3600" dirty="0" smtClean="0">
-                <a:ln>
-                  <a:solidFill>
-                    <a:schemeClr val="tx1">
-                      <a:alpha val="30000"/>
-                    </a:schemeClr>
-                  </a:solidFill>
-                </a:ln>
-                <a:latin typeface="HY강M" pitchFamily="18" charset="-127"/>
-                <a:ea typeface="HY강M" pitchFamily="18" charset="-127"/>
-              </a:rPr>
-              <a:t>2</a:t>
-            </a:r>
-            <a:r>
-              <a:rPr lang="ko-KR" altLang="en-US" sz="3600" dirty="0" smtClean="0">
-                <a:ln>
-                  <a:solidFill>
-                    <a:schemeClr val="tx1">
-                      <a:alpha val="30000"/>
-                    </a:schemeClr>
-                  </a:solidFill>
-                </a:ln>
-                <a:latin typeface="HY강M" pitchFamily="18" charset="-127"/>
-                <a:ea typeface="HY강M" pitchFamily="18" charset="-127"/>
-              </a:rPr>
-              <a:t>코드</a:t>
-            </a:r>
-            <a:r>
-              <a:rPr lang="en-US" altLang="ko-KR" sz="3600" dirty="0" smtClean="0">
-                <a:ln>
-                  <a:solidFill>
-                    <a:schemeClr val="tx1">
-                      <a:alpha val="30000"/>
-                    </a:schemeClr>
-                  </a:solidFill>
-                </a:ln>
-                <a:latin typeface="HY강M" pitchFamily="18" charset="-127"/>
-                <a:ea typeface="HY강M" pitchFamily="18" charset="-127"/>
-              </a:rPr>
-              <a:t>.txt </a:t>
-            </a:r>
-            <a:r>
-              <a:rPr lang="ko-KR" altLang="en-US" sz="3600" dirty="0" smtClean="0">
-                <a:ln>
-                  <a:solidFill>
-                    <a:schemeClr val="tx1">
-                      <a:alpha val="30000"/>
-                    </a:schemeClr>
-                  </a:solidFill>
-                </a:ln>
-                <a:latin typeface="HY강M" pitchFamily="18" charset="-127"/>
-                <a:ea typeface="HY강M" pitchFamily="18" charset="-127"/>
-              </a:rPr>
-              <a:t>참고</a:t>
-            </a:r>
-            <a:endParaRPr lang="en-US" altLang="ko-KR" sz="3600" dirty="0" smtClean="0">
-              <a:ln>
-                <a:solidFill>
-                  <a:schemeClr val="tx1">
-                    <a:alpha val="30000"/>
-                  </a:schemeClr>
-                </a:solidFill>
-              </a:ln>
-              <a:latin typeface="HY강M" pitchFamily="18" charset="-127"/>
-              <a:ea typeface="HY강M" pitchFamily="18" charset="-127"/>
-            </a:endParaRPr>
-          </a:p>
-        </p:txBody>
-      </p:sp>
-      <p:grpSp>
-        <p:nvGrpSpPr>
-          <p:cNvPr id="16" name="그룹 15"/>
-          <p:cNvGrpSpPr/>
-          <p:nvPr/>
-        </p:nvGrpSpPr>
-        <p:grpSpPr>
-          <a:xfrm>
-            <a:off x="6228184" y="4149080"/>
-            <a:ext cx="1647098" cy="463171"/>
-            <a:chOff x="4500694" y="5774141"/>
-            <a:chExt cx="1647098" cy="463171"/>
-          </a:xfrm>
-        </p:grpSpPr>
-        <p:sp>
-          <p:nvSpPr>
-            <p:cNvPr id="17" name="실행 단추: 앞으로 또는 다음 16">
-              <a:hlinkClick r:id="rId2" action="ppaction://program" highlightClick="1"/>
-            </p:cNvPr>
-            <p:cNvSpPr/>
-            <p:nvPr/>
-          </p:nvSpPr>
-          <p:spPr>
-            <a:xfrm>
-              <a:off x="4500694" y="5774141"/>
-              <a:ext cx="864096" cy="463171"/>
-            </a:xfrm>
-            <a:prstGeom prst="actionButtonForwardNext">
-              <a:avLst/>
-            </a:prstGeom>
-            <a:solidFill>
-              <a:schemeClr val="tx1"/>
-            </a:solidFill>
-            <a:ln>
-              <a:solidFill>
-                <a:schemeClr val="bg1"/>
-              </a:solidFill>
-            </a:ln>
-            <a:scene3d>
-              <a:camera prst="orthographicFront"/>
-              <a:lightRig rig="threePt" dir="t"/>
-            </a:scene3d>
-            <a:sp3d prstMaterial="metal">
-              <a:bevelT w="139700" h="127000" prst="divot"/>
-            </a:sp3d>
-          </p:spPr>
-          <p:style>
-            <a:lnRef idx="2">
-              <a:schemeClr val="accent1">
-                <a:shade val="50000"/>
-              </a:schemeClr>
-            </a:lnRef>
-            <a:fillRef idx="1">
-              <a:schemeClr val="accent1"/>
-            </a:fillRef>
-            <a:effectRef idx="0">
-              <a:schemeClr val="accent1"/>
-            </a:effectRef>
-            <a:fontRef idx="minor">
-              <a:schemeClr val="lt1"/>
-            </a:fontRef>
-          </p:style>
-          <p:txBody>
-            <a:bodyPr rtlCol="0" anchor="ctr"/>
-            <a:lstStyle/>
-            <a:p>
-              <a:pPr algn="ctr"/>
-              <a:endParaRPr lang="ko-KR" altLang="en-US"/>
-            </a:p>
-          </p:txBody>
-        </p:sp>
-        <p:sp>
-          <p:nvSpPr>
-            <p:cNvPr id="19" name="TextBox 18"/>
-            <p:cNvSpPr txBox="1"/>
-            <p:nvPr/>
-          </p:nvSpPr>
-          <p:spPr>
-            <a:xfrm>
-              <a:off x="5364790" y="5991091"/>
-              <a:ext cx="783002" cy="246221"/>
-            </a:xfrm>
-            <a:prstGeom prst="rect">
-              <a:avLst/>
-            </a:prstGeom>
-            <a:noFill/>
-          </p:spPr>
-          <p:txBody>
-            <a:bodyPr wrap="square" rtlCol="0">
-              <a:spAutoFit/>
-            </a:bodyPr>
-            <a:lstStyle/>
-            <a:p>
-              <a:r>
-                <a:rPr lang="en-US" altLang="ko-KR" sz="1000" dirty="0" smtClean="0">
-                  <a:ln>
-                    <a:solidFill>
-                      <a:schemeClr val="tx1">
-                        <a:alpha val="30000"/>
-                      </a:schemeClr>
-                    </a:solidFill>
-                  </a:ln>
-                  <a:solidFill>
-                    <a:srgbClr val="272123"/>
-                  </a:solidFill>
-                  <a:latin typeface="HY강M" pitchFamily="18" charset="-127"/>
-                  <a:ea typeface="HY강M" pitchFamily="18" charset="-127"/>
-                </a:rPr>
-                <a:t>(</a:t>
-              </a:r>
-              <a:r>
-                <a:rPr lang="ko-KR" altLang="en-US" sz="1000" dirty="0" smtClean="0">
-                  <a:ln>
-                    <a:solidFill>
-                      <a:schemeClr val="tx1">
-                        <a:alpha val="30000"/>
-                      </a:schemeClr>
-                    </a:solidFill>
-                  </a:ln>
-                  <a:solidFill>
-                    <a:srgbClr val="272123"/>
-                  </a:solidFill>
-                  <a:latin typeface="HY강M" pitchFamily="18" charset="-127"/>
-                  <a:ea typeface="HY강M" pitchFamily="18" charset="-127"/>
-                </a:rPr>
-                <a:t>실행파일</a:t>
-              </a:r>
-              <a:r>
-                <a:rPr lang="en-US" altLang="ko-KR" sz="1000" dirty="0" smtClean="0">
-                  <a:ln>
-                    <a:solidFill>
-                      <a:schemeClr val="tx1">
-                        <a:alpha val="30000"/>
-                      </a:schemeClr>
-                    </a:solidFill>
-                  </a:ln>
-                  <a:solidFill>
-                    <a:srgbClr val="272123"/>
-                  </a:solidFill>
-                  <a:latin typeface="HY강M" pitchFamily="18" charset="-127"/>
-                  <a:ea typeface="HY강M" pitchFamily="18" charset="-127"/>
-                </a:rPr>
-                <a:t>)</a:t>
-              </a:r>
-            </a:p>
-          </p:txBody>
-        </p:sp>
-      </p:grpSp>
-      <p:sp>
-        <p:nvSpPr>
-          <p:cNvPr id="14" name="TextBox 13"/>
-          <p:cNvSpPr txBox="1"/>
-          <p:nvPr/>
-        </p:nvSpPr>
-        <p:spPr>
-          <a:xfrm>
-            <a:off x="123549" y="882386"/>
-            <a:ext cx="541363" cy="338554"/>
-          </a:xfrm>
-          <a:prstGeom prst="rect">
-            <a:avLst/>
-          </a:prstGeom>
-          <a:noFill/>
-        </p:spPr>
-        <p:txBody>
-          <a:bodyPr wrap="square" rtlCol="0">
-            <a:spAutoFit/>
-          </a:bodyPr>
-          <a:lstStyle/>
-          <a:p>
-            <a:r>
-              <a:rPr lang="en-US" altLang="ko-KR" sz="1600" dirty="0" smtClean="0">
-                <a:ln>
-                  <a:solidFill>
-                    <a:schemeClr val="tx1">
-                      <a:alpha val="30000"/>
-                    </a:schemeClr>
-                  </a:solidFill>
-                </a:ln>
-                <a:solidFill>
-                  <a:schemeClr val="bg1">
-                    <a:lumMod val="85000"/>
-                  </a:schemeClr>
-                </a:solidFill>
-                <a:latin typeface="Yoon 윤고딕 520_TT" pitchFamily="18" charset="-127"/>
-                <a:ea typeface="Yoon 윤고딕 520_TT" pitchFamily="18" charset="-127"/>
-              </a:rPr>
-              <a:t>01</a:t>
-            </a:r>
-          </a:p>
-        </p:txBody>
-      </p:sp>
-      <p:sp>
-        <p:nvSpPr>
-          <p:cNvPr id="18" name="TextBox 17"/>
-          <p:cNvSpPr txBox="1"/>
-          <p:nvPr/>
-        </p:nvSpPr>
-        <p:spPr>
-          <a:xfrm>
-            <a:off x="107504" y="1412206"/>
-            <a:ext cx="450395" cy="338554"/>
-          </a:xfrm>
-          <a:prstGeom prst="rect">
-            <a:avLst/>
-          </a:prstGeom>
-          <a:noFill/>
-        </p:spPr>
-        <p:txBody>
-          <a:bodyPr wrap="square" rtlCol="0">
-            <a:spAutoFit/>
-          </a:bodyPr>
-          <a:lstStyle/>
-          <a:p>
-            <a:r>
-              <a:rPr lang="en-US" altLang="ko-KR" sz="1600" dirty="0" smtClean="0">
-                <a:ln>
-                  <a:solidFill>
-                    <a:schemeClr val="tx1">
-                      <a:alpha val="30000"/>
-                    </a:schemeClr>
-                  </a:solidFill>
-                </a:ln>
-                <a:solidFill>
-                  <a:schemeClr val="bg1">
-                    <a:lumMod val="85000"/>
-                  </a:schemeClr>
-                </a:solidFill>
-                <a:latin typeface="Yoon 윤고딕 520_TT" pitchFamily="18" charset="-127"/>
-                <a:ea typeface="Yoon 윤고딕 520_TT" pitchFamily="18" charset="-127"/>
-              </a:rPr>
-              <a:t>02</a:t>
-            </a:r>
-          </a:p>
-        </p:txBody>
-      </p:sp>
-      <p:sp>
-        <p:nvSpPr>
-          <p:cNvPr id="20" name="TextBox 19"/>
-          <p:cNvSpPr txBox="1"/>
-          <p:nvPr/>
-        </p:nvSpPr>
-        <p:spPr>
-          <a:xfrm>
-            <a:off x="107504" y="1891001"/>
-            <a:ext cx="450395" cy="338554"/>
-          </a:xfrm>
-          <a:prstGeom prst="rect">
-            <a:avLst/>
-          </a:prstGeom>
-          <a:noFill/>
-        </p:spPr>
-        <p:txBody>
-          <a:bodyPr wrap="square" rtlCol="0">
-            <a:spAutoFit/>
-          </a:bodyPr>
-          <a:lstStyle/>
-          <a:p>
-            <a:r>
-              <a:rPr lang="en-US" altLang="ko-KR" sz="1600" dirty="0" smtClean="0">
-                <a:ln>
-                  <a:solidFill>
-                    <a:schemeClr val="tx1">
-                      <a:alpha val="30000"/>
-                    </a:schemeClr>
-                  </a:solidFill>
-                </a:ln>
-                <a:solidFill>
-                  <a:schemeClr val="bg1">
-                    <a:lumMod val="85000"/>
-                  </a:schemeClr>
-                </a:solidFill>
-                <a:latin typeface="Yoon 윤고딕 520_TT" pitchFamily="18" charset="-127"/>
-                <a:ea typeface="Yoon 윤고딕 520_TT" pitchFamily="18" charset="-127"/>
-              </a:rPr>
-              <a:t>03</a:t>
-            </a:r>
-          </a:p>
-        </p:txBody>
-      </p:sp>
-      <p:sp>
-        <p:nvSpPr>
-          <p:cNvPr id="21" name="TextBox 20"/>
-          <p:cNvSpPr txBox="1"/>
-          <p:nvPr/>
-        </p:nvSpPr>
-        <p:spPr>
-          <a:xfrm>
-            <a:off x="107504" y="1912272"/>
-            <a:ext cx="450395" cy="338554"/>
-          </a:xfrm>
-          <a:prstGeom prst="rect">
-            <a:avLst/>
-          </a:prstGeom>
-          <a:noFill/>
-        </p:spPr>
-        <p:txBody>
-          <a:bodyPr wrap="square" rtlCol="0">
-            <a:spAutoFit/>
-          </a:bodyPr>
-          <a:lstStyle/>
-          <a:p>
-            <a:r>
-              <a:rPr lang="en-US" altLang="ko-KR" sz="1600" dirty="0" smtClean="0">
-                <a:ln>
-                  <a:solidFill>
-                    <a:schemeClr val="tx1">
-                      <a:alpha val="30000"/>
-                    </a:schemeClr>
-                  </a:solidFill>
-                </a:ln>
-                <a:solidFill>
-                  <a:schemeClr val="bg1">
-                    <a:lumMod val="85000"/>
-                  </a:schemeClr>
-                </a:solidFill>
-                <a:latin typeface="Yoon 윤고딕 520_TT" pitchFamily="18" charset="-127"/>
-                <a:ea typeface="Yoon 윤고딕 520_TT" pitchFamily="18" charset="-127"/>
-              </a:rPr>
-              <a:t>02</a:t>
-            </a:r>
-          </a:p>
-        </p:txBody>
-      </p:sp>
-      <p:sp>
-        <p:nvSpPr>
-          <p:cNvPr id="22" name="직사각형 21"/>
-          <p:cNvSpPr/>
-          <p:nvPr/>
-        </p:nvSpPr>
-        <p:spPr>
-          <a:xfrm>
-            <a:off x="0" y="1861767"/>
-            <a:ext cx="834325" cy="343501"/>
-          </a:xfrm>
-          <a:prstGeom prst="rect">
-            <a:avLst/>
-          </a:prstGeom>
-          <a:solidFill>
-            <a:srgbClr val="272123"/>
-          </a:solidFill>
-          <a:ln>
-            <a:noFill/>
-          </a:ln>
-        </p:spPr>
-        <p:style>
-          <a:lnRef idx="2">
-            <a:schemeClr val="accent1">
-              <a:shade val="50000"/>
-            </a:schemeClr>
-          </a:lnRef>
-          <a:fillRef idx="1">
-            <a:schemeClr val="accent1"/>
-          </a:fillRef>
-          <a:effectRef idx="0">
-            <a:schemeClr val="accent1"/>
-          </a:effectRef>
-          <a:fontRef idx="minor">
-            <a:schemeClr val="lt1"/>
-          </a:fontRef>
-        </p:style>
-        <p:txBody>
-          <a:bodyPr rtlCol="0" anchor="ctr"/>
-          <a:lstStyle/>
-          <a:p>
-            <a:pPr algn="ctr"/>
-            <a:endParaRPr lang="ko-KR" altLang="en-US"/>
-          </a:p>
-        </p:txBody>
-      </p:sp>
-      <p:sp>
-        <p:nvSpPr>
-          <p:cNvPr id="23" name="직각 삼각형 22"/>
-          <p:cNvSpPr/>
-          <p:nvPr/>
-        </p:nvSpPr>
-        <p:spPr>
-          <a:xfrm rot="5400000">
-            <a:off x="712038" y="2191841"/>
-            <a:ext cx="81142" cy="108000"/>
-          </a:xfrm>
-          <a:prstGeom prst="rtTriangle">
-            <a:avLst/>
-          </a:prstGeom>
-          <a:solidFill>
-            <a:schemeClr val="tx1"/>
-          </a:solidFill>
-          <a:ln>
-            <a:solidFill>
-              <a:schemeClr val="tx1"/>
-            </a:solidFill>
-          </a:ln>
-        </p:spPr>
-        <p:style>
-          <a:lnRef idx="2">
-            <a:schemeClr val="accent1">
-              <a:shade val="50000"/>
-            </a:schemeClr>
-          </a:lnRef>
-          <a:fillRef idx="1">
-            <a:schemeClr val="accent1"/>
-          </a:fillRef>
-          <a:effectRef idx="0">
-            <a:schemeClr val="accent1"/>
-          </a:effectRef>
-          <a:fontRef idx="minor">
-            <a:schemeClr val="lt1"/>
-          </a:fontRef>
-        </p:style>
-        <p:txBody>
-          <a:bodyPr rtlCol="0" anchor="ctr"/>
-          <a:lstStyle/>
-          <a:p>
-            <a:pPr algn="ctr"/>
-            <a:endParaRPr lang="ko-KR" altLang="en-US"/>
-          </a:p>
-        </p:txBody>
-      </p:sp>
-      <p:sp>
-        <p:nvSpPr>
-          <p:cNvPr id="24" name="TextBox 23"/>
-          <p:cNvSpPr txBox="1"/>
-          <p:nvPr/>
-        </p:nvSpPr>
-        <p:spPr>
-          <a:xfrm>
-            <a:off x="132832" y="1857364"/>
-            <a:ext cx="541363" cy="338554"/>
-          </a:xfrm>
-          <a:prstGeom prst="rect">
-            <a:avLst/>
-          </a:prstGeom>
-          <a:noFill/>
-        </p:spPr>
-        <p:txBody>
-          <a:bodyPr wrap="square" rtlCol="0">
-            <a:spAutoFit/>
-          </a:bodyPr>
-          <a:lstStyle/>
-          <a:p>
-            <a:r>
-              <a:rPr lang="en-US" altLang="ko-KR" sz="1600" dirty="0" smtClean="0">
-                <a:ln>
-                  <a:solidFill>
-                    <a:schemeClr val="bg1">
-                      <a:lumMod val="85000"/>
-                      <a:alpha val="30000"/>
-                    </a:schemeClr>
-                  </a:solidFill>
-                </a:ln>
-                <a:solidFill>
-                  <a:schemeClr val="bg1">
-                    <a:lumMod val="95000"/>
-                  </a:schemeClr>
-                </a:solidFill>
-                <a:latin typeface="Yoon 윤고딕 520_TT" pitchFamily="18" charset="-127"/>
-                <a:ea typeface="Yoon 윤고딕 520_TT" pitchFamily="18" charset="-127"/>
-              </a:rPr>
-              <a:t>03</a:t>
-            </a:r>
-          </a:p>
-        </p:txBody>
-      </p:sp>
-      <p:sp>
-        <p:nvSpPr>
-          <p:cNvPr id="25" name="TextBox 24"/>
-          <p:cNvSpPr txBox="1"/>
-          <p:nvPr/>
-        </p:nvSpPr>
-        <p:spPr>
-          <a:xfrm>
-            <a:off x="743325" y="52491"/>
-            <a:ext cx="2208495" cy="400110"/>
-          </a:xfrm>
-          <a:prstGeom prst="rect">
-            <a:avLst/>
-          </a:prstGeom>
-          <a:noFill/>
-        </p:spPr>
-        <p:txBody>
-          <a:bodyPr wrap="square" rtlCol="0">
-            <a:spAutoFit/>
-          </a:bodyPr>
-          <a:lstStyle/>
-          <a:p>
-            <a:pPr algn="ctr"/>
-            <a:r>
-              <a:rPr lang="en-US" altLang="ko-KR" sz="2000" b="1" dirty="0" err="1" smtClean="0">
-                <a:ln>
-                  <a:solidFill>
-                    <a:schemeClr val="bg1">
-                      <a:lumMod val="85000"/>
-                      <a:alpha val="30000"/>
-                    </a:schemeClr>
-                  </a:solidFill>
-                </a:ln>
-                <a:latin typeface="HY헤드라인M" pitchFamily="18" charset="-127"/>
-                <a:ea typeface="HY헤드라인M" pitchFamily="18" charset="-127"/>
-              </a:rPr>
-              <a:t>enum</a:t>
-            </a:r>
-            <a:endParaRPr lang="en-US" altLang="ko-KR" sz="2000" b="1" dirty="0">
-              <a:ln>
-                <a:solidFill>
-                  <a:schemeClr val="bg1">
-                    <a:lumMod val="85000"/>
-                    <a:alpha val="30000"/>
-                  </a:schemeClr>
-                </a:solidFill>
-              </a:ln>
-              <a:latin typeface="HY헤드라인M" pitchFamily="18" charset="-127"/>
-              <a:ea typeface="HY헤드라인M" pitchFamily="18" charset="-127"/>
-            </a:endParaRPr>
-          </a:p>
-        </p:txBody>
-      </p:sp>
-    </p:spTree>
-    <p:extLst>
-      <p:ext uri="{BB962C8B-B14F-4D97-AF65-F5344CB8AC3E}">
-        <p14:creationId xmlns:p14="http://schemas.microsoft.com/office/powerpoint/2010/main" val="2872479615"/>
-      </p:ext>
-    </p:extLst>
-  </p:cSld>
-  <p:clrMapOvr>
-    <a:masterClrMapping/>
-  </p:clrMapOvr>
-  <mc:AlternateContent xmlns:mc="http://schemas.openxmlformats.org/markup-compatibility/2006" xmlns:p14="http://schemas.microsoft.com/office/powerpoint/2010/main">
-    <mc:Choice Requires="p14">
-      <p:transition spd="med" p14:dur="700" advTm="1223">
-        <p:fade/>
-      </p:transition>
-    </mc:Choice>
-    <mc:Fallback xmlns="">
-      <p:transition spd="med" advTm="1223">
-        <p:fade/>
-      </p:transition>
-    </mc:Fallback>
-  </mc:AlternateContent>
-  <p:timing>
-    <p:tnLst>
-      <p:par>
-        <p:cTn id="1" dur="indefinite" restart="never" nodeType="tmRoot"/>
-      </p:par>
-    </p:tnLst>
-  </p:timing>
-</p:sld>
-</file>
-
-<file path=ppt/slides/slide32.xml><?xml version="1.0" encoding="utf-8"?>
 <p:sld xmlns:a="http://schemas.openxmlformats.org/drawingml/2006/main" xmlns:r="http://schemas.openxmlformats.org/officeDocument/2006/relationships" xmlns:p="http://schemas.openxmlformats.org/presentationml/2006/main">
   <p:cSld>
     <p:bg>
